--- a/Android_Project.pptx
+++ b/Android_Project.pptx
@@ -6,7 +6,7 @@
     <p:sldMasterId id="2147483660" r:id="rId2"/>
   </p:sldMasterIdLst>
   <p:notesMasterIdLst>
-    <p:notesMasterId r:id="rId25"/>
+    <p:notesMasterId r:id="rId27"/>
   </p:notesMasterIdLst>
   <p:sldIdLst>
     <p:sldId id="278" r:id="rId3"/>
@@ -29,8 +29,10 @@
     <p:sldId id="297" r:id="rId20"/>
     <p:sldId id="295" r:id="rId21"/>
     <p:sldId id="296" r:id="rId22"/>
-    <p:sldId id="290" r:id="rId23"/>
-    <p:sldId id="263" r:id="rId24"/>
+    <p:sldId id="301" r:id="rId23"/>
+    <p:sldId id="290" r:id="rId24"/>
+    <p:sldId id="263" r:id="rId25"/>
+    <p:sldId id="274" r:id="rId26"/>
   </p:sldIdLst>
   <p:sldSz cx="12192000" cy="6858000"/>
   <p:notesSz cx="6858000" cy="9144000"/>
@@ -219,7 +221,7 @@
           <a:p>
             <a:fld id="{F1086E90-BC53-47D5-A76B-10B441D601C1}" type="datetimeFigureOut">
               <a:rPr lang="zh-TW" altLang="en-US" smtClean="0"/>
-              <a:t>2020/6/24</a:t>
+              <a:t>2020/6/26</a:t>
             </a:fld>
             <a:endParaRPr lang="zh-TW" altLang="en-US"/>
           </a:p>
@@ -2061,18 +2063,78 @@
           <a:bodyPr/>
           <a:lstStyle/>
           <a:p>
+            <a:pPr marL="0" marR="0" lvl="0" indent="0" algn="r" defTabSz="914400" rtl="0" eaLnBrk="1" fontAlgn="auto" latinLnBrk="0" hangingPunct="1">
+              <a:lnSpc>
+                <a:spcPct val="100000"/>
+              </a:lnSpc>
+              <a:spcBef>
+                <a:spcPts val="0"/>
+              </a:spcBef>
+              <a:spcAft>
+                <a:spcPts val="0"/>
+              </a:spcAft>
+              <a:buClrTx/>
+              <a:buSzTx/>
+              <a:buFontTx/>
+              <a:buNone/>
+              <a:tabLst/>
+              <a:defRPr/>
+            </a:pPr>
             <a:fld id="{B9BCC932-0C1F-4C94-8B9A-3944ABBB4E30}" type="slidenum">
-              <a:rPr lang="zh-CN" altLang="en-US" smtClean="0"/>
+              <a:rPr kumimoji="0" lang="zh-CN" altLang="en-US" sz="1200" b="0" i="0" u="none" strike="noStrike" kern="1200" cap="none" spc="0" normalizeH="0" baseline="0" noProof="0" smtClean="0">
+                <a:ln>
+                  <a:noFill/>
+                </a:ln>
+                <a:solidFill>
+                  <a:prstClr val="black"/>
+                </a:solidFill>
+                <a:effectLst/>
+                <a:uLnTx/>
+                <a:uFillTx/>
+                <a:latin typeface="等线" panose="020F0502020204030204"/>
+                <a:ea typeface="等线" panose="02010600030101010101" pitchFamily="2" charset="-122"/>
+                <a:cs typeface="+mn-cs"/>
+              </a:rPr>
+              <a:pPr marL="0" marR="0" lvl="0" indent="0" algn="r" defTabSz="914400" rtl="0" eaLnBrk="1" fontAlgn="auto" latinLnBrk="0" hangingPunct="1">
+                <a:lnSpc>
+                  <a:spcPct val="100000"/>
+                </a:lnSpc>
+                <a:spcBef>
+                  <a:spcPts val="0"/>
+                </a:spcBef>
+                <a:spcAft>
+                  <a:spcPts val="0"/>
+                </a:spcAft>
+                <a:buClrTx/>
+                <a:buSzTx/>
+                <a:buFontTx/>
+                <a:buNone/>
+                <a:tabLst/>
+                <a:defRPr/>
+              </a:pPr>
               <a:t>21</a:t>
             </a:fld>
-            <a:endParaRPr lang="zh-CN" altLang="en-US"/>
+            <a:endParaRPr kumimoji="0" lang="zh-CN" altLang="en-US" sz="1200" b="0" i="0" u="none" strike="noStrike" kern="1200" cap="none" spc="0" normalizeH="0" baseline="0" noProof="0">
+              <a:ln>
+                <a:noFill/>
+              </a:ln>
+              <a:solidFill>
+                <a:prstClr val="black"/>
+              </a:solidFill>
+              <a:effectLst/>
+              <a:uLnTx/>
+              <a:uFillTx/>
+              <a:latin typeface="等线" panose="020F0502020204030204"/>
+              <a:ea typeface="等线" panose="02010600030101010101" pitchFamily="2" charset="-122"/>
+              <a:cs typeface="+mn-cs"/>
+            </a:endParaRPr>
           </a:p>
         </p:txBody>
       </p:sp>
     </p:spTree>
     <p:extLst>
       <p:ext uri="{BB962C8B-B14F-4D97-AF65-F5344CB8AC3E}">
-        <p14:creationId xmlns:p14="http://schemas.microsoft.com/office/powerpoint/2010/main" val="1927032711"/>
+        <p14:creationId xmlns:p14="http://schemas.microsoft.com/office/powerpoint/2010/main" val="4128294872"/>
       </p:ext>
     </p:extLst>
   </p:cSld>
@@ -2145,6 +2207,90 @@
           <a:bodyPr/>
           <a:lstStyle/>
           <a:p>
+            <a:fld id="{B9BCC932-0C1F-4C94-8B9A-3944ABBB4E30}" type="slidenum">
+              <a:rPr lang="zh-CN" altLang="en-US" smtClean="0"/>
+              <a:t>22</a:t>
+            </a:fld>
+            <a:endParaRPr lang="zh-CN" altLang="en-US"/>
+          </a:p>
+        </p:txBody>
+      </p:sp>
+    </p:spTree>
+    <p:extLst>
+      <p:ext uri="{BB962C8B-B14F-4D97-AF65-F5344CB8AC3E}">
+        <p14:creationId xmlns:p14="http://schemas.microsoft.com/office/powerpoint/2010/main" val="1927032711"/>
+      </p:ext>
+    </p:extLst>
+  </p:cSld>
+  <p:clrMapOvr>
+    <a:masterClrMapping/>
+  </p:clrMapOvr>
+</p:notes>
+</file>
+
+<file path=ppt/notesSlides/notesSlide23.xml><?xml version="1.0" encoding="utf-8"?>
+<p:notes xmlns:a="http://schemas.openxmlformats.org/drawingml/2006/main" xmlns:r="http://schemas.openxmlformats.org/officeDocument/2006/relationships" xmlns:p="http://schemas.openxmlformats.org/presentationml/2006/main">
+  <p:cSld>
+    <p:spTree>
+      <p:nvGrpSpPr>
+        <p:cNvPr id="1" name=""/>
+        <p:cNvGrpSpPr/>
+        <p:nvPr/>
+      </p:nvGrpSpPr>
+      <p:grpSpPr>
+        <a:xfrm>
+          <a:off x="0" y="0"/>
+          <a:ext cx="0" cy="0"/>
+          <a:chOff x="0" y="0"/>
+          <a:chExt cx="0" cy="0"/>
+        </a:xfrm>
+      </p:grpSpPr>
+      <p:sp>
+        <p:nvSpPr>
+          <p:cNvPr id="2" name="幻灯片图像占位符 1"/>
+          <p:cNvSpPr>
+            <a:spLocks noGrp="1" noRot="1" noChangeAspect="1"/>
+          </p:cNvSpPr>
+          <p:nvPr>
+            <p:ph type="sldImg"/>
+          </p:nvPr>
+        </p:nvSpPr>
+        <p:spPr/>
+      </p:sp>
+      <p:sp>
+        <p:nvSpPr>
+          <p:cNvPr id="3" name="备注占位符 2"/>
+          <p:cNvSpPr>
+            <a:spLocks noGrp="1"/>
+          </p:cNvSpPr>
+          <p:nvPr>
+            <p:ph type="body" idx="1"/>
+          </p:nvPr>
+        </p:nvSpPr>
+        <p:spPr/>
+        <p:txBody>
+          <a:bodyPr/>
+          <a:lstStyle/>
+          <a:p>
+            <a:endParaRPr lang="zh-CN" altLang="en-US"/>
+          </a:p>
+        </p:txBody>
+      </p:sp>
+      <p:sp>
+        <p:nvSpPr>
+          <p:cNvPr id="4" name="灯片编号占位符 3"/>
+          <p:cNvSpPr>
+            <a:spLocks noGrp="1"/>
+          </p:cNvSpPr>
+          <p:nvPr>
+            <p:ph type="sldNum" sz="quarter" idx="10"/>
+          </p:nvPr>
+        </p:nvSpPr>
+        <p:spPr/>
+        <p:txBody>
+          <a:bodyPr/>
+          <a:lstStyle/>
+          <a:p>
             <a:pPr marL="0" marR="0" lvl="0" indent="0" algn="r" defTabSz="914400" rtl="0" eaLnBrk="1" fontAlgn="auto" latinLnBrk="0" hangingPunct="1">
               <a:lnSpc>
                 <a:spcPct val="100000"/>
@@ -2194,7 +2340,7 @@
                 <a:tabLst/>
                 <a:defRPr/>
               </a:pPr>
-              <a:t>22</a:t>
+              <a:t>23</a:t>
             </a:fld>
             <a:endParaRPr kumimoji="0" lang="zh-CN" altLang="en-US" sz="1200" b="0" i="0" u="none" strike="noStrike" kern="1200" cap="none" spc="0" normalizeH="0" baseline="0" noProof="0">
               <a:ln>
@@ -2217,6 +2363,150 @@
     <p:extLst>
       <p:ext uri="{BB962C8B-B14F-4D97-AF65-F5344CB8AC3E}">
         <p14:creationId xmlns:p14="http://schemas.microsoft.com/office/powerpoint/2010/main" val="457746683"/>
+      </p:ext>
+    </p:extLst>
+  </p:cSld>
+  <p:clrMapOvr>
+    <a:masterClrMapping/>
+  </p:clrMapOvr>
+</p:notes>
+</file>
+
+<file path=ppt/notesSlides/notesSlide24.xml><?xml version="1.0" encoding="utf-8"?>
+<p:notes xmlns:a="http://schemas.openxmlformats.org/drawingml/2006/main" xmlns:r="http://schemas.openxmlformats.org/officeDocument/2006/relationships" xmlns:p="http://schemas.openxmlformats.org/presentationml/2006/main">
+  <p:cSld>
+    <p:spTree>
+      <p:nvGrpSpPr>
+        <p:cNvPr id="1" name=""/>
+        <p:cNvGrpSpPr/>
+        <p:nvPr/>
+      </p:nvGrpSpPr>
+      <p:grpSpPr>
+        <a:xfrm>
+          <a:off x="0" y="0"/>
+          <a:ext cx="0" cy="0"/>
+          <a:chOff x="0" y="0"/>
+          <a:chExt cx="0" cy="0"/>
+        </a:xfrm>
+      </p:grpSpPr>
+      <p:sp>
+        <p:nvSpPr>
+          <p:cNvPr id="2" name="幻灯片图像占位符 1"/>
+          <p:cNvSpPr>
+            <a:spLocks noGrp="1" noRot="1" noChangeAspect="1"/>
+          </p:cNvSpPr>
+          <p:nvPr>
+            <p:ph type="sldImg"/>
+          </p:nvPr>
+        </p:nvSpPr>
+        <p:spPr/>
+      </p:sp>
+      <p:sp>
+        <p:nvSpPr>
+          <p:cNvPr id="3" name="备注占位符 2"/>
+          <p:cNvSpPr>
+            <a:spLocks noGrp="1"/>
+          </p:cNvSpPr>
+          <p:nvPr>
+            <p:ph type="body" idx="1"/>
+          </p:nvPr>
+        </p:nvSpPr>
+        <p:spPr/>
+        <p:txBody>
+          <a:bodyPr/>
+          <a:lstStyle/>
+          <a:p>
+            <a:endParaRPr lang="zh-CN" altLang="en-US"/>
+          </a:p>
+        </p:txBody>
+      </p:sp>
+      <p:sp>
+        <p:nvSpPr>
+          <p:cNvPr id="4" name="灯片编号占位符 3"/>
+          <p:cNvSpPr>
+            <a:spLocks noGrp="1"/>
+          </p:cNvSpPr>
+          <p:nvPr>
+            <p:ph type="sldNum" sz="quarter" idx="10"/>
+          </p:nvPr>
+        </p:nvSpPr>
+        <p:spPr/>
+        <p:txBody>
+          <a:bodyPr/>
+          <a:lstStyle/>
+          <a:p>
+            <a:pPr marL="0" marR="0" lvl="0" indent="0" algn="r" defTabSz="914400" rtl="0" eaLnBrk="1" fontAlgn="auto" latinLnBrk="0" hangingPunct="1">
+              <a:lnSpc>
+                <a:spcPct val="100000"/>
+              </a:lnSpc>
+              <a:spcBef>
+                <a:spcPts val="0"/>
+              </a:spcBef>
+              <a:spcAft>
+                <a:spcPts val="0"/>
+              </a:spcAft>
+              <a:buClrTx/>
+              <a:buSzTx/>
+              <a:buFontTx/>
+              <a:buNone/>
+              <a:tabLst/>
+              <a:defRPr/>
+            </a:pPr>
+            <a:fld id="{B9BCC932-0C1F-4C94-8B9A-3944ABBB4E30}" type="slidenum">
+              <a:rPr kumimoji="0" lang="zh-CN" altLang="en-US" sz="1200" b="0" i="0" u="none" strike="noStrike" kern="1200" cap="none" spc="0" normalizeH="0" baseline="0" noProof="0" smtClean="0">
+                <a:ln>
+                  <a:noFill/>
+                </a:ln>
+                <a:solidFill>
+                  <a:prstClr val="black"/>
+                </a:solidFill>
+                <a:effectLst/>
+                <a:uLnTx/>
+                <a:uFillTx/>
+                <a:latin typeface="等线" panose="020F0502020204030204"/>
+                <a:ea typeface="等线" panose="02010600030101010101" pitchFamily="2" charset="-122"/>
+                <a:cs typeface="+mn-cs"/>
+              </a:rPr>
+              <a:pPr marL="0" marR="0" lvl="0" indent="0" algn="r" defTabSz="914400" rtl="0" eaLnBrk="1" fontAlgn="auto" latinLnBrk="0" hangingPunct="1">
+                <a:lnSpc>
+                  <a:spcPct val="100000"/>
+                </a:lnSpc>
+                <a:spcBef>
+                  <a:spcPts val="0"/>
+                </a:spcBef>
+                <a:spcAft>
+                  <a:spcPts val="0"/>
+                </a:spcAft>
+                <a:buClrTx/>
+                <a:buSzTx/>
+                <a:buFontTx/>
+                <a:buNone/>
+                <a:tabLst/>
+                <a:defRPr/>
+              </a:pPr>
+              <a:t>24</a:t>
+            </a:fld>
+            <a:endParaRPr kumimoji="0" lang="zh-CN" altLang="en-US" sz="1200" b="0" i="0" u="none" strike="noStrike" kern="1200" cap="none" spc="0" normalizeH="0" baseline="0" noProof="0">
+              <a:ln>
+                <a:noFill/>
+              </a:ln>
+              <a:solidFill>
+                <a:prstClr val="black"/>
+              </a:solidFill>
+              <a:effectLst/>
+              <a:uLnTx/>
+              <a:uFillTx/>
+              <a:latin typeface="等线" panose="020F0502020204030204"/>
+              <a:ea typeface="等线" panose="02010600030101010101" pitchFamily="2" charset="-122"/>
+              <a:cs typeface="+mn-cs"/>
+            </a:endParaRPr>
+          </a:p>
+        </p:txBody>
+      </p:sp>
+    </p:spTree>
+    <p:extLst>
+      <p:ext uri="{BB962C8B-B14F-4D97-AF65-F5344CB8AC3E}">
+        <p14:creationId xmlns:p14="http://schemas.microsoft.com/office/powerpoint/2010/main" val="2845820821"/>
       </p:ext>
     </p:extLst>
   </p:cSld>
@@ -2961,7 +3251,7 @@
           <a:p>
             <a:fld id="{AC25941B-3377-41F9-AD8E-DC4A5351060D}" type="datetimeFigureOut">
               <a:rPr lang="zh-TW" altLang="en-US" smtClean="0"/>
-              <a:t>2020/6/24</a:t>
+              <a:t>2020/6/26</a:t>
             </a:fld>
             <a:endParaRPr lang="zh-TW" altLang="en-US"/>
           </a:p>
@@ -3159,7 +3449,7 @@
           <a:p>
             <a:fld id="{AC25941B-3377-41F9-AD8E-DC4A5351060D}" type="datetimeFigureOut">
               <a:rPr lang="zh-TW" altLang="en-US" smtClean="0"/>
-              <a:t>2020/6/24</a:t>
+              <a:t>2020/6/26</a:t>
             </a:fld>
             <a:endParaRPr lang="zh-TW" altLang="en-US"/>
           </a:p>
@@ -3367,7 +3657,7 @@
           <a:p>
             <a:fld id="{AC25941B-3377-41F9-AD8E-DC4A5351060D}" type="datetimeFigureOut">
               <a:rPr lang="zh-TW" altLang="en-US" smtClean="0"/>
-              <a:t>2020/6/24</a:t>
+              <a:t>2020/6/26</a:t>
             </a:fld>
             <a:endParaRPr lang="zh-TW" altLang="en-US"/>
           </a:p>
@@ -3569,7 +3859,7 @@
           <a:p>
             <a:fld id="{8AF6F278-ABF0-48CA-ADF0-1D43CCA8A181}" type="datetimeFigureOut">
               <a:rPr lang="zh-CN" altLang="en-US" smtClean="0"/>
-              <a:t>2020/6/24</a:t>
+              <a:t>2020/6/26</a:t>
             </a:fld>
             <a:endParaRPr lang="zh-CN" altLang="en-US"/>
           </a:p>
@@ -3745,7 +4035,7 @@
           <a:p>
             <a:fld id="{8AF6F278-ABF0-48CA-ADF0-1D43CCA8A181}" type="datetimeFigureOut">
               <a:rPr lang="zh-CN" altLang="en-US" smtClean="0"/>
-              <a:t>2020/6/24</a:t>
+              <a:t>2020/6/26</a:t>
             </a:fld>
             <a:endParaRPr lang="zh-CN" altLang="en-US"/>
           </a:p>
@@ -3998,7 +4288,7 @@
           <a:p>
             <a:fld id="{8AF6F278-ABF0-48CA-ADF0-1D43CCA8A181}" type="datetimeFigureOut">
               <a:rPr lang="zh-CN" altLang="en-US" smtClean="0"/>
-              <a:t>2020/6/24</a:t>
+              <a:t>2020/6/26</a:t>
             </a:fld>
             <a:endParaRPr lang="zh-CN" altLang="en-US"/>
           </a:p>
@@ -4235,7 +4525,7 @@
           <a:p>
             <a:fld id="{8AF6F278-ABF0-48CA-ADF0-1D43CCA8A181}" type="datetimeFigureOut">
               <a:rPr lang="zh-CN" altLang="en-US" smtClean="0"/>
-              <a:t>2020/6/24</a:t>
+              <a:t>2020/6/26</a:t>
             </a:fld>
             <a:endParaRPr lang="zh-CN" altLang="en-US"/>
           </a:p>
@@ -4607,7 +4897,7 @@
           <a:p>
             <a:fld id="{8AF6F278-ABF0-48CA-ADF0-1D43CCA8A181}" type="datetimeFigureOut">
               <a:rPr lang="zh-CN" altLang="en-US" smtClean="0"/>
-              <a:t>2020/6/24</a:t>
+              <a:t>2020/6/26</a:t>
             </a:fld>
             <a:endParaRPr lang="zh-CN" altLang="en-US"/>
           </a:p>
@@ -4732,7 +5022,7 @@
           <a:p>
             <a:fld id="{8AF6F278-ABF0-48CA-ADF0-1D43CCA8A181}" type="datetimeFigureOut">
               <a:rPr lang="zh-CN" altLang="en-US" smtClean="0"/>
-              <a:t>2020/6/24</a:t>
+              <a:t>2020/6/26</a:t>
             </a:fld>
             <a:endParaRPr lang="zh-CN" altLang="en-US"/>
           </a:p>
@@ -4835,7 +5125,7 @@
           <a:p>
             <a:fld id="{8AF6F278-ABF0-48CA-ADF0-1D43CCA8A181}" type="datetimeFigureOut">
               <a:rPr lang="zh-CN" altLang="en-US" smtClean="0"/>
-              <a:t>2020/6/24</a:t>
+              <a:t>2020/6/26</a:t>
             </a:fld>
             <a:endParaRPr lang="zh-CN" altLang="en-US"/>
           </a:p>
@@ -5118,7 +5408,7 @@
           <a:p>
             <a:fld id="{8AF6F278-ABF0-48CA-ADF0-1D43CCA8A181}" type="datetimeFigureOut">
               <a:rPr lang="zh-CN" altLang="en-US" smtClean="0"/>
-              <a:t>2020/6/24</a:t>
+              <a:t>2020/6/26</a:t>
             </a:fld>
             <a:endParaRPr lang="zh-CN" altLang="en-US"/>
           </a:p>
@@ -5312,7 +5602,7 @@
           <a:p>
             <a:fld id="{AC25941B-3377-41F9-AD8E-DC4A5351060D}" type="datetimeFigureOut">
               <a:rPr lang="zh-TW" altLang="en-US" smtClean="0"/>
-              <a:t>2020/6/24</a:t>
+              <a:t>2020/6/26</a:t>
             </a:fld>
             <a:endParaRPr lang="zh-TW" altLang="en-US"/>
           </a:p>
@@ -5576,7 +5866,7 @@
           <a:p>
             <a:fld id="{8AF6F278-ABF0-48CA-ADF0-1D43CCA8A181}" type="datetimeFigureOut">
               <a:rPr lang="zh-CN" altLang="en-US" smtClean="0"/>
-              <a:t>2020/6/24</a:t>
+              <a:t>2020/6/26</a:t>
             </a:fld>
             <a:endParaRPr lang="zh-CN" altLang="en-US"/>
           </a:p>
@@ -5752,7 +6042,7 @@
           <a:p>
             <a:fld id="{8AF6F278-ABF0-48CA-ADF0-1D43CCA8A181}" type="datetimeFigureOut">
               <a:rPr lang="zh-CN" altLang="en-US" smtClean="0"/>
-              <a:t>2020/6/24</a:t>
+              <a:t>2020/6/26</a:t>
             </a:fld>
             <a:endParaRPr lang="zh-CN" altLang="en-US"/>
           </a:p>
@@ -5938,7 +6228,7 @@
           <a:p>
             <a:fld id="{8AF6F278-ABF0-48CA-ADF0-1D43CCA8A181}" type="datetimeFigureOut">
               <a:rPr lang="zh-CN" altLang="en-US" smtClean="0"/>
-              <a:t>2020/6/24</a:t>
+              <a:t>2020/6/26</a:t>
             </a:fld>
             <a:endParaRPr lang="zh-CN" altLang="en-US"/>
           </a:p>
@@ -6209,7 +6499,7 @@
           <a:p>
             <a:fld id="{AC25941B-3377-41F9-AD8E-DC4A5351060D}" type="datetimeFigureOut">
               <a:rPr lang="zh-TW" altLang="en-US" smtClean="0"/>
-              <a:t>2020/6/24</a:t>
+              <a:t>2020/6/26</a:t>
             </a:fld>
             <a:endParaRPr lang="zh-TW" altLang="en-US"/>
           </a:p>
@@ -6474,7 +6764,7 @@
           <a:p>
             <a:fld id="{AC25941B-3377-41F9-AD8E-DC4A5351060D}" type="datetimeFigureOut">
               <a:rPr lang="zh-TW" altLang="en-US" smtClean="0"/>
-              <a:t>2020/6/24</a:t>
+              <a:t>2020/6/26</a:t>
             </a:fld>
             <a:endParaRPr lang="zh-TW" altLang="en-US"/>
           </a:p>
@@ -6886,7 +7176,7 @@
           <a:p>
             <a:fld id="{AC25941B-3377-41F9-AD8E-DC4A5351060D}" type="datetimeFigureOut">
               <a:rPr lang="zh-TW" altLang="en-US" smtClean="0"/>
-              <a:t>2020/6/24</a:t>
+              <a:t>2020/6/26</a:t>
             </a:fld>
             <a:endParaRPr lang="zh-TW" altLang="en-US"/>
           </a:p>
@@ -7027,7 +7317,7 @@
           <a:p>
             <a:fld id="{AC25941B-3377-41F9-AD8E-DC4A5351060D}" type="datetimeFigureOut">
               <a:rPr lang="zh-TW" altLang="en-US" smtClean="0"/>
-              <a:t>2020/6/24</a:t>
+              <a:t>2020/6/26</a:t>
             </a:fld>
             <a:endParaRPr lang="zh-TW" altLang="en-US"/>
           </a:p>
@@ -7140,7 +7430,7 @@
           <a:p>
             <a:fld id="{AC25941B-3377-41F9-AD8E-DC4A5351060D}" type="datetimeFigureOut">
               <a:rPr lang="zh-TW" altLang="en-US" smtClean="0"/>
-              <a:t>2020/6/24</a:t>
+              <a:t>2020/6/26</a:t>
             </a:fld>
             <a:endParaRPr lang="zh-TW" altLang="en-US"/>
           </a:p>
@@ -7451,7 +7741,7 @@
           <a:p>
             <a:fld id="{AC25941B-3377-41F9-AD8E-DC4A5351060D}" type="datetimeFigureOut">
               <a:rPr lang="zh-TW" altLang="en-US" smtClean="0"/>
-              <a:t>2020/6/24</a:t>
+              <a:t>2020/6/26</a:t>
             </a:fld>
             <a:endParaRPr lang="zh-TW" altLang="en-US"/>
           </a:p>
@@ -7739,7 +8029,7 @@
           <a:p>
             <a:fld id="{AC25941B-3377-41F9-AD8E-DC4A5351060D}" type="datetimeFigureOut">
               <a:rPr lang="zh-TW" altLang="en-US" smtClean="0"/>
-              <a:t>2020/6/24</a:t>
+              <a:t>2020/6/26</a:t>
             </a:fld>
             <a:endParaRPr lang="zh-TW" altLang="en-US"/>
           </a:p>
@@ -7980,7 +8270,7 @@
           <a:p>
             <a:fld id="{AC25941B-3377-41F9-AD8E-DC4A5351060D}" type="datetimeFigureOut">
               <a:rPr lang="zh-TW" altLang="en-US" smtClean="0"/>
-              <a:t>2020/6/24</a:t>
+              <a:t>2020/6/26</a:t>
             </a:fld>
             <a:endParaRPr lang="zh-TW" altLang="en-US"/>
           </a:p>
@@ -8530,7 +8820,7 @@
           <a:p>
             <a:fld id="{8AF6F278-ABF0-48CA-ADF0-1D43CCA8A181}" type="datetimeFigureOut">
               <a:rPr lang="zh-CN" altLang="en-US" smtClean="0"/>
-              <a:t>2020/6/24</a:t>
+              <a:t>2020/6/26</a:t>
             </a:fld>
             <a:endParaRPr lang="zh-CN" altLang="en-US"/>
           </a:p>
@@ -12830,7 +13120,7 @@
           <p:nvPr>
             <p:extLst>
               <p:ext uri="{D42A27DB-BD31-4B8C-83A1-F6EECF244321}">
-                <p14:modId xmlns:p14="http://schemas.microsoft.com/office/powerpoint/2010/main" val="2554395435"/>
+                <p14:modId xmlns:p14="http://schemas.microsoft.com/office/powerpoint/2010/main" val="1695097657"/>
               </p:ext>
             </p:extLst>
           </p:nvPr>
@@ -13137,6 +13427,10 @@
                     <a:lstStyle/>
                     <a:p>
                       <a:pPr algn="ctr"/>
+                      <a:r>
+                        <a:rPr lang="en-US" altLang="zh-TW" dirty="0" err="1"/>
+                        <a:t>AlertDialog</a:t>
+                      </a:r>
                       <a:endParaRPr lang="zh-TW" altLang="en-US" dirty="0"/>
                     </a:p>
                   </a:txBody>
@@ -13910,10 +14204,10 @@
         </p:nvGrpSpPr>
         <p:grpSpPr>
           <a:xfrm>
-            <a:off x="796412" y="1363882"/>
-            <a:ext cx="6231162" cy="1174777"/>
+            <a:off x="796411" y="1363882"/>
+            <a:ext cx="6944916" cy="962258"/>
             <a:chOff x="6177683" y="1666134"/>
-            <a:chExt cx="4719271" cy="1531009"/>
+            <a:chExt cx="5259844" cy="1254047"/>
           </a:xfrm>
         </p:grpSpPr>
         <p:grpSp>
@@ -14055,7 +14349,7 @@
           <p:spPr>
             <a:xfrm>
               <a:off x="6297560" y="1769806"/>
-              <a:ext cx="4599394" cy="1150375"/>
+              <a:ext cx="5139967" cy="1150375"/>
             </a:xfrm>
             <a:prstGeom prst="rect">
               <a:avLst/>
@@ -14108,7 +14402,7 @@
           </p:nvSpPr>
           <p:spPr>
             <a:xfrm>
-              <a:off x="6353312" y="1973019"/>
+              <a:off x="6239004" y="1973019"/>
               <a:ext cx="1032387" cy="922541"/>
             </a:xfrm>
             <a:prstGeom prst="rect">
@@ -14161,8 +14455,8 @@
           </p:nvSpPr>
           <p:spPr>
             <a:xfrm>
-              <a:off x="7249264" y="2114160"/>
-              <a:ext cx="3570735" cy="1082983"/>
+              <a:off x="7087895" y="2114160"/>
+              <a:ext cx="4349631" cy="601657"/>
             </a:xfrm>
             <a:prstGeom prst="rect">
               <a:avLst/>
@@ -14195,7 +14489,7 @@
                   <a:latin typeface="FZZhengHeiS-DB-GB" panose="02000000000000000000" pitchFamily="2" charset="0"/>
                   <a:ea typeface="FZZhengHeiS-DB-GB" panose="02000000000000000000" pitchFamily="2" charset="0"/>
                 </a:rPr>
-                <a:t>來儲存月分與日期</a:t>
+                <a:t>來儲存月份、日期與星座</a:t>
               </a:r>
               <a:endParaRPr lang="zh-CN" altLang="en-US" sz="2400" dirty="0">
                 <a:latin typeface="FZZhengHeiS-DB-GB" panose="02000000000000000000" pitchFamily="2" charset="0"/>
@@ -14205,6 +14499,186 @@
           </p:txBody>
         </p:sp>
       </p:grpSp>
+      <p:pic>
+        <p:nvPicPr>
+          <p:cNvPr id="3" name="圖片 2">
+            <a:extLst>
+              <a:ext uri="{FF2B5EF4-FFF2-40B4-BE49-F238E27FC236}">
+                <a16:creationId xmlns:a16="http://schemas.microsoft.com/office/drawing/2014/main" id="{80CFB5CD-DC70-4EA1-8105-DB56F0A40DF0}"/>
+              </a:ext>
+            </a:extLst>
+          </p:cNvPr>
+          <p:cNvPicPr>
+            <a:picLocks noChangeAspect="1"/>
+          </p:cNvPicPr>
+          <p:nvPr/>
+        </p:nvPicPr>
+        <p:blipFill>
+          <a:blip r:embed="rId6">
+            <a:extLst>
+              <a:ext uri="{28A0092B-C50C-407E-A947-70E740481C1C}">
+                <a14:useLocalDpi xmlns:a14="http://schemas.microsoft.com/office/drawing/2010/main" val="0"/>
+              </a:ext>
+            </a:extLst>
+          </a:blip>
+          <a:stretch>
+            <a:fillRect/>
+          </a:stretch>
+        </p:blipFill>
+        <p:spPr>
+          <a:xfrm>
+            <a:off x="917483" y="2434606"/>
+            <a:ext cx="2408725" cy="2332711"/>
+          </a:xfrm>
+          <a:prstGeom prst="rect">
+            <a:avLst/>
+          </a:prstGeom>
+        </p:spPr>
+      </p:pic>
+      <p:pic>
+        <p:nvPicPr>
+          <p:cNvPr id="5" name="圖片 4">
+            <a:extLst>
+              <a:ext uri="{FF2B5EF4-FFF2-40B4-BE49-F238E27FC236}">
+                <a16:creationId xmlns:a16="http://schemas.microsoft.com/office/drawing/2014/main" id="{3B41A24C-1F29-43DF-8515-7C08C35579A8}"/>
+              </a:ext>
+            </a:extLst>
+          </p:cNvPr>
+          <p:cNvPicPr>
+            <a:picLocks noChangeAspect="1"/>
+          </p:cNvPicPr>
+          <p:nvPr/>
+        </p:nvPicPr>
+        <p:blipFill>
+          <a:blip r:embed="rId7">
+            <a:extLst>
+              <a:ext uri="{28A0092B-C50C-407E-A947-70E740481C1C}">
+                <a14:useLocalDpi xmlns:a14="http://schemas.microsoft.com/office/drawing/2010/main" val="0"/>
+              </a:ext>
+            </a:extLst>
+          </a:blip>
+          <a:stretch>
+            <a:fillRect/>
+          </a:stretch>
+        </p:blipFill>
+        <p:spPr>
+          <a:xfrm>
+            <a:off x="6887270" y="2590370"/>
+            <a:ext cx="2347163" cy="2789162"/>
+          </a:xfrm>
+          <a:prstGeom prst="rect">
+            <a:avLst/>
+          </a:prstGeom>
+        </p:spPr>
+      </p:pic>
+      <p:pic>
+        <p:nvPicPr>
+          <p:cNvPr id="8" name="圖片 7">
+            <a:extLst>
+              <a:ext uri="{FF2B5EF4-FFF2-40B4-BE49-F238E27FC236}">
+                <a16:creationId xmlns:a16="http://schemas.microsoft.com/office/drawing/2014/main" id="{A7BA3A00-5CAB-49A2-AF9D-8B20CD7DBF4C}"/>
+              </a:ext>
+            </a:extLst>
+          </p:cNvPr>
+          <p:cNvPicPr>
+            <a:picLocks noChangeAspect="1"/>
+          </p:cNvPicPr>
+          <p:nvPr/>
+        </p:nvPicPr>
+        <p:blipFill>
+          <a:blip r:embed="rId8">
+            <a:extLst>
+              <a:ext uri="{28A0092B-C50C-407E-A947-70E740481C1C}">
+                <a14:useLocalDpi xmlns:a14="http://schemas.microsoft.com/office/drawing/2010/main" val="0"/>
+              </a:ext>
+            </a:extLst>
+          </a:blip>
+          <a:stretch>
+            <a:fillRect/>
+          </a:stretch>
+        </p:blipFill>
+        <p:spPr>
+          <a:xfrm>
+            <a:off x="9754842" y="1938494"/>
+            <a:ext cx="1640748" cy="4725354"/>
+          </a:xfrm>
+          <a:prstGeom prst="rect">
+            <a:avLst/>
+          </a:prstGeom>
+        </p:spPr>
+      </p:pic>
+      <p:pic>
+        <p:nvPicPr>
+          <p:cNvPr id="10" name="圖片 9">
+            <a:extLst>
+              <a:ext uri="{FF2B5EF4-FFF2-40B4-BE49-F238E27FC236}">
+                <a16:creationId xmlns:a16="http://schemas.microsoft.com/office/drawing/2014/main" id="{C13651B4-575C-47F0-8D5E-9801CB73042C}"/>
+              </a:ext>
+            </a:extLst>
+          </p:cNvPr>
+          <p:cNvPicPr>
+            <a:picLocks noChangeAspect="1"/>
+          </p:cNvPicPr>
+          <p:nvPr/>
+        </p:nvPicPr>
+        <p:blipFill>
+          <a:blip r:embed="rId9">
+            <a:extLst>
+              <a:ext uri="{28A0092B-C50C-407E-A947-70E740481C1C}">
+                <a14:useLocalDpi xmlns:a14="http://schemas.microsoft.com/office/drawing/2010/main" val="0"/>
+              </a:ext>
+            </a:extLst>
+          </a:blip>
+          <a:stretch>
+            <a:fillRect/>
+          </a:stretch>
+        </p:blipFill>
+        <p:spPr>
+          <a:xfrm>
+            <a:off x="917483" y="4875783"/>
+            <a:ext cx="5642465" cy="1916943"/>
+          </a:xfrm>
+          <a:prstGeom prst="rect">
+            <a:avLst/>
+          </a:prstGeom>
+        </p:spPr>
+      </p:pic>
+      <p:pic>
+        <p:nvPicPr>
+          <p:cNvPr id="12" name="圖片 11">
+            <a:extLst>
+              <a:ext uri="{FF2B5EF4-FFF2-40B4-BE49-F238E27FC236}">
+                <a16:creationId xmlns:a16="http://schemas.microsoft.com/office/drawing/2014/main" id="{2EEB43AF-15BD-4039-8F83-471891EC7C05}"/>
+              </a:ext>
+            </a:extLst>
+          </p:cNvPr>
+          <p:cNvPicPr>
+            <a:picLocks noChangeAspect="1"/>
+          </p:cNvPicPr>
+          <p:nvPr/>
+        </p:nvPicPr>
+        <p:blipFill>
+          <a:blip r:embed="rId10">
+            <a:extLst>
+              <a:ext uri="{28A0092B-C50C-407E-A947-70E740481C1C}">
+                <a14:useLocalDpi xmlns:a14="http://schemas.microsoft.com/office/drawing/2010/main" val="0"/>
+              </a:ext>
+            </a:extLst>
+          </a:blip>
+          <a:stretch>
+            <a:fillRect/>
+          </a:stretch>
+        </p:blipFill>
+        <p:spPr>
+          <a:xfrm>
+            <a:off x="3653530" y="2452753"/>
+            <a:ext cx="2347164" cy="2314564"/>
+          </a:xfrm>
+          <a:prstGeom prst="rect">
+            <a:avLst/>
+          </a:prstGeom>
+        </p:spPr>
+      </p:pic>
     </p:spTree>
     <p:extLst>
       <p:ext uri="{BB962C8B-B14F-4D97-AF65-F5344CB8AC3E}">
@@ -14245,6 +14719,42 @@
       </p:grpSpPr>
       <p:pic>
         <p:nvPicPr>
+          <p:cNvPr id="3" name="圖片 2">
+            <a:extLst>
+              <a:ext uri="{FF2B5EF4-FFF2-40B4-BE49-F238E27FC236}">
+                <a16:creationId xmlns:a16="http://schemas.microsoft.com/office/drawing/2014/main" id="{A7A76B82-E04A-4629-BF33-A32140D78FA8}"/>
+              </a:ext>
+            </a:extLst>
+          </p:cNvPr>
+          <p:cNvPicPr>
+            <a:picLocks noChangeAspect="1"/>
+          </p:cNvPicPr>
+          <p:nvPr/>
+        </p:nvPicPr>
+        <p:blipFill>
+          <a:blip r:embed="rId3">
+            <a:extLst>
+              <a:ext uri="{28A0092B-C50C-407E-A947-70E740481C1C}">
+                <a14:useLocalDpi xmlns:a14="http://schemas.microsoft.com/office/drawing/2010/main" val="0"/>
+              </a:ext>
+            </a:extLst>
+          </a:blip>
+          <a:stretch>
+            <a:fillRect/>
+          </a:stretch>
+        </p:blipFill>
+        <p:spPr>
+          <a:xfrm>
+            <a:off x="880174" y="2742965"/>
+            <a:ext cx="6416596" cy="2027096"/>
+          </a:xfrm>
+          <a:prstGeom prst="rect">
+            <a:avLst/>
+          </a:prstGeom>
+        </p:spPr>
+      </p:pic>
+      <p:pic>
+        <p:nvPicPr>
           <p:cNvPr id="7" name="图片 6"/>
           <p:cNvPicPr>
             <a:picLocks noChangeAspect="1"/>
@@ -14252,7 +14762,7 @@
           <p:nvPr/>
         </p:nvPicPr>
         <p:blipFill>
-          <a:blip r:embed="rId3" cstate="print">
+          <a:blip r:embed="rId4" cstate="print">
             <a:extLst>
               <a:ext uri="{28A0092B-C50C-407E-A947-70E740481C1C}">
                 <a14:useLocalDpi xmlns:a14="http://schemas.microsoft.com/office/drawing/2010/main" val="0"/>
@@ -14288,11 +14798,11 @@
           <p:nvPr/>
         </p:nvPicPr>
         <p:blipFill rotWithShape="1">
-          <a:blip r:embed="rId4">
+          <a:blip r:embed="rId5">
             <a:extLst>
               <a:ext uri="{BEBA8EAE-BF5A-486C-A8C5-ECC9F3942E4B}">
                 <a14:imgProps xmlns:a14="http://schemas.microsoft.com/office/drawing/2010/main">
-                  <a14:imgLayer r:embed="rId5">
+                  <a14:imgLayer r:embed="rId6">
                     <a14:imgEffect>
                       <a14:backgroundRemoval t="6586" b="93761" l="6586" r="92721">
                         <a14:foregroundMark x1="63605" y1="12305" x2="29937" y2="11819"/>
@@ -14862,6 +15372,135 @@
           </p:txBody>
         </p:sp>
       </p:grpSp>
+      <p:cxnSp>
+        <p:nvCxnSpPr>
+          <p:cNvPr id="21" name="直線接點 20">
+            <a:extLst>
+              <a:ext uri="{FF2B5EF4-FFF2-40B4-BE49-F238E27FC236}">
+                <a16:creationId xmlns:a16="http://schemas.microsoft.com/office/drawing/2014/main" id="{763F33A6-88CB-4143-B7F4-7048B7E2D711}"/>
+              </a:ext>
+            </a:extLst>
+          </p:cNvPr>
+          <p:cNvCxnSpPr>
+            <a:cxnSpLocks/>
+          </p:cNvCxnSpPr>
+          <p:nvPr/>
+        </p:nvCxnSpPr>
+        <p:spPr>
+          <a:xfrm>
+            <a:off x="3346882" y="3756513"/>
+            <a:ext cx="4651899" cy="0"/>
+          </a:xfrm>
+          <a:prstGeom prst="line">
+            <a:avLst/>
+          </a:prstGeom>
+          <a:ln w="38100">
+            <a:solidFill>
+              <a:srgbClr val="7030A0"/>
+            </a:solidFill>
+            <a:miter lim="800000"/>
+            <a:headEnd type="oval"/>
+          </a:ln>
+        </p:spPr>
+        <p:style>
+          <a:lnRef idx="1">
+            <a:schemeClr val="accent1"/>
+          </a:lnRef>
+          <a:fillRef idx="0">
+            <a:schemeClr val="accent1"/>
+          </a:fillRef>
+          <a:effectRef idx="0">
+            <a:schemeClr val="accent1"/>
+          </a:effectRef>
+          <a:fontRef idx="minor">
+            <a:schemeClr val="tx1"/>
+          </a:fontRef>
+        </p:style>
+      </p:cxnSp>
+      <p:sp>
+        <p:nvSpPr>
+          <p:cNvPr id="22" name="文本框 197">
+            <a:extLst>
+              <a:ext uri="{FF2B5EF4-FFF2-40B4-BE49-F238E27FC236}">
+                <a16:creationId xmlns:a16="http://schemas.microsoft.com/office/drawing/2014/main" id="{30025CFE-3D52-464A-936D-888E3DD8CC5C}"/>
+              </a:ext>
+            </a:extLst>
+          </p:cNvPr>
+          <p:cNvSpPr txBox="1"/>
+          <p:nvPr/>
+        </p:nvSpPr>
+        <p:spPr>
+          <a:xfrm>
+            <a:off x="8022265" y="3429000"/>
+            <a:ext cx="3465440" cy="646331"/>
+          </a:xfrm>
+          <a:prstGeom prst="rect">
+            <a:avLst/>
+          </a:prstGeom>
+          <a:noFill/>
+        </p:spPr>
+        <p:txBody>
+          <a:bodyPr wrap="square" rtlCol="0">
+            <a:spAutoFit/>
+          </a:bodyPr>
+          <a:lstStyle/>
+          <a:p>
+            <a:r>
+              <a:rPr lang="zh-TW" altLang="en-US" dirty="0">
+                <a:latin typeface="微軟正黑體" panose="020B0604030504040204" pitchFamily="34" charset="-120"/>
+                <a:ea typeface="微軟正黑體" panose="020B0604030504040204" pitchFamily="34" charset="-120"/>
+              </a:rPr>
+              <a:t>用</a:t>
+            </a:r>
+            <a:r>
+              <a:rPr lang="en-US" altLang="zh-TW" dirty="0" err="1">
+                <a:latin typeface="微軟正黑體" panose="020B0604030504040204" pitchFamily="34" charset="-120"/>
+                <a:ea typeface="微軟正黑體" panose="020B0604030504040204" pitchFamily="34" charset="-120"/>
+              </a:rPr>
+              <a:t>putExtra</a:t>
+            </a:r>
+            <a:r>
+              <a:rPr lang="zh-TW" altLang="en-US" dirty="0">
+                <a:latin typeface="微軟正黑體" panose="020B0604030504040204" pitchFamily="34" charset="-120"/>
+                <a:ea typeface="微軟正黑體" panose="020B0604030504040204" pitchFamily="34" charset="-120"/>
+              </a:rPr>
+              <a:t>傳遞資料，在另外一個</a:t>
+            </a:r>
+            <a:r>
+              <a:rPr lang="en-US" altLang="zh-TW" dirty="0">
+                <a:latin typeface="微軟正黑體" panose="020B0604030504040204" pitchFamily="34" charset="-120"/>
+                <a:ea typeface="微軟正黑體" panose="020B0604030504040204" pitchFamily="34" charset="-120"/>
+              </a:rPr>
+              <a:t>Activity</a:t>
+            </a:r>
+            <a:r>
+              <a:rPr lang="zh-TW" altLang="en-US" dirty="0">
+                <a:latin typeface="微軟正黑體" panose="020B0604030504040204" pitchFamily="34" charset="-120"/>
+                <a:ea typeface="微軟正黑體" panose="020B0604030504040204" pitchFamily="34" charset="-120"/>
+              </a:rPr>
+              <a:t>用</a:t>
+            </a:r>
+            <a:r>
+              <a:rPr lang="en-US" altLang="zh-TW" dirty="0" err="1">
+                <a:latin typeface="微軟正黑體" panose="020B0604030504040204" pitchFamily="34" charset="-120"/>
+                <a:ea typeface="微軟正黑體" panose="020B0604030504040204" pitchFamily="34" charset="-120"/>
+              </a:rPr>
+              <a:t>getExtra</a:t>
+            </a:r>
+            <a:r>
+              <a:rPr lang="zh-TW" altLang="en-US" dirty="0">
+                <a:latin typeface="微軟正黑體" panose="020B0604030504040204" pitchFamily="34" charset="-120"/>
+                <a:ea typeface="微軟正黑體" panose="020B0604030504040204" pitchFamily="34" charset="-120"/>
+              </a:rPr>
+              <a:t>接收資料</a:t>
+            </a:r>
+            <a:endParaRPr lang="zh-CN" altLang="en-US" dirty="0">
+              <a:latin typeface="微軟正黑體" panose="020B0604030504040204" pitchFamily="34" charset="-120"/>
+              <a:ea typeface="微軟正黑體" panose="020B0604030504040204" pitchFamily="34" charset="-120"/>
+            </a:endParaRPr>
+          </a:p>
+        </p:txBody>
+      </p:sp>
     </p:spTree>
     <p:extLst>
       <p:ext uri="{BB962C8B-B14F-4D97-AF65-F5344CB8AC3E}">
@@ -15512,6 +16151,113 @@
           </p:txBody>
         </p:sp>
       </p:grpSp>
+      <p:pic>
+        <p:nvPicPr>
+          <p:cNvPr id="3" name="圖片 2">
+            <a:extLst>
+              <a:ext uri="{FF2B5EF4-FFF2-40B4-BE49-F238E27FC236}">
+                <a16:creationId xmlns:a16="http://schemas.microsoft.com/office/drawing/2014/main" id="{F555214F-CAA5-4B6E-A971-9977830A5925}"/>
+              </a:ext>
+            </a:extLst>
+          </p:cNvPr>
+          <p:cNvPicPr>
+            <a:picLocks noChangeAspect="1"/>
+          </p:cNvPicPr>
+          <p:nvPr/>
+        </p:nvPicPr>
+        <p:blipFill>
+          <a:blip r:embed="rId6">
+            <a:extLst>
+              <a:ext uri="{28A0092B-C50C-407E-A947-70E740481C1C}">
+                <a14:useLocalDpi xmlns:a14="http://schemas.microsoft.com/office/drawing/2010/main" val="0"/>
+              </a:ext>
+            </a:extLst>
+          </a:blip>
+          <a:stretch>
+            <a:fillRect/>
+          </a:stretch>
+        </p:blipFill>
+        <p:spPr>
+          <a:xfrm>
+            <a:off x="6230079" y="2608976"/>
+            <a:ext cx="2151602" cy="1634550"/>
+          </a:xfrm>
+          <a:prstGeom prst="rect">
+            <a:avLst/>
+          </a:prstGeom>
+        </p:spPr>
+      </p:pic>
+      <p:pic>
+        <p:nvPicPr>
+          <p:cNvPr id="5" name="圖片 4">
+            <a:extLst>
+              <a:ext uri="{FF2B5EF4-FFF2-40B4-BE49-F238E27FC236}">
+                <a16:creationId xmlns:a16="http://schemas.microsoft.com/office/drawing/2014/main" id="{650CB2F1-958E-4FF9-8290-C27D731911AF}"/>
+              </a:ext>
+            </a:extLst>
+          </p:cNvPr>
+          <p:cNvPicPr>
+            <a:picLocks noChangeAspect="1"/>
+          </p:cNvPicPr>
+          <p:nvPr/>
+        </p:nvPicPr>
+        <p:blipFill>
+          <a:blip r:embed="rId7">
+            <a:extLst>
+              <a:ext uri="{28A0092B-C50C-407E-A947-70E740481C1C}">
+                <a14:useLocalDpi xmlns:a14="http://schemas.microsoft.com/office/drawing/2010/main" val="0"/>
+              </a:ext>
+            </a:extLst>
+          </a:blip>
+          <a:stretch>
+            <a:fillRect/>
+          </a:stretch>
+        </p:blipFill>
+        <p:spPr>
+          <a:xfrm>
+            <a:off x="918238" y="2621133"/>
+            <a:ext cx="4626654" cy="4042580"/>
+          </a:xfrm>
+          <a:prstGeom prst="rect">
+            <a:avLst/>
+          </a:prstGeom>
+        </p:spPr>
+      </p:pic>
+      <p:pic>
+        <p:nvPicPr>
+          <p:cNvPr id="21" name="圖片 20">
+            <a:extLst>
+              <a:ext uri="{FF2B5EF4-FFF2-40B4-BE49-F238E27FC236}">
+                <a16:creationId xmlns:a16="http://schemas.microsoft.com/office/drawing/2014/main" id="{5DDD04BD-8FEE-4E63-98BC-01910B384A60}"/>
+              </a:ext>
+            </a:extLst>
+          </p:cNvPr>
+          <p:cNvPicPr>
+            <a:picLocks noChangeAspect="1"/>
+          </p:cNvPicPr>
+          <p:nvPr/>
+        </p:nvPicPr>
+        <p:blipFill rotWithShape="1">
+          <a:blip r:embed="rId8">
+            <a:extLst>
+              <a:ext uri="{28A0092B-C50C-407E-A947-70E740481C1C}">
+                <a14:useLocalDpi xmlns:a14="http://schemas.microsoft.com/office/drawing/2010/main" val="0"/>
+              </a:ext>
+            </a:extLst>
+          </a:blip>
+          <a:srcRect t="623" r="608" b="477"/>
+          <a:stretch/>
+        </p:blipFill>
+        <p:spPr>
+          <a:xfrm>
+            <a:off x="9056656" y="2621133"/>
+            <a:ext cx="2529076" cy="3977597"/>
+          </a:xfrm>
+          <a:prstGeom prst="rect">
+            <a:avLst/>
+          </a:prstGeom>
+        </p:spPr>
+      </p:pic>
     </p:spTree>
     <p:extLst>
       <p:ext uri="{BB962C8B-B14F-4D97-AF65-F5344CB8AC3E}">
@@ -16141,6 +16887,370 @@
           </p:txBody>
         </p:sp>
       </p:grpSp>
+      <p:pic>
+        <p:nvPicPr>
+          <p:cNvPr id="3" name="圖片 2">
+            <a:extLst>
+              <a:ext uri="{FF2B5EF4-FFF2-40B4-BE49-F238E27FC236}">
+                <a16:creationId xmlns:a16="http://schemas.microsoft.com/office/drawing/2014/main" id="{AE6628C3-B238-48BE-9AE6-0BA1AAB5B65D}"/>
+              </a:ext>
+            </a:extLst>
+          </p:cNvPr>
+          <p:cNvPicPr>
+            <a:picLocks noChangeAspect="1"/>
+          </p:cNvPicPr>
+          <p:nvPr/>
+        </p:nvPicPr>
+        <p:blipFill>
+          <a:blip r:embed="rId6">
+            <a:extLst>
+              <a:ext uri="{28A0092B-C50C-407E-A947-70E740481C1C}">
+                <a14:useLocalDpi xmlns:a14="http://schemas.microsoft.com/office/drawing/2010/main" val="0"/>
+              </a:ext>
+            </a:extLst>
+          </a:blip>
+          <a:stretch>
+            <a:fillRect/>
+          </a:stretch>
+        </p:blipFill>
+        <p:spPr>
+          <a:xfrm>
+            <a:off x="954693" y="2843177"/>
+            <a:ext cx="3989706" cy="1296403"/>
+          </a:xfrm>
+          <a:prstGeom prst="rect">
+            <a:avLst/>
+          </a:prstGeom>
+        </p:spPr>
+      </p:pic>
+      <p:pic>
+        <p:nvPicPr>
+          <p:cNvPr id="5" name="圖片 4">
+            <a:extLst>
+              <a:ext uri="{FF2B5EF4-FFF2-40B4-BE49-F238E27FC236}">
+                <a16:creationId xmlns:a16="http://schemas.microsoft.com/office/drawing/2014/main" id="{3A4EA728-4FBE-4741-9875-56ACD53FDE48}"/>
+              </a:ext>
+            </a:extLst>
+          </p:cNvPr>
+          <p:cNvPicPr>
+            <a:picLocks noChangeAspect="1"/>
+          </p:cNvPicPr>
+          <p:nvPr/>
+        </p:nvPicPr>
+        <p:blipFill>
+          <a:blip r:embed="rId7">
+            <a:extLst>
+              <a:ext uri="{28A0092B-C50C-407E-A947-70E740481C1C}">
+                <a14:useLocalDpi xmlns:a14="http://schemas.microsoft.com/office/drawing/2010/main" val="0"/>
+              </a:ext>
+            </a:extLst>
+          </a:blip>
+          <a:stretch>
+            <a:fillRect/>
+          </a:stretch>
+        </p:blipFill>
+        <p:spPr>
+          <a:xfrm>
+            <a:off x="6175899" y="1990547"/>
+            <a:ext cx="3650296" cy="838273"/>
+          </a:xfrm>
+          <a:prstGeom prst="rect">
+            <a:avLst/>
+          </a:prstGeom>
+        </p:spPr>
+      </p:pic>
+      <p:pic>
+        <p:nvPicPr>
+          <p:cNvPr id="8" name="圖片 7">
+            <a:extLst>
+              <a:ext uri="{FF2B5EF4-FFF2-40B4-BE49-F238E27FC236}">
+                <a16:creationId xmlns:a16="http://schemas.microsoft.com/office/drawing/2014/main" id="{F8AA8FED-1D27-415E-8B63-8172942CFDE7}"/>
+              </a:ext>
+            </a:extLst>
+          </p:cNvPr>
+          <p:cNvPicPr>
+            <a:picLocks noChangeAspect="1"/>
+          </p:cNvPicPr>
+          <p:nvPr/>
+        </p:nvPicPr>
+        <p:blipFill>
+          <a:blip r:embed="rId8">
+            <a:extLst>
+              <a:ext uri="{28A0092B-C50C-407E-A947-70E740481C1C}">
+                <a14:useLocalDpi xmlns:a14="http://schemas.microsoft.com/office/drawing/2010/main" val="0"/>
+              </a:ext>
+            </a:extLst>
+          </a:blip>
+          <a:stretch>
+            <a:fillRect/>
+          </a:stretch>
+        </p:blipFill>
+        <p:spPr>
+          <a:xfrm>
+            <a:off x="918238" y="5164159"/>
+            <a:ext cx="3650296" cy="867241"/>
+          </a:xfrm>
+          <a:prstGeom prst="rect">
+            <a:avLst/>
+          </a:prstGeom>
+        </p:spPr>
+      </p:pic>
+      <p:pic>
+        <p:nvPicPr>
+          <p:cNvPr id="10" name="圖片 9">
+            <a:extLst>
+              <a:ext uri="{FF2B5EF4-FFF2-40B4-BE49-F238E27FC236}">
+                <a16:creationId xmlns:a16="http://schemas.microsoft.com/office/drawing/2014/main" id="{82D6D537-D578-4805-AFC9-5073D5BC2CB2}"/>
+              </a:ext>
+            </a:extLst>
+          </p:cNvPr>
+          <p:cNvPicPr>
+            <a:picLocks noChangeAspect="1"/>
+          </p:cNvPicPr>
+          <p:nvPr/>
+        </p:nvPicPr>
+        <p:blipFill>
+          <a:blip r:embed="rId9">
+            <a:extLst>
+              <a:ext uri="{28A0092B-C50C-407E-A947-70E740481C1C}">
+                <a14:useLocalDpi xmlns:a14="http://schemas.microsoft.com/office/drawing/2010/main" val="0"/>
+              </a:ext>
+            </a:extLst>
+          </a:blip>
+          <a:stretch>
+            <a:fillRect/>
+          </a:stretch>
+        </p:blipFill>
+        <p:spPr>
+          <a:xfrm>
+            <a:off x="6175899" y="3539593"/>
+            <a:ext cx="3589331" cy="937341"/>
+          </a:xfrm>
+          <a:prstGeom prst="rect">
+            <a:avLst/>
+          </a:prstGeom>
+        </p:spPr>
+      </p:pic>
+      <p:pic>
+        <p:nvPicPr>
+          <p:cNvPr id="12" name="圖片 11">
+            <a:extLst>
+              <a:ext uri="{FF2B5EF4-FFF2-40B4-BE49-F238E27FC236}">
+                <a16:creationId xmlns:a16="http://schemas.microsoft.com/office/drawing/2014/main" id="{CB0084C1-92FC-47A7-9789-6AD3FEC4590F}"/>
+              </a:ext>
+            </a:extLst>
+          </p:cNvPr>
+          <p:cNvPicPr>
+            <a:picLocks noChangeAspect="1"/>
+          </p:cNvPicPr>
+          <p:nvPr/>
+        </p:nvPicPr>
+        <p:blipFill>
+          <a:blip r:embed="rId10">
+            <a:extLst>
+              <a:ext uri="{28A0092B-C50C-407E-A947-70E740481C1C}">
+                <a14:useLocalDpi xmlns:a14="http://schemas.microsoft.com/office/drawing/2010/main" val="0"/>
+              </a:ext>
+            </a:extLst>
+          </a:blip>
+          <a:stretch>
+            <a:fillRect/>
+          </a:stretch>
+        </p:blipFill>
+        <p:spPr>
+          <a:xfrm>
+            <a:off x="6175899" y="5187707"/>
+            <a:ext cx="3574090" cy="922100"/>
+          </a:xfrm>
+          <a:prstGeom prst="rect">
+            <a:avLst/>
+          </a:prstGeom>
+        </p:spPr>
+      </p:pic>
+      <p:sp>
+        <p:nvSpPr>
+          <p:cNvPr id="25" name="文本框 197">
+            <a:extLst>
+              <a:ext uri="{FF2B5EF4-FFF2-40B4-BE49-F238E27FC236}">
+                <a16:creationId xmlns:a16="http://schemas.microsoft.com/office/drawing/2014/main" id="{49E72D64-DCFB-4B51-A2E9-7ABE69DBE7D3}"/>
+              </a:ext>
+            </a:extLst>
+          </p:cNvPr>
+          <p:cNvSpPr txBox="1"/>
+          <p:nvPr/>
+        </p:nvSpPr>
+        <p:spPr>
+          <a:xfrm>
+            <a:off x="954693" y="4663487"/>
+            <a:ext cx="1168993" cy="369332"/>
+          </a:xfrm>
+          <a:prstGeom prst="rect">
+            <a:avLst/>
+          </a:prstGeom>
+          <a:solidFill>
+            <a:schemeClr val="bg2">
+              <a:lumMod val="90000"/>
+            </a:schemeClr>
+          </a:solidFill>
+        </p:spPr>
+        <p:txBody>
+          <a:bodyPr wrap="square" rtlCol="0">
+            <a:spAutoFit/>
+          </a:bodyPr>
+          <a:lstStyle/>
+          <a:p>
+            <a:r>
+              <a:rPr lang="zh-TW" altLang="en-US" dirty="0">
+                <a:latin typeface="微軟正黑體" panose="020B0604030504040204" pitchFamily="34" charset="-120"/>
+                <a:ea typeface="微軟正黑體" panose="020B0604030504040204" pitchFamily="34" charset="-120"/>
+              </a:rPr>
+              <a:t>手機直向</a:t>
+            </a:r>
+            <a:endParaRPr lang="zh-CN" altLang="en-US" dirty="0">
+              <a:latin typeface="微軟正黑體" panose="020B0604030504040204" pitchFamily="34" charset="-120"/>
+              <a:ea typeface="微軟正黑體" panose="020B0604030504040204" pitchFamily="34" charset="-120"/>
+            </a:endParaRPr>
+          </a:p>
+        </p:txBody>
+      </p:sp>
+      <p:sp>
+        <p:nvSpPr>
+          <p:cNvPr id="26" name="文本框 197">
+            <a:extLst>
+              <a:ext uri="{FF2B5EF4-FFF2-40B4-BE49-F238E27FC236}">
+                <a16:creationId xmlns:a16="http://schemas.microsoft.com/office/drawing/2014/main" id="{87FC07AF-300F-4402-A237-B982052A7BE8}"/>
+              </a:ext>
+            </a:extLst>
+          </p:cNvPr>
+          <p:cNvSpPr txBox="1"/>
+          <p:nvPr/>
+        </p:nvSpPr>
+        <p:spPr>
+          <a:xfrm>
+            <a:off x="6175899" y="1443432"/>
+            <a:ext cx="1168993" cy="369332"/>
+          </a:xfrm>
+          <a:prstGeom prst="rect">
+            <a:avLst/>
+          </a:prstGeom>
+          <a:solidFill>
+            <a:schemeClr val="bg2">
+              <a:lumMod val="90000"/>
+            </a:schemeClr>
+          </a:solidFill>
+        </p:spPr>
+        <p:txBody>
+          <a:bodyPr wrap="square" rtlCol="0">
+            <a:spAutoFit/>
+          </a:bodyPr>
+          <a:lstStyle/>
+          <a:p>
+            <a:r>
+              <a:rPr lang="zh-TW" altLang="en-US" dirty="0">
+                <a:latin typeface="微軟正黑體" panose="020B0604030504040204" pitchFamily="34" charset="-120"/>
+                <a:ea typeface="微軟正黑體" panose="020B0604030504040204" pitchFamily="34" charset="-120"/>
+              </a:rPr>
+              <a:t>手機橫向</a:t>
+            </a:r>
+            <a:endParaRPr lang="zh-CN" altLang="en-US" dirty="0">
+              <a:latin typeface="微軟正黑體" panose="020B0604030504040204" pitchFamily="34" charset="-120"/>
+              <a:ea typeface="微軟正黑體" panose="020B0604030504040204" pitchFamily="34" charset="-120"/>
+            </a:endParaRPr>
+          </a:p>
+        </p:txBody>
+      </p:sp>
+      <p:sp>
+        <p:nvSpPr>
+          <p:cNvPr id="27" name="文本框 197">
+            <a:extLst>
+              <a:ext uri="{FF2B5EF4-FFF2-40B4-BE49-F238E27FC236}">
+                <a16:creationId xmlns:a16="http://schemas.microsoft.com/office/drawing/2014/main" id="{119759A1-95B6-4729-BCCB-DFAAC0F6BD55}"/>
+              </a:ext>
+            </a:extLst>
+          </p:cNvPr>
+          <p:cNvSpPr txBox="1"/>
+          <p:nvPr/>
+        </p:nvSpPr>
+        <p:spPr>
+          <a:xfrm>
+            <a:off x="6175899" y="3006603"/>
+            <a:ext cx="1168993" cy="369332"/>
+          </a:xfrm>
+          <a:prstGeom prst="rect">
+            <a:avLst/>
+          </a:prstGeom>
+          <a:solidFill>
+            <a:schemeClr val="bg2">
+              <a:lumMod val="90000"/>
+            </a:schemeClr>
+          </a:solidFill>
+        </p:spPr>
+        <p:txBody>
+          <a:bodyPr wrap="square" rtlCol="0">
+            <a:spAutoFit/>
+          </a:bodyPr>
+          <a:lstStyle/>
+          <a:p>
+            <a:r>
+              <a:rPr lang="zh-TW" altLang="en-US" dirty="0">
+                <a:latin typeface="微軟正黑體" panose="020B0604030504040204" pitchFamily="34" charset="-120"/>
+                <a:ea typeface="微軟正黑體" panose="020B0604030504040204" pitchFamily="34" charset="-120"/>
+              </a:rPr>
+              <a:t>平板直向</a:t>
+            </a:r>
+            <a:endParaRPr lang="zh-CN" altLang="en-US" dirty="0">
+              <a:latin typeface="微軟正黑體" panose="020B0604030504040204" pitchFamily="34" charset="-120"/>
+              <a:ea typeface="微軟正黑體" panose="020B0604030504040204" pitchFamily="34" charset="-120"/>
+            </a:endParaRPr>
+          </a:p>
+        </p:txBody>
+      </p:sp>
+      <p:sp>
+        <p:nvSpPr>
+          <p:cNvPr id="28" name="文本框 197">
+            <a:extLst>
+              <a:ext uri="{FF2B5EF4-FFF2-40B4-BE49-F238E27FC236}">
+                <a16:creationId xmlns:a16="http://schemas.microsoft.com/office/drawing/2014/main" id="{46B9EEE6-7A2F-4835-AF35-7CE86D0BADBC}"/>
+              </a:ext>
+            </a:extLst>
+          </p:cNvPr>
+          <p:cNvSpPr txBox="1"/>
+          <p:nvPr/>
+        </p:nvSpPr>
+        <p:spPr>
+          <a:xfrm>
+            <a:off x="6175899" y="4640592"/>
+            <a:ext cx="1168993" cy="369332"/>
+          </a:xfrm>
+          <a:prstGeom prst="rect">
+            <a:avLst/>
+          </a:prstGeom>
+          <a:solidFill>
+            <a:schemeClr val="bg2">
+              <a:lumMod val="90000"/>
+            </a:schemeClr>
+          </a:solidFill>
+        </p:spPr>
+        <p:txBody>
+          <a:bodyPr wrap="square" rtlCol="0">
+            <a:spAutoFit/>
+          </a:bodyPr>
+          <a:lstStyle/>
+          <a:p>
+            <a:r>
+              <a:rPr lang="zh-TW" altLang="en-US" dirty="0">
+                <a:latin typeface="微軟正黑體" panose="020B0604030504040204" pitchFamily="34" charset="-120"/>
+                <a:ea typeface="微軟正黑體" panose="020B0604030504040204" pitchFamily="34" charset="-120"/>
+              </a:rPr>
+              <a:t>平板橫向</a:t>
+            </a:r>
+            <a:endParaRPr lang="zh-CN" altLang="en-US" dirty="0">
+              <a:latin typeface="微軟正黑體" panose="020B0604030504040204" pitchFamily="34" charset="-120"/>
+              <a:ea typeface="微軟正黑體" panose="020B0604030504040204" pitchFamily="34" charset="-120"/>
+            </a:endParaRPr>
+          </a:p>
+        </p:txBody>
+      </p:sp>
     </p:spTree>
     <p:extLst>
       <p:ext uri="{BB962C8B-B14F-4D97-AF65-F5344CB8AC3E}">
@@ -16478,9 +17588,9 @@
         <p:grpSpPr>
           <a:xfrm>
             <a:off x="796411" y="1363882"/>
-            <a:ext cx="3174458" cy="962258"/>
+            <a:ext cx="5009585" cy="962258"/>
             <a:chOff x="6177683" y="1666134"/>
-            <a:chExt cx="3205855" cy="1254047"/>
+            <a:chExt cx="5059132" cy="1254047"/>
           </a:xfrm>
         </p:grpSpPr>
         <p:grpSp>
@@ -16621,8 +17731,8 @@
           </p:nvSpPr>
           <p:spPr>
             <a:xfrm>
-              <a:off x="6297561" y="1769806"/>
-              <a:ext cx="3085977" cy="1150375"/>
+              <a:off x="6297560" y="1769806"/>
+              <a:ext cx="4939254" cy="1150375"/>
             </a:xfrm>
             <a:prstGeom prst="rect">
               <a:avLst/>
@@ -16741,7 +17851,7 @@
           <p:spPr>
             <a:xfrm>
               <a:off x="7296294" y="2114160"/>
-              <a:ext cx="2087243" cy="601657"/>
+              <a:ext cx="3940521" cy="601657"/>
             </a:xfrm>
             <a:prstGeom prst="rect">
               <a:avLst/>
@@ -16755,6 +17865,13 @@
             <a:lstStyle/>
             <a:p>
               <a:pPr algn="just"/>
+              <a:r>
+                <a:rPr lang="en-US" altLang="zh-TW" sz="2400" dirty="0">
+                  <a:latin typeface="FZZhengHeiS-DB-GB" panose="02000000000000000000" pitchFamily="2" charset="0"/>
+                  <a:ea typeface="FZZhengHeiS-DB-GB" panose="02000000000000000000" pitchFamily="2" charset="0"/>
+                </a:rPr>
+                <a:t>(option menu)</a:t>
+              </a:r>
               <a:r>
                 <a:rPr lang="zh-TW" altLang="en-US" sz="2400" dirty="0">
                   <a:latin typeface="FZZhengHeiS-DB-GB" panose="02000000000000000000" pitchFamily="2" charset="0"/>
@@ -16770,6 +17887,77 @@
           </p:txBody>
         </p:sp>
       </p:grpSp>
+      <p:pic>
+        <p:nvPicPr>
+          <p:cNvPr id="3" name="圖片 2">
+            <a:extLst>
+              <a:ext uri="{FF2B5EF4-FFF2-40B4-BE49-F238E27FC236}">
+                <a16:creationId xmlns:a16="http://schemas.microsoft.com/office/drawing/2014/main" id="{6294D632-BD24-47A0-8854-51EB2D40E10D}"/>
+              </a:ext>
+            </a:extLst>
+          </p:cNvPr>
+          <p:cNvPicPr>
+            <a:picLocks noChangeAspect="1"/>
+          </p:cNvPicPr>
+          <p:nvPr/>
+        </p:nvPicPr>
+        <p:blipFill>
+          <a:blip r:embed="rId6">
+            <a:extLst>
+              <a:ext uri="{28A0092B-C50C-407E-A947-70E740481C1C}">
+                <a14:useLocalDpi xmlns:a14="http://schemas.microsoft.com/office/drawing/2010/main" val="0"/>
+              </a:ext>
+            </a:extLst>
+          </a:blip>
+          <a:stretch>
+            <a:fillRect/>
+          </a:stretch>
+        </p:blipFill>
+        <p:spPr>
+          <a:xfrm>
+            <a:off x="911859" y="2433557"/>
+            <a:ext cx="4465118" cy="4263605"/>
+          </a:xfrm>
+          <a:prstGeom prst="rect">
+            <a:avLst/>
+          </a:prstGeom>
+        </p:spPr>
+      </p:pic>
+      <p:pic>
+        <p:nvPicPr>
+          <p:cNvPr id="5" name="圖片 4">
+            <a:extLst>
+              <a:ext uri="{FF2B5EF4-FFF2-40B4-BE49-F238E27FC236}">
+                <a16:creationId xmlns:a16="http://schemas.microsoft.com/office/drawing/2014/main" id="{68D01FF5-3AC5-4283-B58A-3FF557EBC250}"/>
+              </a:ext>
+            </a:extLst>
+          </p:cNvPr>
+          <p:cNvPicPr>
+            <a:picLocks noChangeAspect="1"/>
+          </p:cNvPicPr>
+          <p:nvPr/>
+        </p:nvPicPr>
+        <p:blipFill rotWithShape="1">
+          <a:blip r:embed="rId7">
+            <a:extLst>
+              <a:ext uri="{28A0092B-C50C-407E-A947-70E740481C1C}">
+                <a14:useLocalDpi xmlns:a14="http://schemas.microsoft.com/office/drawing/2010/main" val="0"/>
+              </a:ext>
+            </a:extLst>
+          </a:blip>
+          <a:srcRect r="5246"/>
+          <a:stretch/>
+        </p:blipFill>
+        <p:spPr>
+          <a:xfrm>
+            <a:off x="6096000" y="2433557"/>
+            <a:ext cx="5650779" cy="4263605"/>
+          </a:xfrm>
+          <a:prstGeom prst="rect">
+            <a:avLst/>
+          </a:prstGeom>
+        </p:spPr>
+      </p:pic>
     </p:spTree>
     <p:extLst>
       <p:ext uri="{BB962C8B-B14F-4D97-AF65-F5344CB8AC3E}">
@@ -18243,7 +19431,7 @@
           </p:nvSpPr>
           <p:spPr>
             <a:xfrm>
-              <a:off x="6282403" y="1973019"/>
+              <a:off x="6282403" y="1949879"/>
               <a:ext cx="915184" cy="922541"/>
             </a:xfrm>
             <a:prstGeom prst="rect">
@@ -18328,7 +19516,7 @@
                   <a:latin typeface="FZZhengHeiS-DB-GB" panose="02000000000000000000" pitchFamily="2" charset="0"/>
                   <a:ea typeface="FZZhengHeiS-DB-GB" panose="02000000000000000000" pitchFamily="2" charset="0"/>
                 </a:rPr>
-                <a:t>URL</a:t>
+                <a:t>URI</a:t>
               </a:r>
               <a:r>
                 <a:rPr lang="zh-TW" altLang="en-US" sz="2400" dirty="0">
@@ -18345,6 +19533,87 @@
           </p:txBody>
         </p:sp>
       </p:grpSp>
+      <p:pic>
+        <p:nvPicPr>
+          <p:cNvPr id="5" name="圖片 4">
+            <a:extLst>
+              <a:ext uri="{FF2B5EF4-FFF2-40B4-BE49-F238E27FC236}">
+                <a16:creationId xmlns:a16="http://schemas.microsoft.com/office/drawing/2014/main" id="{6A359502-5634-487D-9C40-79976321CFCF}"/>
+              </a:ext>
+            </a:extLst>
+          </p:cNvPr>
+          <p:cNvPicPr>
+            <a:picLocks noChangeAspect="1"/>
+          </p:cNvPicPr>
+          <p:nvPr/>
+        </p:nvPicPr>
+        <p:blipFill rotWithShape="1">
+          <a:blip r:embed="rId6">
+            <a:extLst>
+              <a:ext uri="{28A0092B-C50C-407E-A947-70E740481C1C}">
+                <a14:useLocalDpi xmlns:a14="http://schemas.microsoft.com/office/drawing/2010/main" val="0"/>
+              </a:ext>
+            </a:extLst>
+          </a:blip>
+          <a:srcRect t="66649" b="16656"/>
+          <a:stretch/>
+        </p:blipFill>
+        <p:spPr>
+          <a:xfrm>
+            <a:off x="796410" y="2621133"/>
+            <a:ext cx="8075534" cy="1003177"/>
+          </a:xfrm>
+          <a:prstGeom prst="rect">
+            <a:avLst/>
+          </a:prstGeom>
+        </p:spPr>
+      </p:pic>
+      <p:pic>
+        <p:nvPicPr>
+          <p:cNvPr id="8" name="圖片 7">
+            <a:extLst>
+              <a:ext uri="{FF2B5EF4-FFF2-40B4-BE49-F238E27FC236}">
+                <a16:creationId xmlns:a16="http://schemas.microsoft.com/office/drawing/2014/main" id="{F5D173C3-C8CB-4E45-AE9D-B6B94C1A53C3}"/>
+              </a:ext>
+            </a:extLst>
+          </p:cNvPr>
+          <p:cNvPicPr>
+            <a:picLocks noChangeAspect="1"/>
+          </p:cNvPicPr>
+          <p:nvPr/>
+        </p:nvPicPr>
+        <p:blipFill>
+          <a:blip r:embed="rId7">
+            <a:extLst>
+              <a:ext uri="{28A0092B-C50C-407E-A947-70E740481C1C}">
+                <a14:useLocalDpi xmlns:a14="http://schemas.microsoft.com/office/drawing/2010/main" val="0"/>
+              </a:ext>
+            </a:extLst>
+          </a:blip>
+          <a:stretch>
+            <a:fillRect/>
+          </a:stretch>
+        </p:blipFill>
+        <p:spPr>
+          <a:xfrm>
+            <a:off x="719742" y="3955951"/>
+            <a:ext cx="8870449" cy="1935648"/>
+          </a:xfrm>
+          <a:prstGeom prst="rect">
+            <a:avLst/>
+          </a:prstGeom>
+          <a:ln>
+            <a:noFill/>
+          </a:ln>
+          <a:effectLst>
+            <a:outerShdw blurRad="292100" dist="139700" dir="2700000" algn="tl" rotWithShape="0">
+              <a:srgbClr val="333333">
+                <a:alpha val="65000"/>
+              </a:srgbClr>
+            </a:outerShdw>
+          </a:effectLst>
+        </p:spPr>
+      </p:pic>
     </p:spTree>
     <p:extLst>
       <p:ext uri="{BB962C8B-B14F-4D97-AF65-F5344CB8AC3E}">
@@ -18367,6 +19636,708 @@
 </file>
 
 <file path=ppt/slides/slide21.xml><?xml version="1.0" encoding="utf-8"?>
+<p:sld xmlns:a="http://schemas.openxmlformats.org/drawingml/2006/main" xmlns:r="http://schemas.openxmlformats.org/officeDocument/2006/relationships" xmlns:p="http://schemas.openxmlformats.org/presentationml/2006/main">
+  <p:cSld>
+    <p:spTree>
+      <p:nvGrpSpPr>
+        <p:cNvPr id="1" name=""/>
+        <p:cNvGrpSpPr/>
+        <p:nvPr/>
+      </p:nvGrpSpPr>
+      <p:grpSpPr>
+        <a:xfrm>
+          <a:off x="0" y="0"/>
+          <a:ext cx="0" cy="0"/>
+          <a:chOff x="0" y="0"/>
+          <a:chExt cx="0" cy="0"/>
+        </a:xfrm>
+      </p:grpSpPr>
+      <p:pic>
+        <p:nvPicPr>
+          <p:cNvPr id="7" name="图片 6"/>
+          <p:cNvPicPr>
+            <a:picLocks noChangeAspect="1"/>
+          </p:cNvPicPr>
+          <p:nvPr/>
+        </p:nvPicPr>
+        <p:blipFill>
+          <a:blip r:embed="rId3" cstate="print">
+            <a:extLst>
+              <a:ext uri="{28A0092B-C50C-407E-A947-70E740481C1C}">
+                <a14:useLocalDpi xmlns:a14="http://schemas.microsoft.com/office/drawing/2010/main" val="0"/>
+              </a:ext>
+            </a:extLst>
+          </a:blip>
+          <a:stretch>
+            <a:fillRect/>
+          </a:stretch>
+        </p:blipFill>
+        <p:spPr>
+          <a:xfrm>
+            <a:off x="10785985" y="332359"/>
+            <a:ext cx="816082" cy="816080"/>
+          </a:xfrm>
+          <a:prstGeom prst="rect">
+            <a:avLst/>
+          </a:prstGeom>
+        </p:spPr>
+      </p:pic>
+      <p:pic>
+        <p:nvPicPr>
+          <p:cNvPr id="24" name="圖片 23">
+            <a:extLst>
+              <a:ext uri="{FF2B5EF4-FFF2-40B4-BE49-F238E27FC236}">
+                <a16:creationId xmlns:a16="http://schemas.microsoft.com/office/drawing/2014/main" id="{425FB66A-961B-42A2-88F3-9B4628EA2018}"/>
+              </a:ext>
+            </a:extLst>
+          </p:cNvPr>
+          <p:cNvPicPr>
+            <a:picLocks noChangeAspect="1"/>
+          </p:cNvPicPr>
+          <p:nvPr/>
+        </p:nvPicPr>
+        <p:blipFill rotWithShape="1">
+          <a:blip r:embed="rId4">
+            <a:extLst>
+              <a:ext uri="{BEBA8EAE-BF5A-486C-A8C5-ECC9F3942E4B}">
+                <a14:imgProps xmlns:a14="http://schemas.microsoft.com/office/drawing/2010/main">
+                  <a14:imgLayer r:embed="rId5">
+                    <a14:imgEffect>
+                      <a14:backgroundRemoval t="6586" b="93761" l="6586" r="92721">
+                        <a14:foregroundMark x1="63605" y1="12305" x2="29937" y2="11819"/>
+                        <a14:foregroundMark x1="26086" y1="13402" x2="25823" y2="13692"/>
+                        <a14:foregroundMark x1="51646" y1="6759" x2="51646" y2="6759"/>
+                        <a14:foregroundMark x1="53033" y1="8319" x2="43501" y2="9359"/>
+                        <a14:foregroundMark x1="34489" y1="14731" x2="19584" y2="23224"/>
+                        <a14:foregroundMark x1="45754" y1="25997" x2="41594" y2="52860"/>
+                        <a14:foregroundMark x1="41594" y1="52860" x2="42634" y2="58059"/>
+                        <a14:foregroundMark x1="53206" y1="32062" x2="50953" y2="51993"/>
+                        <a14:foregroundMark x1="50433" y1="26690" x2="38302" y2="38821"/>
+                        <a14:foregroundMark x1="45234" y1="26516" x2="39341" y2="36222"/>
+                        <a14:foregroundMark x1="39341" y1="36222" x2="39341" y2="36395"/>
+                        <a14:foregroundMark x1="51646" y1="29983" x2="45234" y2="37782"/>
+                        <a14:foregroundMark x1="84575" y1="40555" x2="88215" y2="53553"/>
+                        <a14:foregroundMark x1="92721" y1="48180" x2="92721" y2="48180"/>
+                        <a14:foregroundMark x1="80243" y1="46274" x2="43328" y2="54593"/>
+                        <a14:foregroundMark x1="74350" y1="38821" x2="60139" y2="61525"/>
+                        <a14:foregroundMark x1="82842" y1="50087" x2="73657" y2="61352"/>
+                        <a14:foregroundMark x1="73657" y1="61352" x2="57712" y2="71577"/>
+                        <a14:foregroundMark x1="68631" y1="77123" x2="44367" y2="82496"/>
+                        <a14:foregroundMark x1="44367" y1="82496" x2="33102" y2="77296"/>
+                        <a14:foregroundMark x1="33102" y1="77296" x2="31889" y2="67764"/>
+                        <a14:foregroundMark x1="49740" y1="93761" x2="49740" y2="93761"/>
+                        <a14:foregroundMark x1="6932" y1="49567" x2="6932" y2="49567"/>
+                        <a14:foregroundMark x1="50953" y1="25303" x2="41941" y2="41941"/>
+                        <a14:foregroundMark x1="71924" y1="28596" x2="60659" y2="23050"/>
+                        <a14:foregroundMark x1="60659" y1="23050" x2="33276" y2="20104"/>
+                        <a14:foregroundMark x1="33276" y1="20104" x2="15945" y2="51127"/>
+                        <a14:foregroundMark x1="15945" y1="51127" x2="20277" y2="62218"/>
+                        <a14:foregroundMark x1="20277" y1="62218" x2="42634" y2="66031"/>
+                        <a14:foregroundMark x1="42634" y1="66031" x2="66378" y2="50433"/>
+                        <a14:foregroundMark x1="66378" y1="50433" x2="73657" y2="41594"/>
+                        <a14:foregroundMark x1="73657" y1="41594" x2="73830" y2="30676"/>
+                        <a14:foregroundMark x1="73830" y1="30676" x2="71404" y2="28076"/>
+                        <a14:foregroundMark x1="6586" y1="41075" x2="6586" y2="41075"/>
+                        <a14:foregroundMark x1="57886" y1="7799" x2="40035" y2="7626"/>
+                        <a14:foregroundMark x1="25652" y1="13545" x2="26145" y2="13583"/>
+                        <a14:backgroundMark x1="26343" y1="9185" x2="26690" y2="10052"/>
+                        <a14:backgroundMark x1="26863" y1="8666" x2="26023" y2="12443"/>
+                        <a14:backgroundMark x1="24957" y1="12998" x2="24957" y2="12998"/>
+                        <a14:backgroundMark x1="25477" y1="12825" x2="25477" y2="12825"/>
+                        <a14:backgroundMark x1="24957" y1="12998" x2="24957" y2="12998"/>
+                        <a14:backgroundMark x1="25130" y1="12998" x2="25130" y2="12998"/>
+                        <a14:backgroundMark x1="25303" y1="12998" x2="24437" y2="12998"/>
+                        <a14:backgroundMark x1="26343" y1="12132" x2="25303" y2="12652"/>
+                      </a14:backgroundRemoval>
+                    </a14:imgEffect>
+                    <a14:imgEffect>
+                      <a14:brightnessContrast contrast="-40000"/>
+                    </a14:imgEffect>
+                  </a14:imgLayer>
+                </a14:imgProps>
+              </a:ext>
+              <a:ext uri="{28A0092B-C50C-407E-A947-70E740481C1C}">
+                <a14:useLocalDpi xmlns:a14="http://schemas.microsoft.com/office/drawing/2010/main" val="0"/>
+              </a:ext>
+            </a:extLst>
+          </a:blip>
+          <a:srcRect r="504"/>
+          <a:stretch/>
+        </p:blipFill>
+        <p:spPr>
+          <a:xfrm>
+            <a:off x="10715323" y="259270"/>
+            <a:ext cx="957405" cy="962258"/>
+          </a:xfrm>
+          <a:prstGeom prst="rect">
+            <a:avLst/>
+          </a:prstGeom>
+        </p:spPr>
+      </p:pic>
+      <p:grpSp>
+        <p:nvGrpSpPr>
+          <p:cNvPr id="46" name="群組 45">
+            <a:extLst>
+              <a:ext uri="{FF2B5EF4-FFF2-40B4-BE49-F238E27FC236}">
+                <a16:creationId xmlns:a16="http://schemas.microsoft.com/office/drawing/2014/main" id="{9099E3AA-1225-46E4-BE62-3EA0404A95EF}"/>
+              </a:ext>
+            </a:extLst>
+          </p:cNvPr>
+          <p:cNvGrpSpPr/>
+          <p:nvPr/>
+        </p:nvGrpSpPr>
+        <p:grpSpPr>
+          <a:xfrm>
+            <a:off x="796413" y="411803"/>
+            <a:ext cx="2348005" cy="736636"/>
+            <a:chOff x="796413" y="411803"/>
+            <a:chExt cx="2348005" cy="736636"/>
+          </a:xfrm>
+        </p:grpSpPr>
+        <p:sp>
+          <p:nvSpPr>
+            <p:cNvPr id="47" name="文本框 3">
+              <a:extLst>
+                <a:ext uri="{FF2B5EF4-FFF2-40B4-BE49-F238E27FC236}">
+                  <a16:creationId xmlns:a16="http://schemas.microsoft.com/office/drawing/2014/main" id="{4D709F10-F647-46E2-ABD1-323848E6F74D}"/>
+                </a:ext>
+              </a:extLst>
+            </p:cNvPr>
+            <p:cNvSpPr txBox="1"/>
+            <p:nvPr/>
+          </p:nvSpPr>
+          <p:spPr>
+            <a:xfrm>
+              <a:off x="1115948" y="411803"/>
+              <a:ext cx="1870529" cy="523220"/>
+            </a:xfrm>
+            <a:prstGeom prst="rect">
+              <a:avLst/>
+            </a:prstGeom>
+            <a:noFill/>
+          </p:spPr>
+          <p:txBody>
+            <a:bodyPr wrap="square" rtlCol="0">
+              <a:spAutoFit/>
+            </a:bodyPr>
+            <a:lstStyle/>
+            <a:p>
+              <a:pPr algn="dist"/>
+              <a:r>
+                <a:rPr lang="zh-TW" altLang="en-US" sz="2800" dirty="0">
+                  <a:solidFill>
+                    <a:schemeClr val="tx1">
+                      <a:lumMod val="85000"/>
+                      <a:lumOff val="15000"/>
+                    </a:schemeClr>
+                  </a:solidFill>
+                  <a:latin typeface="FZZhengHeiS-DB-GB" panose="02000000000000000000" pitchFamily="2" charset="0"/>
+                  <a:ea typeface="FZZhengHeiS-DB-GB" panose="02000000000000000000" pitchFamily="2" charset="0"/>
+                </a:rPr>
+                <a:t>程式技術</a:t>
+              </a:r>
+              <a:endParaRPr lang="zh-CN" altLang="en-US" sz="2800" dirty="0">
+                <a:solidFill>
+                  <a:schemeClr val="tx1">
+                    <a:lumMod val="85000"/>
+                    <a:lumOff val="15000"/>
+                  </a:schemeClr>
+                </a:solidFill>
+                <a:latin typeface="FZZhengHeiS-DB-GB" panose="02000000000000000000" pitchFamily="2" charset="0"/>
+                <a:ea typeface="FZZhengHeiS-DB-GB" panose="02000000000000000000" pitchFamily="2" charset="0"/>
+              </a:endParaRPr>
+            </a:p>
+          </p:txBody>
+        </p:sp>
+        <p:sp>
+          <p:nvSpPr>
+            <p:cNvPr id="48" name="文本框 4">
+              <a:extLst>
+                <a:ext uri="{FF2B5EF4-FFF2-40B4-BE49-F238E27FC236}">
+                  <a16:creationId xmlns:a16="http://schemas.microsoft.com/office/drawing/2014/main" id="{97E1025E-9788-4340-9CE9-AD97B04EDE2E}"/>
+                </a:ext>
+              </a:extLst>
+            </p:cNvPr>
+            <p:cNvSpPr txBox="1"/>
+            <p:nvPr/>
+          </p:nvSpPr>
+          <p:spPr>
+            <a:xfrm>
+              <a:off x="1007288" y="840662"/>
+              <a:ext cx="2137130" cy="307777"/>
+            </a:xfrm>
+            <a:prstGeom prst="rect">
+              <a:avLst/>
+            </a:prstGeom>
+            <a:noFill/>
+          </p:spPr>
+          <p:txBody>
+            <a:bodyPr wrap="square" rtlCol="0">
+              <a:spAutoFit/>
+            </a:bodyPr>
+            <a:lstStyle/>
+            <a:p>
+              <a:pPr algn="dist"/>
+              <a:r>
+                <a:rPr lang="en-US" altLang="zh-TW" sz="1400" dirty="0">
+                  <a:solidFill>
+                    <a:schemeClr val="tx1">
+                      <a:lumMod val="85000"/>
+                      <a:lumOff val="15000"/>
+                    </a:schemeClr>
+                  </a:solidFill>
+                  <a:latin typeface="FuturaBookC" charset="-52"/>
+                  <a:ea typeface="微软雅黑" panose="020B0503020204020204" pitchFamily="34" charset="-122"/>
+                </a:rPr>
+                <a:t>Function</a:t>
+              </a:r>
+            </a:p>
+          </p:txBody>
+        </p:sp>
+        <p:cxnSp>
+          <p:nvCxnSpPr>
+            <p:cNvPr id="49" name="直接连接符 5">
+              <a:extLst>
+                <a:ext uri="{FF2B5EF4-FFF2-40B4-BE49-F238E27FC236}">
+                  <a16:creationId xmlns:a16="http://schemas.microsoft.com/office/drawing/2014/main" id="{883B0A1D-52AC-400D-83B0-72662C4DA3C5}"/>
+                </a:ext>
+              </a:extLst>
+            </p:cNvPr>
+            <p:cNvCxnSpPr/>
+            <p:nvPr/>
+          </p:nvCxnSpPr>
+          <p:spPr>
+            <a:xfrm>
+              <a:off x="796413" y="457203"/>
+              <a:ext cx="0" cy="632244"/>
+            </a:xfrm>
+            <a:prstGeom prst="line">
+              <a:avLst/>
+            </a:prstGeom>
+            <a:ln w="76200">
+              <a:solidFill>
+                <a:srgbClr val="1C4885"/>
+              </a:solidFill>
+            </a:ln>
+          </p:spPr>
+          <p:style>
+            <a:lnRef idx="1">
+              <a:schemeClr val="accent1"/>
+            </a:lnRef>
+            <a:fillRef idx="0">
+              <a:schemeClr val="accent1"/>
+            </a:fillRef>
+            <a:effectRef idx="0">
+              <a:schemeClr val="accent1"/>
+            </a:effectRef>
+            <a:fontRef idx="minor">
+              <a:schemeClr val="tx1"/>
+            </a:fontRef>
+          </p:style>
+        </p:cxnSp>
+      </p:grpSp>
+      <p:grpSp>
+        <p:nvGrpSpPr>
+          <p:cNvPr id="14" name="群組 13">
+            <a:extLst>
+              <a:ext uri="{FF2B5EF4-FFF2-40B4-BE49-F238E27FC236}">
+                <a16:creationId xmlns:a16="http://schemas.microsoft.com/office/drawing/2014/main" id="{E634668D-4EE9-48C5-A209-C185E8973A4D}"/>
+              </a:ext>
+            </a:extLst>
+          </p:cNvPr>
+          <p:cNvGrpSpPr/>
+          <p:nvPr/>
+        </p:nvGrpSpPr>
+        <p:grpSpPr>
+          <a:xfrm>
+            <a:off x="796410" y="1363882"/>
+            <a:ext cx="5114420" cy="962258"/>
+            <a:chOff x="6177683" y="1666134"/>
+            <a:chExt cx="3761203" cy="1254047"/>
+          </a:xfrm>
+        </p:grpSpPr>
+        <p:grpSp>
+          <p:nvGrpSpPr>
+            <p:cNvPr id="15" name="组合 26">
+              <a:extLst>
+                <a:ext uri="{FF2B5EF4-FFF2-40B4-BE49-F238E27FC236}">
+                  <a16:creationId xmlns:a16="http://schemas.microsoft.com/office/drawing/2014/main" id="{7D57F14C-50DE-4103-8D92-2E4E488232AE}"/>
+                </a:ext>
+              </a:extLst>
+            </p:cNvPr>
+            <p:cNvGrpSpPr/>
+            <p:nvPr/>
+          </p:nvGrpSpPr>
+          <p:grpSpPr>
+            <a:xfrm>
+              <a:off x="6177683" y="1666134"/>
+              <a:ext cx="1362525" cy="988578"/>
+              <a:chOff x="6177683" y="1666134"/>
+              <a:chExt cx="1362525" cy="988578"/>
+            </a:xfrm>
+            <a:solidFill>
+              <a:srgbClr val="1C4885"/>
+            </a:solidFill>
+          </p:grpSpPr>
+          <p:sp>
+            <p:nvSpPr>
+              <p:cNvPr id="19" name="矩形 18">
+                <a:extLst>
+                  <a:ext uri="{FF2B5EF4-FFF2-40B4-BE49-F238E27FC236}">
+                    <a16:creationId xmlns:a16="http://schemas.microsoft.com/office/drawing/2014/main" id="{9E576D98-075F-40C8-9B69-9780A15719E2}"/>
+                  </a:ext>
+                </a:extLst>
+              </p:cNvPr>
+              <p:cNvSpPr/>
+              <p:nvPr/>
+            </p:nvSpPr>
+            <p:spPr>
+              <a:xfrm rot="5400000">
+                <a:off x="5743333" y="2100484"/>
+                <a:ext cx="988578" cy="119878"/>
+              </a:xfrm>
+              <a:prstGeom prst="rect">
+                <a:avLst/>
+              </a:prstGeom>
+              <a:grpFill/>
+              <a:ln>
+                <a:noFill/>
+              </a:ln>
+            </p:spPr>
+            <p:style>
+              <a:lnRef idx="2">
+                <a:schemeClr val="accent1">
+                  <a:shade val="50000"/>
+                </a:schemeClr>
+              </a:lnRef>
+              <a:fillRef idx="1">
+                <a:schemeClr val="accent1"/>
+              </a:fillRef>
+              <a:effectRef idx="0">
+                <a:schemeClr val="accent1"/>
+              </a:effectRef>
+              <a:fontRef idx="minor">
+                <a:schemeClr val="lt1"/>
+              </a:fontRef>
+            </p:style>
+            <p:txBody>
+              <a:bodyPr rtlCol="0" anchor="ctr"/>
+              <a:lstStyle/>
+              <a:p>
+                <a:pPr algn="ctr"/>
+                <a:endParaRPr lang="zh-CN" altLang="en-US"/>
+              </a:p>
+            </p:txBody>
+          </p:sp>
+          <p:sp>
+            <p:nvSpPr>
+              <p:cNvPr id="20" name="矩形 19">
+                <a:extLst>
+                  <a:ext uri="{FF2B5EF4-FFF2-40B4-BE49-F238E27FC236}">
+                    <a16:creationId xmlns:a16="http://schemas.microsoft.com/office/drawing/2014/main" id="{A5B27937-4E01-4AE4-AA87-F06F6C3F7074}"/>
+                  </a:ext>
+                </a:extLst>
+              </p:cNvPr>
+              <p:cNvSpPr/>
+              <p:nvPr/>
+            </p:nvSpPr>
+            <p:spPr>
+              <a:xfrm>
+                <a:off x="6297561" y="1666134"/>
+                <a:ext cx="1242647" cy="103672"/>
+              </a:xfrm>
+              <a:prstGeom prst="rect">
+                <a:avLst/>
+              </a:prstGeom>
+              <a:grpFill/>
+              <a:ln>
+                <a:noFill/>
+              </a:ln>
+            </p:spPr>
+            <p:style>
+              <a:lnRef idx="2">
+                <a:schemeClr val="accent1">
+                  <a:shade val="50000"/>
+                </a:schemeClr>
+              </a:lnRef>
+              <a:fillRef idx="1">
+                <a:schemeClr val="accent1"/>
+              </a:fillRef>
+              <a:effectRef idx="0">
+                <a:schemeClr val="accent1"/>
+              </a:effectRef>
+              <a:fontRef idx="minor">
+                <a:schemeClr val="lt1"/>
+              </a:fontRef>
+            </p:style>
+            <p:txBody>
+              <a:bodyPr rtlCol="0" anchor="ctr"/>
+              <a:lstStyle/>
+              <a:p>
+                <a:pPr algn="ctr"/>
+                <a:endParaRPr lang="zh-CN" altLang="en-US"/>
+              </a:p>
+            </p:txBody>
+          </p:sp>
+        </p:grpSp>
+        <p:sp>
+          <p:nvSpPr>
+            <p:cNvPr id="16" name="矩形 15">
+              <a:extLst>
+                <a:ext uri="{FF2B5EF4-FFF2-40B4-BE49-F238E27FC236}">
+                  <a16:creationId xmlns:a16="http://schemas.microsoft.com/office/drawing/2014/main" id="{D0D253E0-0B25-4D50-A8E1-9850504BA7D9}"/>
+                </a:ext>
+              </a:extLst>
+            </p:cNvPr>
+            <p:cNvSpPr/>
+            <p:nvPr/>
+          </p:nvSpPr>
+          <p:spPr>
+            <a:xfrm>
+              <a:off x="6297560" y="1769806"/>
+              <a:ext cx="3641326" cy="1150375"/>
+            </a:xfrm>
+            <a:prstGeom prst="rect">
+              <a:avLst/>
+            </a:prstGeom>
+            <a:solidFill>
+              <a:schemeClr val="bg1">
+                <a:lumMod val="95000"/>
+              </a:schemeClr>
+            </a:solidFill>
+            <a:ln>
+              <a:noFill/>
+            </a:ln>
+          </p:spPr>
+          <p:style>
+            <a:lnRef idx="2">
+              <a:schemeClr val="accent1">
+                <a:shade val="50000"/>
+              </a:schemeClr>
+            </a:lnRef>
+            <a:fillRef idx="1">
+              <a:schemeClr val="accent1"/>
+            </a:fillRef>
+            <a:effectRef idx="0">
+              <a:schemeClr val="accent1"/>
+            </a:effectRef>
+            <a:fontRef idx="minor">
+              <a:schemeClr val="lt1"/>
+            </a:fontRef>
+          </p:style>
+          <p:txBody>
+            <a:bodyPr rtlCol="0" anchor="ctr"/>
+            <a:lstStyle/>
+            <a:p>
+              <a:pPr algn="ctr"/>
+              <a:endParaRPr lang="zh-CN" altLang="en-US" dirty="0"/>
+            </a:p>
+          </p:txBody>
+        </p:sp>
+        <p:sp>
+          <p:nvSpPr>
+            <p:cNvPr id="17" name="文本框 39">
+              <a:extLst>
+                <a:ext uri="{FF2B5EF4-FFF2-40B4-BE49-F238E27FC236}">
+                  <a16:creationId xmlns:a16="http://schemas.microsoft.com/office/drawing/2014/main" id="{E7E59B23-E2FF-43DB-84E4-14963E0666EE}"/>
+                </a:ext>
+              </a:extLst>
+            </p:cNvPr>
+            <p:cNvSpPr txBox="1"/>
+            <p:nvPr/>
+          </p:nvSpPr>
+          <p:spPr>
+            <a:xfrm>
+              <a:off x="6282403" y="1949879"/>
+              <a:ext cx="915184" cy="922541"/>
+            </a:xfrm>
+            <a:prstGeom prst="rect">
+              <a:avLst/>
+            </a:prstGeom>
+            <a:noFill/>
+          </p:spPr>
+          <p:txBody>
+            <a:bodyPr wrap="square" rtlCol="0">
+              <a:spAutoFit/>
+            </a:bodyPr>
+            <a:lstStyle/>
+            <a:p>
+              <a:pPr algn="ctr"/>
+              <a:r>
+                <a:rPr lang="en-US" altLang="zh-CN" sz="4000" dirty="0">
+                  <a:solidFill>
+                    <a:schemeClr val="tx1">
+                      <a:lumMod val="85000"/>
+                      <a:lumOff val="15000"/>
+                    </a:schemeClr>
+                  </a:solidFill>
+                  <a:latin typeface="FuturaBookC" pitchFamily="2" charset="-52"/>
+                </a:rPr>
+                <a:t>07</a:t>
+              </a:r>
+              <a:endParaRPr lang="zh-CN" altLang="en-US" sz="4000" dirty="0">
+                <a:solidFill>
+                  <a:schemeClr val="tx1">
+                    <a:lumMod val="85000"/>
+                    <a:lumOff val="15000"/>
+                  </a:schemeClr>
+                </a:solidFill>
+                <a:latin typeface="FuturaBookC" pitchFamily="2" charset="-52"/>
+              </a:endParaRPr>
+            </a:p>
+          </p:txBody>
+        </p:sp>
+        <p:sp>
+          <p:nvSpPr>
+            <p:cNvPr id="18" name="文本框 9">
+              <a:extLst>
+                <a:ext uri="{FF2B5EF4-FFF2-40B4-BE49-F238E27FC236}">
+                  <a16:creationId xmlns:a16="http://schemas.microsoft.com/office/drawing/2014/main" id="{5DC55B37-441B-409F-99C9-8A87074F6CC8}"/>
+                </a:ext>
+              </a:extLst>
+            </p:cNvPr>
+            <p:cNvSpPr txBox="1"/>
+            <p:nvPr/>
+          </p:nvSpPr>
+          <p:spPr>
+            <a:xfrm>
+              <a:off x="7141549" y="2114160"/>
+              <a:ext cx="2797337" cy="601657"/>
+            </a:xfrm>
+            <a:prstGeom prst="rect">
+              <a:avLst/>
+            </a:prstGeom>
+            <a:noFill/>
+          </p:spPr>
+          <p:txBody>
+            <a:bodyPr wrap="square" rtlCol="0">
+              <a:spAutoFit/>
+            </a:bodyPr>
+            <a:lstStyle/>
+            <a:p>
+              <a:pPr algn="just"/>
+              <a:r>
+                <a:rPr lang="zh-TW" altLang="en-US" sz="2400" dirty="0">
+                  <a:latin typeface="FZZhengHeiS-DB-GB" panose="02000000000000000000" pitchFamily="2" charset="0"/>
+                  <a:ea typeface="FZZhengHeiS-DB-GB" panose="02000000000000000000" pitchFamily="2" charset="0"/>
+                </a:rPr>
+                <a:t>用</a:t>
+              </a:r>
+              <a:r>
+                <a:rPr lang="en-US" altLang="zh-TW" sz="2400" dirty="0" err="1">
+                  <a:latin typeface="FZZhengHeiS-DB-GB" panose="02000000000000000000" pitchFamily="2" charset="0"/>
+                  <a:ea typeface="FZZhengHeiS-DB-GB" panose="02000000000000000000" pitchFamily="2" charset="0"/>
+                </a:rPr>
+                <a:t>AlertDialog</a:t>
+              </a:r>
+              <a:r>
+                <a:rPr lang="zh-TW" altLang="en-US" sz="2400" dirty="0">
+                  <a:latin typeface="FZZhengHeiS-DB-GB" panose="02000000000000000000" pitchFamily="2" charset="0"/>
+                  <a:ea typeface="FZZhengHeiS-DB-GB" panose="02000000000000000000" pitchFamily="2" charset="0"/>
+                </a:rPr>
+                <a:t>顯示離開視窗</a:t>
+              </a:r>
+              <a:endParaRPr lang="zh-CN" altLang="en-US" sz="2400" dirty="0">
+                <a:latin typeface="FZZhengHeiS-DB-GB" panose="02000000000000000000" pitchFamily="2" charset="0"/>
+                <a:ea typeface="FZZhengHeiS-DB-GB" panose="02000000000000000000" pitchFamily="2" charset="0"/>
+              </a:endParaRPr>
+            </a:p>
+          </p:txBody>
+        </p:sp>
+      </p:grpSp>
+      <p:pic>
+        <p:nvPicPr>
+          <p:cNvPr id="3" name="圖片 2">
+            <a:extLst>
+              <a:ext uri="{FF2B5EF4-FFF2-40B4-BE49-F238E27FC236}">
+                <a16:creationId xmlns:a16="http://schemas.microsoft.com/office/drawing/2014/main" id="{21944AF8-0271-44ED-ADF0-20A05F9E9A4B}"/>
+              </a:ext>
+            </a:extLst>
+          </p:cNvPr>
+          <p:cNvPicPr>
+            <a:picLocks noChangeAspect="1"/>
+          </p:cNvPicPr>
+          <p:nvPr/>
+        </p:nvPicPr>
+        <p:blipFill rotWithShape="1">
+          <a:blip r:embed="rId6">
+            <a:extLst>
+              <a:ext uri="{28A0092B-C50C-407E-A947-70E740481C1C}">
+                <a14:useLocalDpi xmlns:a14="http://schemas.microsoft.com/office/drawing/2010/main" val="0"/>
+              </a:ext>
+            </a:extLst>
+          </a:blip>
+          <a:srcRect l="5665" t="35203" r="5764" b="34679"/>
+          <a:stretch/>
+        </p:blipFill>
+        <p:spPr>
+          <a:xfrm>
+            <a:off x="7741328" y="2844723"/>
+            <a:ext cx="3101754" cy="1671792"/>
+          </a:xfrm>
+          <a:prstGeom prst="rect">
+            <a:avLst/>
+          </a:prstGeom>
+        </p:spPr>
+      </p:pic>
+      <p:pic>
+        <p:nvPicPr>
+          <p:cNvPr id="5" name="圖片 4">
+            <a:extLst>
+              <a:ext uri="{FF2B5EF4-FFF2-40B4-BE49-F238E27FC236}">
+                <a16:creationId xmlns:a16="http://schemas.microsoft.com/office/drawing/2014/main" id="{5A8790DF-AAC9-41E8-94A8-109ED4C843DE}"/>
+              </a:ext>
+            </a:extLst>
+          </p:cNvPr>
+          <p:cNvPicPr>
+            <a:picLocks noChangeAspect="1"/>
+          </p:cNvPicPr>
+          <p:nvPr/>
+        </p:nvPicPr>
+        <p:blipFill>
+          <a:blip r:embed="rId7">
+            <a:extLst>
+              <a:ext uri="{28A0092B-C50C-407E-A947-70E740481C1C}">
+                <a14:useLocalDpi xmlns:a14="http://schemas.microsoft.com/office/drawing/2010/main" val="0"/>
+              </a:ext>
+            </a:extLst>
+          </a:blip>
+          <a:stretch>
+            <a:fillRect/>
+          </a:stretch>
+        </p:blipFill>
+        <p:spPr>
+          <a:xfrm>
+            <a:off x="1007288" y="2844722"/>
+            <a:ext cx="6122154" cy="3172615"/>
+          </a:xfrm>
+          <a:prstGeom prst="rect">
+            <a:avLst/>
+          </a:prstGeom>
+        </p:spPr>
+      </p:pic>
+    </p:spTree>
+    <p:extLst>
+      <p:ext uri="{BB962C8B-B14F-4D97-AF65-F5344CB8AC3E}">
+        <p14:creationId xmlns:p14="http://schemas.microsoft.com/office/powerpoint/2010/main" val="3093676088"/>
+      </p:ext>
+    </p:extLst>
+  </p:cSld>
+  <p:clrMapOvr>
+    <a:masterClrMapping/>
+  </p:clrMapOvr>
+  <mc:AlternateContent xmlns:mc="http://schemas.openxmlformats.org/markup-compatibility/2006" xmlns:p14="http://schemas.microsoft.com/office/powerpoint/2010/main">
+    <mc:Choice Requires="p14">
+      <p:transition p14:dur="10"/>
+    </mc:Choice>
+    <mc:Fallback xmlns="">
+      <p:transition/>
+    </mc:Fallback>
+  </mc:AlternateContent>
+</p:sld>
+</file>
+
+<file path=ppt/slides/slide22.xml><?xml version="1.0" encoding="utf-8"?>
 <p:sld xmlns:a="http://schemas.openxmlformats.org/drawingml/2006/main" xmlns:r="http://schemas.openxmlformats.org/officeDocument/2006/relationships" xmlns:p="http://schemas.openxmlformats.org/presentationml/2006/main">
   <p:cSld>
     <p:spTree>
@@ -18868,7 +20839,7 @@
 </p:sld>
 </file>
 
-<file path=ppt/slides/slide22.xml><?xml version="1.0" encoding="utf-8"?>
+<file path=ppt/slides/slide23.xml><?xml version="1.0" encoding="utf-8"?>
 <p:sld xmlns:a="http://schemas.openxmlformats.org/drawingml/2006/main" xmlns:r="http://schemas.openxmlformats.org/officeDocument/2006/relationships" xmlns:p="http://schemas.openxmlformats.org/presentationml/2006/main">
   <p:cSld>
     <p:spTree>
@@ -19155,8 +21126,8 @@
         </p:nvGrpSpPr>
         <p:grpSpPr>
           <a:xfrm>
-            <a:off x="4320358" y="2169887"/>
-            <a:ext cx="3435439" cy="4696582"/>
+            <a:off x="5196562" y="1580634"/>
+            <a:ext cx="2171743" cy="5277366"/>
             <a:chOff x="4210291" y="2169887"/>
             <a:chExt cx="3435439" cy="4696582"/>
           </a:xfrm>
@@ -20141,14 +22112,14 @@
           <p:nvPr>
             <p:extLst>
               <p:ext uri="{D42A27DB-BD31-4B8C-83A1-F6EECF244321}">
-                <p14:modId xmlns:p14="http://schemas.microsoft.com/office/powerpoint/2010/main" val="1877247671"/>
+                <p14:modId xmlns:p14="http://schemas.microsoft.com/office/powerpoint/2010/main" val="2084952553"/>
               </p:ext>
             </p:extLst>
           </p:nvPr>
         </p:nvGraphicFramePr>
         <p:xfrm>
-          <a:off x="569439" y="1254516"/>
-          <a:ext cx="4217136" cy="4922273"/>
+          <a:off x="383004" y="1254516"/>
+          <a:ext cx="4823455" cy="5399000"/>
         </p:xfrm>
         <a:graphic>
           <a:graphicData uri="http://schemas.openxmlformats.org/drawingml/2006/table">
@@ -20157,14 +22128,14 @@
                 <a:tableStyleId>{7DF18680-E054-41AD-8BC1-D1AEF772440D}</a:tableStyleId>
               </a:tblPr>
               <a:tblGrid>
-                <a:gridCol w="1638931">
+                <a:gridCol w="1874569">
                   <a:extLst>
                     <a:ext uri="{9D8B030D-6E8A-4147-A177-3AD203B41FA5}">
                       <a16:colId xmlns:a16="http://schemas.microsoft.com/office/drawing/2014/main" val="85822918"/>
                     </a:ext>
                   </a:extLst>
                 </a:gridCol>
-                <a:gridCol w="2578205">
+                <a:gridCol w="2948886">
                   <a:extLst>
                     <a:ext uri="{9D8B030D-6E8A-4147-A177-3AD203B41FA5}">
                       <a16:colId xmlns:a16="http://schemas.microsoft.com/office/drawing/2014/main" val="1284189765"/>
@@ -20172,7 +22143,7 @@
                   </a:extLst>
                 </a:gridCol>
               </a:tblGrid>
-              <a:tr h="312297">
+              <a:tr h="389138">
                 <a:tc>
                   <a:txBody>
                     <a:bodyPr/>
@@ -20209,7 +22180,7 @@
                   </a:ext>
                 </a:extLst>
               </a:tr>
-              <a:tr h="484541">
+              <a:tr h="412409">
                 <a:tc>
                   <a:txBody>
                     <a:bodyPr/>
@@ -20254,12 +22225,8 @@
                           </a:solidFill>
                           <a:effectLst/>
                         </a:rPr>
-                        <a:t>developed mostly by myself</a:t>
+                        <a:t>copy and modify</a:t>
                       </a:r>
-                      <a:endParaRPr lang="zh-TW" altLang="en-US" dirty="0"/>
-                    </a:p>
-                    <a:p>
-                      <a:pPr algn="ctr"/>
                       <a:endParaRPr lang="zh-TW" altLang="en-US" dirty="0"/>
                     </a:p>
                   </a:txBody>
@@ -20271,7 +22238,7 @@
                   </a:ext>
                 </a:extLst>
               </a:tr>
-              <a:tr h="624593">
+              <a:tr h="778277">
                 <a:tc>
                   <a:txBody>
                     <a:bodyPr/>
@@ -20292,6 +22259,35 @@
                     <a:bodyPr/>
                     <a:lstStyle/>
                     <a:p>
+                      <a:pPr marL="0" marR="0" lvl="0" indent="0" algn="ctr" defTabSz="914400" rtl="0" eaLnBrk="1" fontAlgn="auto" latinLnBrk="0" hangingPunct="1">
+                        <a:lnSpc>
+                          <a:spcPct val="100000"/>
+                        </a:lnSpc>
+                        <a:spcBef>
+                          <a:spcPts val="0"/>
+                        </a:spcBef>
+                        <a:spcAft>
+                          <a:spcPts val="0"/>
+                        </a:spcAft>
+                        <a:buClrTx/>
+                        <a:buSzTx/>
+                        <a:buFontTx/>
+                        <a:buNone/>
+                        <a:tabLst/>
+                        <a:defRPr/>
+                      </a:pPr>
+                      <a:r>
+                        <a:rPr lang="en-US" altLang="zh-TW" sz="1800" b="0" kern="1200" dirty="0">
+                          <a:solidFill>
+                            <a:schemeClr val="dk1"/>
+                          </a:solidFill>
+                          <a:effectLst/>
+                        </a:rPr>
+                        <a:t>developed mostly by myself</a:t>
+                      </a:r>
+                      <a:endParaRPr lang="zh-TW" altLang="en-US" dirty="0"/>
+                    </a:p>
+                    <a:p>
                       <a:pPr algn="ctr"/>
                       <a:endParaRPr lang="zh-TW" altLang="en-US" dirty="0"/>
                     </a:p>
@@ -20304,7 +22300,7 @@
                   </a:ext>
                 </a:extLst>
               </a:tr>
-              <a:tr h="437215">
+              <a:tr h="778277">
                 <a:tc>
                   <a:txBody>
                     <a:bodyPr/>
@@ -20325,6 +22321,35 @@
                     <a:bodyPr/>
                     <a:lstStyle/>
                     <a:p>
+                      <a:pPr marL="0" marR="0" lvl="0" indent="0" algn="ctr" defTabSz="914400" rtl="0" eaLnBrk="1" fontAlgn="auto" latinLnBrk="0" hangingPunct="1">
+                        <a:lnSpc>
+                          <a:spcPct val="100000"/>
+                        </a:lnSpc>
+                        <a:spcBef>
+                          <a:spcPts val="0"/>
+                        </a:spcBef>
+                        <a:spcAft>
+                          <a:spcPts val="0"/>
+                        </a:spcAft>
+                        <a:buClrTx/>
+                        <a:buSzTx/>
+                        <a:buFontTx/>
+                        <a:buNone/>
+                        <a:tabLst/>
+                        <a:defRPr/>
+                      </a:pPr>
+                      <a:r>
+                        <a:rPr lang="en-US" altLang="zh-TW" sz="1800" b="0" kern="1200" dirty="0">
+                          <a:solidFill>
+                            <a:schemeClr val="dk1"/>
+                          </a:solidFill>
+                          <a:effectLst/>
+                        </a:rPr>
+                        <a:t>developed mostly by myself</a:t>
+                      </a:r>
+                      <a:endParaRPr lang="zh-TW" altLang="en-US" dirty="0"/>
+                    </a:p>
+                    <a:p>
                       <a:pPr algn="ctr"/>
                       <a:endParaRPr lang="zh-TW" altLang="en-US" dirty="0"/>
                     </a:p>
@@ -20337,7 +22362,7 @@
                   </a:ext>
                 </a:extLst>
               </a:tr>
-              <a:tr h="249837">
+              <a:tr h="544794">
                 <a:tc>
                   <a:txBody>
                     <a:bodyPr/>
@@ -20358,6 +22383,35 @@
                     <a:bodyPr/>
                     <a:lstStyle/>
                     <a:p>
+                      <a:pPr marL="0" marR="0" lvl="0" indent="0" algn="ctr" defTabSz="914400" rtl="0" eaLnBrk="1" fontAlgn="auto" latinLnBrk="0" hangingPunct="1">
+                        <a:lnSpc>
+                          <a:spcPct val="100000"/>
+                        </a:lnSpc>
+                        <a:spcBef>
+                          <a:spcPts val="0"/>
+                        </a:spcBef>
+                        <a:spcAft>
+                          <a:spcPts val="0"/>
+                        </a:spcAft>
+                        <a:buClrTx/>
+                        <a:buSzTx/>
+                        <a:buFontTx/>
+                        <a:buNone/>
+                        <a:tabLst/>
+                        <a:defRPr/>
+                      </a:pPr>
+                      <a:r>
+                        <a:rPr lang="en-US" altLang="zh-TW" sz="1800" b="0" kern="1200" dirty="0">
+                          <a:solidFill>
+                            <a:schemeClr val="dk1"/>
+                          </a:solidFill>
+                          <a:effectLst/>
+                        </a:rPr>
+                        <a:t>copy and modify</a:t>
+                      </a:r>
+                      <a:endParaRPr lang="zh-TW" altLang="en-US" dirty="0"/>
+                    </a:p>
+                    <a:p>
                       <a:pPr algn="ctr"/>
                       <a:endParaRPr lang="zh-TW" altLang="en-US" dirty="0"/>
                     </a:p>
@@ -20370,7 +22424,7 @@
                   </a:ext>
                 </a:extLst>
               </a:tr>
-              <a:tr h="624593">
+              <a:tr h="778277">
                 <a:tc>
                   <a:txBody>
                     <a:bodyPr/>
@@ -20411,6 +22465,35 @@
                     <a:bodyPr/>
                     <a:lstStyle/>
                     <a:p>
+                      <a:pPr marL="0" marR="0" lvl="0" indent="0" algn="ctr" defTabSz="914400" rtl="0" eaLnBrk="1" fontAlgn="auto" latinLnBrk="0" hangingPunct="1">
+                        <a:lnSpc>
+                          <a:spcPct val="100000"/>
+                        </a:lnSpc>
+                        <a:spcBef>
+                          <a:spcPts val="0"/>
+                        </a:spcBef>
+                        <a:spcAft>
+                          <a:spcPts val="0"/>
+                        </a:spcAft>
+                        <a:buClrTx/>
+                        <a:buSzTx/>
+                        <a:buFontTx/>
+                        <a:buNone/>
+                        <a:tabLst/>
+                        <a:defRPr/>
+                      </a:pPr>
+                      <a:r>
+                        <a:rPr lang="en-US" altLang="zh-TW" sz="1800" b="0" kern="1200" dirty="0">
+                          <a:solidFill>
+                            <a:schemeClr val="dk1"/>
+                          </a:solidFill>
+                          <a:effectLst/>
+                        </a:rPr>
+                        <a:t>copy and modify</a:t>
+                      </a:r>
+                      <a:endParaRPr lang="zh-TW" altLang="en-US" dirty="0"/>
+                    </a:p>
+                    <a:p>
                       <a:pPr algn="ctr"/>
                       <a:endParaRPr lang="zh-TW" altLang="en-US" dirty="0"/>
                     </a:p>
@@ -20423,7 +22506,7 @@
                   </a:ext>
                 </a:extLst>
               </a:tr>
-              <a:tr h="624593">
+              <a:tr h="544794">
                 <a:tc>
                   <a:txBody>
                     <a:bodyPr/>
@@ -20444,6 +22527,35 @@
                     <a:bodyPr/>
                     <a:lstStyle/>
                     <a:p>
+                      <a:pPr marL="0" marR="0" lvl="0" indent="0" algn="ctr" defTabSz="914400" rtl="0" eaLnBrk="1" fontAlgn="auto" latinLnBrk="0" hangingPunct="1">
+                        <a:lnSpc>
+                          <a:spcPct val="100000"/>
+                        </a:lnSpc>
+                        <a:spcBef>
+                          <a:spcPts val="0"/>
+                        </a:spcBef>
+                        <a:spcAft>
+                          <a:spcPts val="0"/>
+                        </a:spcAft>
+                        <a:buClrTx/>
+                        <a:buSzTx/>
+                        <a:buFontTx/>
+                        <a:buNone/>
+                        <a:tabLst/>
+                        <a:defRPr/>
+                      </a:pPr>
+                      <a:r>
+                        <a:rPr lang="en-US" altLang="zh-TW" sz="1800" b="0" kern="1200" dirty="0">
+                          <a:solidFill>
+                            <a:schemeClr val="dk1"/>
+                          </a:solidFill>
+                          <a:effectLst/>
+                        </a:rPr>
+                        <a:t>copy and modify</a:t>
+                      </a:r>
+                      <a:endParaRPr lang="zh-TW" altLang="en-US" dirty="0"/>
+                    </a:p>
+                    <a:p>
                       <a:pPr algn="ctr"/>
                       <a:endParaRPr lang="zh-TW" altLang="en-US" dirty="0"/>
                     </a:p>
@@ -20456,7 +22568,7 @@
                   </a:ext>
                 </a:extLst>
               </a:tr>
-              <a:tr h="274530">
+              <a:tr h="778277">
                 <a:tc>
                   <a:txBody>
                     <a:bodyPr/>
@@ -20476,6 +22588,35 @@
                   <a:txBody>
                     <a:bodyPr/>
                     <a:lstStyle/>
+                    <a:p>
+                      <a:pPr marL="0" marR="0" lvl="0" indent="0" algn="ctr" defTabSz="914400" rtl="0" eaLnBrk="1" fontAlgn="auto" latinLnBrk="0" hangingPunct="1">
+                        <a:lnSpc>
+                          <a:spcPct val="100000"/>
+                        </a:lnSpc>
+                        <a:spcBef>
+                          <a:spcPts val="0"/>
+                        </a:spcBef>
+                        <a:spcAft>
+                          <a:spcPts val="0"/>
+                        </a:spcAft>
+                        <a:buClrTx/>
+                        <a:buSzTx/>
+                        <a:buFontTx/>
+                        <a:buNone/>
+                        <a:tabLst/>
+                        <a:defRPr/>
+                      </a:pPr>
+                      <a:r>
+                        <a:rPr lang="en-US" altLang="zh-TW" sz="1800" b="0" kern="1200" dirty="0">
+                          <a:solidFill>
+                            <a:schemeClr val="dk1"/>
+                          </a:solidFill>
+                          <a:effectLst/>
+                        </a:rPr>
+                        <a:t>developed mostly by myself</a:t>
+                      </a:r>
+                      <a:endParaRPr lang="zh-TW" altLang="en-US" dirty="0"/>
+                    </a:p>
                     <a:p>
                       <a:pPr algn="ctr"/>
                       <a:endParaRPr lang="zh-TW" altLang="en-US" dirty="0"/>
@@ -20508,14 +22649,14 @@
           <p:nvPr>
             <p:extLst>
               <p:ext uri="{D42A27DB-BD31-4B8C-83A1-F6EECF244321}">
-                <p14:modId xmlns:p14="http://schemas.microsoft.com/office/powerpoint/2010/main" val="2761867862"/>
+                <p14:modId xmlns:p14="http://schemas.microsoft.com/office/powerpoint/2010/main" val="1161174191"/>
               </p:ext>
             </p:extLst>
           </p:nvPr>
         </p:nvGraphicFramePr>
         <p:xfrm>
-          <a:off x="7256981" y="1246976"/>
-          <a:ext cx="4202040" cy="4074146"/>
+          <a:off x="7399027" y="1246976"/>
+          <a:ext cx="4202040" cy="5120640"/>
         </p:xfrm>
         <a:graphic>
           <a:graphicData uri="http://schemas.openxmlformats.org/drawingml/2006/table">
@@ -20659,6 +22800,30 @@
                     <a:bodyPr/>
                     <a:lstStyle/>
                     <a:p>
+                      <a:pPr marL="0" marR="0" lvl="0" indent="0" algn="ctr" defTabSz="914400" rtl="0" eaLnBrk="1" fontAlgn="auto" latinLnBrk="0" hangingPunct="1">
+                        <a:lnSpc>
+                          <a:spcPct val="100000"/>
+                        </a:lnSpc>
+                        <a:spcBef>
+                          <a:spcPts val="0"/>
+                        </a:spcBef>
+                        <a:spcAft>
+                          <a:spcPts val="0"/>
+                        </a:spcAft>
+                        <a:buClrTx/>
+                        <a:buSzTx/>
+                        <a:buFontTx/>
+                        <a:buNone/>
+                        <a:tabLst/>
+                        <a:defRPr/>
+                      </a:pPr>
+                      <a:r>
+                        <a:rPr lang="en-US" altLang="zh-TW" dirty="0"/>
+                        <a:t>copy and modify</a:t>
+                      </a:r>
+                      <a:endParaRPr lang="zh-TW" altLang="en-US" dirty="0"/>
+                    </a:p>
+                    <a:p>
                       <a:pPr algn="ctr"/>
                       <a:endParaRPr lang="zh-TW" altLang="en-US" dirty="0"/>
                     </a:p>
@@ -20691,6 +22856,30 @@
                   <a:txBody>
                     <a:bodyPr/>
                     <a:lstStyle/>
+                    <a:p>
+                      <a:pPr marL="0" marR="0" lvl="0" indent="0" algn="ctr" defTabSz="914400" rtl="0" eaLnBrk="1" fontAlgn="auto" latinLnBrk="0" hangingPunct="1">
+                        <a:lnSpc>
+                          <a:spcPct val="100000"/>
+                        </a:lnSpc>
+                        <a:spcBef>
+                          <a:spcPts val="0"/>
+                        </a:spcBef>
+                        <a:spcAft>
+                          <a:spcPts val="0"/>
+                        </a:spcAft>
+                        <a:buClrTx/>
+                        <a:buSzTx/>
+                        <a:buFontTx/>
+                        <a:buNone/>
+                        <a:tabLst/>
+                        <a:defRPr/>
+                      </a:pPr>
+                      <a:r>
+                        <a:rPr lang="en-US" altLang="zh-TW" dirty="0"/>
+                        <a:t>copy and modify</a:t>
+                      </a:r>
+                      <a:endParaRPr lang="zh-TW" altLang="en-US" dirty="0"/>
+                    </a:p>
                     <a:p>
                       <a:pPr algn="ctr"/>
                       <a:endParaRPr lang="zh-TW" altLang="en-US" dirty="0"/>
@@ -20726,6 +22915,10 @@
                     <a:lstStyle/>
                     <a:p>
                       <a:pPr algn="ctr"/>
+                      <a:r>
+                        <a:rPr lang="en-US" altLang="zh-TW" dirty="0"/>
+                        <a:t>copy and modify</a:t>
+                      </a:r>
                       <a:endParaRPr lang="zh-TW" altLang="en-US" dirty="0"/>
                     </a:p>
                   </a:txBody>
@@ -20757,6 +22950,35 @@
                   <a:txBody>
                     <a:bodyPr/>
                     <a:lstStyle/>
+                    <a:p>
+                      <a:pPr marL="0" marR="0" lvl="0" indent="0" algn="ctr" defTabSz="914400" rtl="0" eaLnBrk="1" fontAlgn="auto" latinLnBrk="0" hangingPunct="1">
+                        <a:lnSpc>
+                          <a:spcPct val="100000"/>
+                        </a:lnSpc>
+                        <a:spcBef>
+                          <a:spcPts val="0"/>
+                        </a:spcBef>
+                        <a:spcAft>
+                          <a:spcPts val="0"/>
+                        </a:spcAft>
+                        <a:buClrTx/>
+                        <a:buSzTx/>
+                        <a:buFontTx/>
+                        <a:buNone/>
+                        <a:tabLst/>
+                        <a:defRPr/>
+                      </a:pPr>
+                      <a:r>
+                        <a:rPr lang="en-US" altLang="zh-TW" sz="1800" b="0" kern="1200" dirty="0">
+                          <a:solidFill>
+                            <a:schemeClr val="dk1"/>
+                          </a:solidFill>
+                          <a:effectLst/>
+                        </a:rPr>
+                        <a:t>developed mostly by myself</a:t>
+                      </a:r>
+                      <a:endParaRPr lang="zh-TW" altLang="en-US" dirty="0"/>
+                    </a:p>
                     <a:p>
                       <a:pPr algn="ctr"/>
                       <a:endParaRPr lang="zh-TW" altLang="en-US" dirty="0"/>
@@ -20791,6 +23013,35 @@
                     <a:bodyPr/>
                     <a:lstStyle/>
                     <a:p>
+                      <a:pPr marL="0" marR="0" lvl="0" indent="0" algn="ctr" defTabSz="914400" rtl="0" eaLnBrk="1" fontAlgn="auto" latinLnBrk="0" hangingPunct="1">
+                        <a:lnSpc>
+                          <a:spcPct val="100000"/>
+                        </a:lnSpc>
+                        <a:spcBef>
+                          <a:spcPts val="0"/>
+                        </a:spcBef>
+                        <a:spcAft>
+                          <a:spcPts val="0"/>
+                        </a:spcAft>
+                        <a:buClrTx/>
+                        <a:buSzTx/>
+                        <a:buFontTx/>
+                        <a:buNone/>
+                        <a:tabLst/>
+                        <a:defRPr/>
+                      </a:pPr>
+                      <a:r>
+                        <a:rPr lang="en-US" altLang="zh-TW" sz="1800" b="0" kern="1200" dirty="0">
+                          <a:solidFill>
+                            <a:schemeClr val="dk1"/>
+                          </a:solidFill>
+                          <a:effectLst/>
+                        </a:rPr>
+                        <a:t>developed mostly by myself</a:t>
+                      </a:r>
+                      <a:endParaRPr lang="zh-TW" altLang="en-US" dirty="0"/>
+                    </a:p>
+                    <a:p>
                       <a:pPr algn="ctr"/>
                       <a:endParaRPr lang="zh-TW" altLang="en-US" dirty="0"/>
                     </a:p>
@@ -20811,6 +23062,726 @@
     <p:extLst>
       <p:ext uri="{BB962C8B-B14F-4D97-AF65-F5344CB8AC3E}">
         <p14:creationId xmlns:p14="http://schemas.microsoft.com/office/powerpoint/2010/main" val="4023971085"/>
+      </p:ext>
+    </p:extLst>
+  </p:cSld>
+  <p:clrMapOvr>
+    <a:masterClrMapping/>
+  </p:clrMapOvr>
+  <mc:AlternateContent xmlns:mc="http://schemas.openxmlformats.org/markup-compatibility/2006" xmlns:p14="http://schemas.microsoft.com/office/powerpoint/2010/main">
+    <mc:Choice Requires="p14">
+      <p:transition p14:dur="10"/>
+    </mc:Choice>
+    <mc:Fallback xmlns="">
+      <p:transition/>
+    </mc:Fallback>
+  </mc:AlternateContent>
+</p:sld>
+</file>
+
+<file path=ppt/slides/slide24.xml><?xml version="1.0" encoding="utf-8"?>
+<p:sld xmlns:a="http://schemas.openxmlformats.org/drawingml/2006/main" xmlns:r="http://schemas.openxmlformats.org/officeDocument/2006/relationships" xmlns:p="http://schemas.openxmlformats.org/presentationml/2006/main">
+  <p:cSld>
+    <p:spTree>
+      <p:nvGrpSpPr>
+        <p:cNvPr id="1" name=""/>
+        <p:cNvGrpSpPr/>
+        <p:nvPr/>
+      </p:nvGrpSpPr>
+      <p:grpSpPr>
+        <a:xfrm>
+          <a:off x="0" y="0"/>
+          <a:ext cx="0" cy="0"/>
+          <a:chOff x="0" y="0"/>
+          <a:chExt cx="0" cy="0"/>
+        </a:xfrm>
+      </p:grpSpPr>
+      <p:sp>
+        <p:nvSpPr>
+          <p:cNvPr id="4" name="矩形 3"/>
+          <p:cNvSpPr/>
+          <p:nvPr/>
+        </p:nvSpPr>
+        <p:spPr>
+          <a:xfrm>
+            <a:off x="9984658" y="4866967"/>
+            <a:ext cx="1961536" cy="1696064"/>
+          </a:xfrm>
+          <a:prstGeom prst="rect">
+            <a:avLst/>
+          </a:prstGeom>
+          <a:solidFill>
+            <a:srgbClr val="1C4885"/>
+          </a:solidFill>
+          <a:ln>
+            <a:noFill/>
+          </a:ln>
+        </p:spPr>
+        <p:style>
+          <a:lnRef idx="2">
+            <a:schemeClr val="accent1">
+              <a:shade val="50000"/>
+            </a:schemeClr>
+          </a:lnRef>
+          <a:fillRef idx="1">
+            <a:schemeClr val="accent1"/>
+          </a:fillRef>
+          <a:effectRef idx="0">
+            <a:schemeClr val="accent1"/>
+          </a:effectRef>
+          <a:fontRef idx="minor">
+            <a:schemeClr val="lt1"/>
+          </a:fontRef>
+        </p:style>
+        <p:txBody>
+          <a:bodyPr rtlCol="0" anchor="ctr"/>
+          <a:lstStyle/>
+          <a:p>
+            <a:pPr marL="0" marR="0" lvl="0" indent="0" algn="ctr" defTabSz="914400" rtl="0" eaLnBrk="1" fontAlgn="auto" latinLnBrk="0" hangingPunct="1">
+              <a:lnSpc>
+                <a:spcPct val="100000"/>
+              </a:lnSpc>
+              <a:spcBef>
+                <a:spcPts val="0"/>
+              </a:spcBef>
+              <a:spcAft>
+                <a:spcPts val="0"/>
+              </a:spcAft>
+              <a:buClrTx/>
+              <a:buSzTx/>
+              <a:buFontTx/>
+              <a:buNone/>
+              <a:tabLst/>
+              <a:defRPr/>
+            </a:pPr>
+            <a:endParaRPr kumimoji="0" lang="zh-CN" altLang="en-US" sz="1800" b="0" i="0" u="none" strike="noStrike" kern="1200" cap="none" spc="0" normalizeH="0" baseline="0" noProof="0">
+              <a:ln>
+                <a:noFill/>
+              </a:ln>
+              <a:solidFill>
+                <a:prstClr val="white"/>
+              </a:solidFill>
+              <a:effectLst/>
+              <a:uLnTx/>
+              <a:uFillTx/>
+              <a:latin typeface="等线" panose="020F0502020204030204"/>
+              <a:ea typeface="等线" panose="02010600030101010101" pitchFamily="2" charset="-122"/>
+              <a:cs typeface="+mn-cs"/>
+            </a:endParaRPr>
+          </a:p>
+        </p:txBody>
+      </p:sp>
+      <p:sp>
+        <p:nvSpPr>
+          <p:cNvPr id="5" name="矩形 4"/>
+          <p:cNvSpPr/>
+          <p:nvPr/>
+        </p:nvSpPr>
+        <p:spPr>
+          <a:xfrm>
+            <a:off x="245805" y="294968"/>
+            <a:ext cx="1961536" cy="1696064"/>
+          </a:xfrm>
+          <a:prstGeom prst="rect">
+            <a:avLst/>
+          </a:prstGeom>
+          <a:solidFill>
+            <a:srgbClr val="1C4885"/>
+          </a:solidFill>
+          <a:ln>
+            <a:noFill/>
+          </a:ln>
+        </p:spPr>
+        <p:style>
+          <a:lnRef idx="2">
+            <a:schemeClr val="accent1">
+              <a:shade val="50000"/>
+            </a:schemeClr>
+          </a:lnRef>
+          <a:fillRef idx="1">
+            <a:schemeClr val="accent1"/>
+          </a:fillRef>
+          <a:effectRef idx="0">
+            <a:schemeClr val="accent1"/>
+          </a:effectRef>
+          <a:fontRef idx="minor">
+            <a:schemeClr val="lt1"/>
+          </a:fontRef>
+        </p:style>
+        <p:txBody>
+          <a:bodyPr rtlCol="0" anchor="ctr"/>
+          <a:lstStyle/>
+          <a:p>
+            <a:pPr marL="0" marR="0" lvl="0" indent="0" algn="ctr" defTabSz="914400" rtl="0" eaLnBrk="1" fontAlgn="auto" latinLnBrk="0" hangingPunct="1">
+              <a:lnSpc>
+                <a:spcPct val="100000"/>
+              </a:lnSpc>
+              <a:spcBef>
+                <a:spcPts val="0"/>
+              </a:spcBef>
+              <a:spcAft>
+                <a:spcPts val="0"/>
+              </a:spcAft>
+              <a:buClrTx/>
+              <a:buSzTx/>
+              <a:buFontTx/>
+              <a:buNone/>
+              <a:tabLst/>
+              <a:defRPr/>
+            </a:pPr>
+            <a:endParaRPr kumimoji="0" lang="zh-CN" altLang="en-US" sz="1800" b="0" i="0" u="none" strike="noStrike" kern="1200" cap="none" spc="0" normalizeH="0" baseline="0" noProof="0">
+              <a:ln>
+                <a:noFill/>
+              </a:ln>
+              <a:solidFill>
+                <a:prstClr val="white"/>
+              </a:solidFill>
+              <a:effectLst/>
+              <a:uLnTx/>
+              <a:uFillTx/>
+              <a:latin typeface="等线" panose="020F0502020204030204"/>
+              <a:ea typeface="等线" panose="02010600030101010101" pitchFamily="2" charset="-122"/>
+              <a:cs typeface="+mn-cs"/>
+            </a:endParaRPr>
+          </a:p>
+        </p:txBody>
+      </p:sp>
+      <p:sp>
+        <p:nvSpPr>
+          <p:cNvPr id="6" name="矩形 5"/>
+          <p:cNvSpPr/>
+          <p:nvPr/>
+        </p:nvSpPr>
+        <p:spPr>
+          <a:xfrm>
+            <a:off x="245805" y="4866967"/>
+            <a:ext cx="1961536" cy="1696064"/>
+          </a:xfrm>
+          <a:prstGeom prst="rect">
+            <a:avLst/>
+          </a:prstGeom>
+          <a:solidFill>
+            <a:srgbClr val="1C4885"/>
+          </a:solidFill>
+          <a:ln>
+            <a:noFill/>
+          </a:ln>
+        </p:spPr>
+        <p:style>
+          <a:lnRef idx="2">
+            <a:schemeClr val="accent1">
+              <a:shade val="50000"/>
+            </a:schemeClr>
+          </a:lnRef>
+          <a:fillRef idx="1">
+            <a:schemeClr val="accent1"/>
+          </a:fillRef>
+          <a:effectRef idx="0">
+            <a:schemeClr val="accent1"/>
+          </a:effectRef>
+          <a:fontRef idx="minor">
+            <a:schemeClr val="lt1"/>
+          </a:fontRef>
+        </p:style>
+        <p:txBody>
+          <a:bodyPr rtlCol="0" anchor="ctr"/>
+          <a:lstStyle/>
+          <a:p>
+            <a:pPr marL="0" marR="0" lvl="0" indent="0" algn="ctr" defTabSz="914400" rtl="0" eaLnBrk="1" fontAlgn="auto" latinLnBrk="0" hangingPunct="1">
+              <a:lnSpc>
+                <a:spcPct val="100000"/>
+              </a:lnSpc>
+              <a:spcBef>
+                <a:spcPts val="0"/>
+              </a:spcBef>
+              <a:spcAft>
+                <a:spcPts val="0"/>
+              </a:spcAft>
+              <a:buClrTx/>
+              <a:buSzTx/>
+              <a:buFontTx/>
+              <a:buNone/>
+              <a:tabLst/>
+              <a:defRPr/>
+            </a:pPr>
+            <a:endParaRPr kumimoji="0" lang="zh-CN" altLang="en-US" sz="1800" b="0" i="0" u="none" strike="noStrike" kern="1200" cap="none" spc="0" normalizeH="0" baseline="0" noProof="0">
+              <a:ln>
+                <a:noFill/>
+              </a:ln>
+              <a:solidFill>
+                <a:prstClr val="white"/>
+              </a:solidFill>
+              <a:effectLst/>
+              <a:uLnTx/>
+              <a:uFillTx/>
+              <a:latin typeface="等线" panose="020F0502020204030204"/>
+              <a:ea typeface="等线" panose="02010600030101010101" pitchFamily="2" charset="-122"/>
+              <a:cs typeface="+mn-cs"/>
+            </a:endParaRPr>
+          </a:p>
+        </p:txBody>
+      </p:sp>
+      <p:sp>
+        <p:nvSpPr>
+          <p:cNvPr id="7" name="矩形 6"/>
+          <p:cNvSpPr/>
+          <p:nvPr/>
+        </p:nvSpPr>
+        <p:spPr>
+          <a:xfrm>
+            <a:off x="9984658" y="294968"/>
+            <a:ext cx="1961536" cy="1696064"/>
+          </a:xfrm>
+          <a:prstGeom prst="rect">
+            <a:avLst/>
+          </a:prstGeom>
+          <a:solidFill>
+            <a:srgbClr val="1C4885"/>
+          </a:solidFill>
+          <a:ln>
+            <a:noFill/>
+          </a:ln>
+        </p:spPr>
+        <p:style>
+          <a:lnRef idx="2">
+            <a:schemeClr val="accent1">
+              <a:shade val="50000"/>
+            </a:schemeClr>
+          </a:lnRef>
+          <a:fillRef idx="1">
+            <a:schemeClr val="accent1"/>
+          </a:fillRef>
+          <a:effectRef idx="0">
+            <a:schemeClr val="accent1"/>
+          </a:effectRef>
+          <a:fontRef idx="minor">
+            <a:schemeClr val="lt1"/>
+          </a:fontRef>
+        </p:style>
+        <p:txBody>
+          <a:bodyPr rtlCol="0" anchor="ctr"/>
+          <a:lstStyle/>
+          <a:p>
+            <a:pPr marL="0" marR="0" lvl="0" indent="0" algn="ctr" defTabSz="914400" rtl="0" eaLnBrk="1" fontAlgn="auto" latinLnBrk="0" hangingPunct="1">
+              <a:lnSpc>
+                <a:spcPct val="100000"/>
+              </a:lnSpc>
+              <a:spcBef>
+                <a:spcPts val="0"/>
+              </a:spcBef>
+              <a:spcAft>
+                <a:spcPts val="0"/>
+              </a:spcAft>
+              <a:buClrTx/>
+              <a:buSzTx/>
+              <a:buFontTx/>
+              <a:buNone/>
+              <a:tabLst/>
+              <a:defRPr/>
+            </a:pPr>
+            <a:endParaRPr kumimoji="0" lang="zh-CN" altLang="en-US" sz="1800" b="0" i="0" u="none" strike="noStrike" kern="1200" cap="none" spc="0" normalizeH="0" baseline="0" noProof="0">
+              <a:ln>
+                <a:noFill/>
+              </a:ln>
+              <a:solidFill>
+                <a:prstClr val="white"/>
+              </a:solidFill>
+              <a:effectLst/>
+              <a:uLnTx/>
+              <a:uFillTx/>
+              <a:latin typeface="等线" panose="020F0502020204030204"/>
+              <a:ea typeface="等线" panose="02010600030101010101" pitchFamily="2" charset="-122"/>
+              <a:cs typeface="+mn-cs"/>
+            </a:endParaRPr>
+          </a:p>
+        </p:txBody>
+      </p:sp>
+      <p:sp>
+        <p:nvSpPr>
+          <p:cNvPr id="8" name="圆角矩形 7"/>
+          <p:cNvSpPr/>
+          <p:nvPr/>
+        </p:nvSpPr>
+        <p:spPr>
+          <a:xfrm>
+            <a:off x="403122" y="405580"/>
+            <a:ext cx="11385755" cy="5958349"/>
+          </a:xfrm>
+          <a:prstGeom prst="roundRect">
+            <a:avLst>
+              <a:gd name="adj" fmla="val 1568"/>
+            </a:avLst>
+          </a:prstGeom>
+          <a:solidFill>
+            <a:schemeClr val="bg1"/>
+          </a:solidFill>
+          <a:ln>
+            <a:noFill/>
+          </a:ln>
+          <a:effectLst>
+            <a:glow rad="228600">
+              <a:schemeClr val="tx1">
+                <a:alpha val="30000"/>
+              </a:schemeClr>
+            </a:glow>
+          </a:effectLst>
+        </p:spPr>
+        <p:style>
+          <a:lnRef idx="2">
+            <a:schemeClr val="accent1">
+              <a:shade val="50000"/>
+            </a:schemeClr>
+          </a:lnRef>
+          <a:fillRef idx="1">
+            <a:schemeClr val="accent1"/>
+          </a:fillRef>
+          <a:effectRef idx="0">
+            <a:schemeClr val="accent1"/>
+          </a:effectRef>
+          <a:fontRef idx="minor">
+            <a:schemeClr val="lt1"/>
+          </a:fontRef>
+        </p:style>
+        <p:txBody>
+          <a:bodyPr rtlCol="0" anchor="ctr"/>
+          <a:lstStyle/>
+          <a:p>
+            <a:pPr marL="0" marR="0" lvl="0" indent="0" algn="ctr" defTabSz="914400" rtl="0" eaLnBrk="1" fontAlgn="auto" latinLnBrk="0" hangingPunct="1">
+              <a:lnSpc>
+                <a:spcPct val="100000"/>
+              </a:lnSpc>
+              <a:spcBef>
+                <a:spcPts val="0"/>
+              </a:spcBef>
+              <a:spcAft>
+                <a:spcPts val="0"/>
+              </a:spcAft>
+              <a:buClrTx/>
+              <a:buSzTx/>
+              <a:buFontTx/>
+              <a:buNone/>
+              <a:tabLst/>
+              <a:defRPr/>
+            </a:pPr>
+            <a:endParaRPr kumimoji="0" lang="zh-CN" altLang="en-US" sz="1800" b="0" i="0" u="none" strike="noStrike" kern="1200" cap="none" spc="0" normalizeH="0" baseline="0" noProof="0">
+              <a:ln>
+                <a:noFill/>
+              </a:ln>
+              <a:solidFill>
+                <a:prstClr val="white"/>
+              </a:solidFill>
+              <a:effectLst/>
+              <a:uLnTx/>
+              <a:uFillTx/>
+              <a:latin typeface="等线" panose="020F0502020204030204"/>
+              <a:ea typeface="等线" panose="02010600030101010101" pitchFamily="2" charset="-122"/>
+              <a:cs typeface="+mn-cs"/>
+            </a:endParaRPr>
+          </a:p>
+        </p:txBody>
+      </p:sp>
+      <p:sp>
+        <p:nvSpPr>
+          <p:cNvPr id="9" name="文本框 8"/>
+          <p:cNvSpPr txBox="1"/>
+          <p:nvPr/>
+        </p:nvSpPr>
+        <p:spPr>
+          <a:xfrm>
+            <a:off x="3433878" y="2049832"/>
+            <a:ext cx="5324242" cy="830997"/>
+          </a:xfrm>
+          <a:prstGeom prst="rect">
+            <a:avLst/>
+          </a:prstGeom>
+          <a:noFill/>
+        </p:spPr>
+        <p:txBody>
+          <a:bodyPr wrap="square" rtlCol="0">
+            <a:spAutoFit/>
+          </a:bodyPr>
+          <a:lstStyle/>
+          <a:p>
+            <a:pPr marL="0" marR="0" lvl="0" indent="0" algn="dist" defTabSz="914400" rtl="0" eaLnBrk="1" fontAlgn="auto" latinLnBrk="0" hangingPunct="1">
+              <a:lnSpc>
+                <a:spcPct val="100000"/>
+              </a:lnSpc>
+              <a:spcBef>
+                <a:spcPts val="0"/>
+              </a:spcBef>
+              <a:spcAft>
+                <a:spcPts val="0"/>
+              </a:spcAft>
+              <a:buClrTx/>
+              <a:buSzTx/>
+              <a:buFontTx/>
+              <a:buNone/>
+              <a:tabLst/>
+              <a:defRPr/>
+            </a:pPr>
+            <a:r>
+              <a:rPr lang="zh-TW" altLang="en-US" sz="4800" dirty="0">
+                <a:solidFill>
+                  <a:srgbClr val="1C4885"/>
+                </a:solidFill>
+                <a:latin typeface="FZZhengHeiS-DB-GB" panose="02000000000000000000" pitchFamily="2" charset="0"/>
+                <a:ea typeface="FZZhengHeiS-DB-GB" panose="02000000000000000000" pitchFamily="2" charset="0"/>
+              </a:rPr>
+              <a:t>謝謝聆聽</a:t>
+            </a:r>
+            <a:endParaRPr kumimoji="0" lang="zh-CN" altLang="en-US" sz="4800" b="0" i="0" u="none" strike="noStrike" kern="1200" cap="none" spc="0" normalizeH="0" baseline="0" noProof="0" dirty="0">
+              <a:ln>
+                <a:noFill/>
+              </a:ln>
+              <a:solidFill>
+                <a:srgbClr val="1C4885"/>
+              </a:solidFill>
+              <a:effectLst/>
+              <a:uLnTx/>
+              <a:uFillTx/>
+              <a:latin typeface="FZZhengHeiS-DB-GB" panose="02000000000000000000" pitchFamily="2" charset="0"/>
+              <a:ea typeface="FZZhengHeiS-DB-GB" panose="02000000000000000000" pitchFamily="2" charset="0"/>
+              <a:cs typeface="+mn-cs"/>
+            </a:endParaRPr>
+          </a:p>
+        </p:txBody>
+      </p:sp>
+      <p:cxnSp>
+        <p:nvCxnSpPr>
+          <p:cNvPr id="11" name="直接连接符 10"/>
+          <p:cNvCxnSpPr/>
+          <p:nvPr/>
+        </p:nvCxnSpPr>
+        <p:spPr>
+          <a:xfrm>
+            <a:off x="5401597" y="3738717"/>
+            <a:ext cx="1388806" cy="0"/>
+          </a:xfrm>
+          <a:prstGeom prst="line">
+            <a:avLst/>
+          </a:prstGeom>
+          <a:ln w="25400">
+            <a:solidFill>
+              <a:schemeClr val="bg1">
+                <a:lumMod val="50000"/>
+              </a:schemeClr>
+            </a:solidFill>
+          </a:ln>
+        </p:spPr>
+        <p:style>
+          <a:lnRef idx="1">
+            <a:schemeClr val="accent1"/>
+          </a:lnRef>
+          <a:fillRef idx="0">
+            <a:schemeClr val="accent1"/>
+          </a:fillRef>
+          <a:effectRef idx="0">
+            <a:schemeClr val="accent1"/>
+          </a:effectRef>
+          <a:fontRef idx="minor">
+            <a:schemeClr val="tx1"/>
+          </a:fontRef>
+        </p:style>
+      </p:cxnSp>
+      <p:pic>
+        <p:nvPicPr>
+          <p:cNvPr id="12" name="图片 11"/>
+          <p:cNvPicPr>
+            <a:picLocks noChangeAspect="1"/>
+          </p:cNvPicPr>
+          <p:nvPr/>
+        </p:nvPicPr>
+        <p:blipFill>
+          <a:blip r:embed="rId3" cstate="print">
+            <a:extLst>
+              <a:ext uri="{28A0092B-C50C-407E-A947-70E740481C1C}">
+                <a14:useLocalDpi xmlns:a14="http://schemas.microsoft.com/office/drawing/2010/main" val="0"/>
+              </a:ext>
+            </a:extLst>
+          </a:blip>
+          <a:stretch>
+            <a:fillRect/>
+          </a:stretch>
+        </p:blipFill>
+        <p:spPr>
+          <a:xfrm>
+            <a:off x="10557385" y="734960"/>
+            <a:ext cx="816082" cy="816080"/>
+          </a:xfrm>
+          <a:prstGeom prst="rect">
+            <a:avLst/>
+          </a:prstGeom>
+        </p:spPr>
+      </p:pic>
+      <p:sp>
+        <p:nvSpPr>
+          <p:cNvPr id="13" name="文本框 12"/>
+          <p:cNvSpPr txBox="1"/>
+          <p:nvPr/>
+        </p:nvSpPr>
+        <p:spPr>
+          <a:xfrm>
+            <a:off x="2718928" y="2916224"/>
+            <a:ext cx="6754145" cy="369332"/>
+          </a:xfrm>
+          <a:prstGeom prst="rect">
+            <a:avLst/>
+          </a:prstGeom>
+          <a:noFill/>
+        </p:spPr>
+        <p:txBody>
+          <a:bodyPr wrap="square" rtlCol="0">
+            <a:spAutoFit/>
+          </a:bodyPr>
+          <a:lstStyle/>
+          <a:p>
+            <a:pPr marL="0" marR="0" lvl="0" indent="0" algn="dist" defTabSz="914400" rtl="0" eaLnBrk="1" fontAlgn="auto" latinLnBrk="0" hangingPunct="1">
+              <a:lnSpc>
+                <a:spcPct val="100000"/>
+              </a:lnSpc>
+              <a:spcBef>
+                <a:spcPts val="0"/>
+              </a:spcBef>
+              <a:spcAft>
+                <a:spcPts val="0"/>
+              </a:spcAft>
+              <a:buClrTx/>
+              <a:buSzTx/>
+              <a:buFontTx/>
+              <a:buNone/>
+              <a:tabLst/>
+              <a:defRPr/>
+            </a:pPr>
+            <a:r>
+              <a:rPr kumimoji="0" lang="en-US" altLang="zh-TW" sz="1800" b="0" i="0" u="none" strike="noStrike" kern="1200" cap="none" spc="0" normalizeH="0" baseline="0" noProof="0" dirty="0">
+                <a:ln>
+                  <a:noFill/>
+                </a:ln>
+                <a:solidFill>
+                  <a:srgbClr val="1C4885"/>
+                </a:solidFill>
+                <a:effectLst/>
+                <a:uLnTx/>
+                <a:uFillTx/>
+                <a:latin typeface="微软雅黑" panose="020B0503020204020204" pitchFamily="34" charset="-122"/>
+                <a:ea typeface="微软雅黑" panose="020B0503020204020204" pitchFamily="34" charset="-122"/>
+                <a:cs typeface="+mn-cs"/>
+              </a:rPr>
+              <a:t>Thanks Everyone</a:t>
+            </a:r>
+            <a:endParaRPr kumimoji="0" lang="zh-CN" altLang="en-US" sz="1800" b="0" i="0" u="none" strike="noStrike" kern="1200" cap="none" spc="0" normalizeH="0" baseline="0" noProof="0" dirty="0">
+              <a:ln>
+                <a:noFill/>
+              </a:ln>
+              <a:solidFill>
+                <a:srgbClr val="1C4885"/>
+              </a:solidFill>
+              <a:effectLst/>
+              <a:uLnTx/>
+              <a:uFillTx/>
+              <a:latin typeface="微软雅黑" panose="020B0503020204020204" pitchFamily="34" charset="-122"/>
+              <a:ea typeface="微软雅黑" panose="020B0503020204020204" pitchFamily="34" charset="-122"/>
+              <a:cs typeface="+mn-cs"/>
+            </a:endParaRPr>
+          </a:p>
+        </p:txBody>
+      </p:sp>
+      <p:pic>
+        <p:nvPicPr>
+          <p:cNvPr id="14" name="圖片 13">
+            <a:extLst>
+              <a:ext uri="{FF2B5EF4-FFF2-40B4-BE49-F238E27FC236}">
+                <a16:creationId xmlns:a16="http://schemas.microsoft.com/office/drawing/2014/main" id="{986F4BBA-6473-4F5F-AE4A-9FEE1DDA1C5F}"/>
+              </a:ext>
+            </a:extLst>
+          </p:cNvPr>
+          <p:cNvPicPr>
+            <a:picLocks noChangeAspect="1"/>
+          </p:cNvPicPr>
+          <p:nvPr/>
+        </p:nvPicPr>
+        <p:blipFill rotWithShape="1">
+          <a:blip r:embed="rId4">
+            <a:extLst>
+              <a:ext uri="{BEBA8EAE-BF5A-486C-A8C5-ECC9F3942E4B}">
+                <a14:imgProps xmlns:a14="http://schemas.microsoft.com/office/drawing/2010/main">
+                  <a14:imgLayer r:embed="rId5">
+                    <a14:imgEffect>
+                      <a14:backgroundRemoval t="6586" b="93761" l="6586" r="92721">
+                        <a14:foregroundMark x1="63605" y1="12305" x2="29937" y2="11819"/>
+                        <a14:foregroundMark x1="26086" y1="13402" x2="25823" y2="13692"/>
+                        <a14:foregroundMark x1="51646" y1="6759" x2="51646" y2="6759"/>
+                        <a14:foregroundMark x1="53033" y1="8319" x2="43501" y2="9359"/>
+                        <a14:foregroundMark x1="34489" y1="14731" x2="19584" y2="23224"/>
+                        <a14:foregroundMark x1="45754" y1="25997" x2="41594" y2="52860"/>
+                        <a14:foregroundMark x1="41594" y1="52860" x2="42634" y2="58059"/>
+                        <a14:foregroundMark x1="53206" y1="32062" x2="50953" y2="51993"/>
+                        <a14:foregroundMark x1="50433" y1="26690" x2="38302" y2="38821"/>
+                        <a14:foregroundMark x1="45234" y1="26516" x2="39341" y2="36222"/>
+                        <a14:foregroundMark x1="39341" y1="36222" x2="39341" y2="36395"/>
+                        <a14:foregroundMark x1="51646" y1="29983" x2="45234" y2="37782"/>
+                        <a14:foregroundMark x1="84575" y1="40555" x2="88215" y2="53553"/>
+                        <a14:foregroundMark x1="92721" y1="48180" x2="92721" y2="48180"/>
+                        <a14:foregroundMark x1="80243" y1="46274" x2="43328" y2="54593"/>
+                        <a14:foregroundMark x1="74350" y1="38821" x2="60139" y2="61525"/>
+                        <a14:foregroundMark x1="82842" y1="50087" x2="73657" y2="61352"/>
+                        <a14:foregroundMark x1="73657" y1="61352" x2="57712" y2="71577"/>
+                        <a14:foregroundMark x1="68631" y1="77123" x2="44367" y2="82496"/>
+                        <a14:foregroundMark x1="44367" y1="82496" x2="33102" y2="77296"/>
+                        <a14:foregroundMark x1="33102" y1="77296" x2="31889" y2="67764"/>
+                        <a14:foregroundMark x1="49740" y1="93761" x2="49740" y2="93761"/>
+                        <a14:foregroundMark x1="6932" y1="49567" x2="6932" y2="49567"/>
+                        <a14:foregroundMark x1="50953" y1="25303" x2="41941" y2="41941"/>
+                        <a14:foregroundMark x1="71924" y1="28596" x2="60659" y2="23050"/>
+                        <a14:foregroundMark x1="60659" y1="23050" x2="33276" y2="20104"/>
+                        <a14:foregroundMark x1="33276" y1="20104" x2="15945" y2="51127"/>
+                        <a14:foregroundMark x1="15945" y1="51127" x2="20277" y2="62218"/>
+                        <a14:foregroundMark x1="20277" y1="62218" x2="42634" y2="66031"/>
+                        <a14:foregroundMark x1="42634" y1="66031" x2="66378" y2="50433"/>
+                        <a14:foregroundMark x1="66378" y1="50433" x2="73657" y2="41594"/>
+                        <a14:foregroundMark x1="73657" y1="41594" x2="73830" y2="30676"/>
+                        <a14:foregroundMark x1="73830" y1="30676" x2="71404" y2="28076"/>
+                        <a14:foregroundMark x1="6586" y1="41075" x2="6586" y2="41075"/>
+                        <a14:foregroundMark x1="57886" y1="7799" x2="40035" y2="7626"/>
+                        <a14:foregroundMark x1="25652" y1="13545" x2="26145" y2="13583"/>
+                        <a14:backgroundMark x1="26343" y1="9185" x2="26690" y2="10052"/>
+                        <a14:backgroundMark x1="26863" y1="8666" x2="26023" y2="12443"/>
+                        <a14:backgroundMark x1="24957" y1="12998" x2="24957" y2="12998"/>
+                        <a14:backgroundMark x1="25477" y1="12825" x2="25477" y2="12825"/>
+                        <a14:backgroundMark x1="24957" y1="12998" x2="24957" y2="12998"/>
+                        <a14:backgroundMark x1="25130" y1="12998" x2="25130" y2="12998"/>
+                        <a14:backgroundMark x1="25303" y1="12998" x2="24437" y2="12998"/>
+                        <a14:backgroundMark x1="26343" y1="12132" x2="25303" y2="12652"/>
+                      </a14:backgroundRemoval>
+                    </a14:imgEffect>
+                    <a14:imgEffect>
+                      <a14:brightnessContrast contrast="-40000"/>
+                    </a14:imgEffect>
+                  </a14:imgLayer>
+                </a14:imgProps>
+              </a:ext>
+              <a:ext uri="{28A0092B-C50C-407E-A947-70E740481C1C}">
+                <a14:useLocalDpi xmlns:a14="http://schemas.microsoft.com/office/drawing/2010/main" val="0"/>
+              </a:ext>
+            </a:extLst>
+          </a:blip>
+          <a:srcRect r="504"/>
+          <a:stretch/>
+        </p:blipFill>
+        <p:spPr>
+          <a:xfrm>
+            <a:off x="10486723" y="647196"/>
+            <a:ext cx="957405" cy="962258"/>
+          </a:xfrm>
+          <a:prstGeom prst="rect">
+            <a:avLst/>
+          </a:prstGeom>
+        </p:spPr>
+      </p:pic>
+    </p:spTree>
+    <p:extLst>
+      <p:ext uri="{BB962C8B-B14F-4D97-AF65-F5344CB8AC3E}">
+        <p14:creationId xmlns:p14="http://schemas.microsoft.com/office/powerpoint/2010/main" val="57088053"/>
       </p:ext>
     </p:extLst>
   </p:cSld>

--- a/Android_Project.pptx
+++ b/Android_Project.pptx
@@ -27,7 +27,7 @@
     <p:sldId id="293" r:id="rId18"/>
     <p:sldId id="294" r:id="rId19"/>
     <p:sldId id="297" r:id="rId20"/>
-    <p:sldId id="295" r:id="rId21"/>
+    <p:sldId id="302" r:id="rId21"/>
     <p:sldId id="296" r:id="rId22"/>
     <p:sldId id="301" r:id="rId23"/>
     <p:sldId id="290" r:id="rId24"/>
@@ -221,7 +221,7 @@
           <a:p>
             <a:fld id="{F1086E90-BC53-47D5-A76B-10B441D601C1}" type="datetimeFigureOut">
               <a:rPr lang="zh-TW" altLang="en-US" smtClean="0"/>
-              <a:t>2020/6/26</a:t>
+              <a:t>2020/6/28</a:t>
             </a:fld>
             <a:endParaRPr lang="zh-TW" altLang="en-US"/>
           </a:p>
@@ -1762,7 +1762,7 @@
     </p:spTree>
     <p:extLst>
       <p:ext uri="{BB962C8B-B14F-4D97-AF65-F5344CB8AC3E}">
-        <p14:creationId xmlns:p14="http://schemas.microsoft.com/office/powerpoint/2010/main" val="3041509920"/>
+        <p14:creationId xmlns:p14="http://schemas.microsoft.com/office/powerpoint/2010/main" val="2068589009"/>
       </p:ext>
     </p:extLst>
   </p:cSld>
@@ -3251,7 +3251,7 @@
           <a:p>
             <a:fld id="{AC25941B-3377-41F9-AD8E-DC4A5351060D}" type="datetimeFigureOut">
               <a:rPr lang="zh-TW" altLang="en-US" smtClean="0"/>
-              <a:t>2020/6/26</a:t>
+              <a:t>2020/6/28</a:t>
             </a:fld>
             <a:endParaRPr lang="zh-TW" altLang="en-US"/>
           </a:p>
@@ -3449,7 +3449,7 @@
           <a:p>
             <a:fld id="{AC25941B-3377-41F9-AD8E-DC4A5351060D}" type="datetimeFigureOut">
               <a:rPr lang="zh-TW" altLang="en-US" smtClean="0"/>
-              <a:t>2020/6/26</a:t>
+              <a:t>2020/6/28</a:t>
             </a:fld>
             <a:endParaRPr lang="zh-TW" altLang="en-US"/>
           </a:p>
@@ -3657,7 +3657,7 @@
           <a:p>
             <a:fld id="{AC25941B-3377-41F9-AD8E-DC4A5351060D}" type="datetimeFigureOut">
               <a:rPr lang="zh-TW" altLang="en-US" smtClean="0"/>
-              <a:t>2020/6/26</a:t>
+              <a:t>2020/6/28</a:t>
             </a:fld>
             <a:endParaRPr lang="zh-TW" altLang="en-US"/>
           </a:p>
@@ -3859,7 +3859,7 @@
           <a:p>
             <a:fld id="{8AF6F278-ABF0-48CA-ADF0-1D43CCA8A181}" type="datetimeFigureOut">
               <a:rPr lang="zh-CN" altLang="en-US" smtClean="0"/>
-              <a:t>2020/6/26</a:t>
+              <a:t>2020/6/28</a:t>
             </a:fld>
             <a:endParaRPr lang="zh-CN" altLang="en-US"/>
           </a:p>
@@ -4035,7 +4035,7 @@
           <a:p>
             <a:fld id="{8AF6F278-ABF0-48CA-ADF0-1D43CCA8A181}" type="datetimeFigureOut">
               <a:rPr lang="zh-CN" altLang="en-US" smtClean="0"/>
-              <a:t>2020/6/26</a:t>
+              <a:t>2020/6/28</a:t>
             </a:fld>
             <a:endParaRPr lang="zh-CN" altLang="en-US"/>
           </a:p>
@@ -4288,7 +4288,7 @@
           <a:p>
             <a:fld id="{8AF6F278-ABF0-48CA-ADF0-1D43CCA8A181}" type="datetimeFigureOut">
               <a:rPr lang="zh-CN" altLang="en-US" smtClean="0"/>
-              <a:t>2020/6/26</a:t>
+              <a:t>2020/6/28</a:t>
             </a:fld>
             <a:endParaRPr lang="zh-CN" altLang="en-US"/>
           </a:p>
@@ -4525,7 +4525,7 @@
           <a:p>
             <a:fld id="{8AF6F278-ABF0-48CA-ADF0-1D43CCA8A181}" type="datetimeFigureOut">
               <a:rPr lang="zh-CN" altLang="en-US" smtClean="0"/>
-              <a:t>2020/6/26</a:t>
+              <a:t>2020/6/28</a:t>
             </a:fld>
             <a:endParaRPr lang="zh-CN" altLang="en-US"/>
           </a:p>
@@ -4897,7 +4897,7 @@
           <a:p>
             <a:fld id="{8AF6F278-ABF0-48CA-ADF0-1D43CCA8A181}" type="datetimeFigureOut">
               <a:rPr lang="zh-CN" altLang="en-US" smtClean="0"/>
-              <a:t>2020/6/26</a:t>
+              <a:t>2020/6/28</a:t>
             </a:fld>
             <a:endParaRPr lang="zh-CN" altLang="en-US"/>
           </a:p>
@@ -5022,7 +5022,7 @@
           <a:p>
             <a:fld id="{8AF6F278-ABF0-48CA-ADF0-1D43CCA8A181}" type="datetimeFigureOut">
               <a:rPr lang="zh-CN" altLang="en-US" smtClean="0"/>
-              <a:t>2020/6/26</a:t>
+              <a:t>2020/6/28</a:t>
             </a:fld>
             <a:endParaRPr lang="zh-CN" altLang="en-US"/>
           </a:p>
@@ -5125,7 +5125,7 @@
           <a:p>
             <a:fld id="{8AF6F278-ABF0-48CA-ADF0-1D43CCA8A181}" type="datetimeFigureOut">
               <a:rPr lang="zh-CN" altLang="en-US" smtClean="0"/>
-              <a:t>2020/6/26</a:t>
+              <a:t>2020/6/28</a:t>
             </a:fld>
             <a:endParaRPr lang="zh-CN" altLang="en-US"/>
           </a:p>
@@ -5408,7 +5408,7 @@
           <a:p>
             <a:fld id="{8AF6F278-ABF0-48CA-ADF0-1D43CCA8A181}" type="datetimeFigureOut">
               <a:rPr lang="zh-CN" altLang="en-US" smtClean="0"/>
-              <a:t>2020/6/26</a:t>
+              <a:t>2020/6/28</a:t>
             </a:fld>
             <a:endParaRPr lang="zh-CN" altLang="en-US"/>
           </a:p>
@@ -5602,7 +5602,7 @@
           <a:p>
             <a:fld id="{AC25941B-3377-41F9-AD8E-DC4A5351060D}" type="datetimeFigureOut">
               <a:rPr lang="zh-TW" altLang="en-US" smtClean="0"/>
-              <a:t>2020/6/26</a:t>
+              <a:t>2020/6/28</a:t>
             </a:fld>
             <a:endParaRPr lang="zh-TW" altLang="en-US"/>
           </a:p>
@@ -5866,7 +5866,7 @@
           <a:p>
             <a:fld id="{8AF6F278-ABF0-48CA-ADF0-1D43CCA8A181}" type="datetimeFigureOut">
               <a:rPr lang="zh-CN" altLang="en-US" smtClean="0"/>
-              <a:t>2020/6/26</a:t>
+              <a:t>2020/6/28</a:t>
             </a:fld>
             <a:endParaRPr lang="zh-CN" altLang="en-US"/>
           </a:p>
@@ -6042,7 +6042,7 @@
           <a:p>
             <a:fld id="{8AF6F278-ABF0-48CA-ADF0-1D43CCA8A181}" type="datetimeFigureOut">
               <a:rPr lang="zh-CN" altLang="en-US" smtClean="0"/>
-              <a:t>2020/6/26</a:t>
+              <a:t>2020/6/28</a:t>
             </a:fld>
             <a:endParaRPr lang="zh-CN" altLang="en-US"/>
           </a:p>
@@ -6228,7 +6228,7 @@
           <a:p>
             <a:fld id="{8AF6F278-ABF0-48CA-ADF0-1D43CCA8A181}" type="datetimeFigureOut">
               <a:rPr lang="zh-CN" altLang="en-US" smtClean="0"/>
-              <a:t>2020/6/26</a:t>
+              <a:t>2020/6/28</a:t>
             </a:fld>
             <a:endParaRPr lang="zh-CN" altLang="en-US"/>
           </a:p>
@@ -6499,7 +6499,7 @@
           <a:p>
             <a:fld id="{AC25941B-3377-41F9-AD8E-DC4A5351060D}" type="datetimeFigureOut">
               <a:rPr lang="zh-TW" altLang="en-US" smtClean="0"/>
-              <a:t>2020/6/26</a:t>
+              <a:t>2020/6/28</a:t>
             </a:fld>
             <a:endParaRPr lang="zh-TW" altLang="en-US"/>
           </a:p>
@@ -6764,7 +6764,7 @@
           <a:p>
             <a:fld id="{AC25941B-3377-41F9-AD8E-DC4A5351060D}" type="datetimeFigureOut">
               <a:rPr lang="zh-TW" altLang="en-US" smtClean="0"/>
-              <a:t>2020/6/26</a:t>
+              <a:t>2020/6/28</a:t>
             </a:fld>
             <a:endParaRPr lang="zh-TW" altLang="en-US"/>
           </a:p>
@@ -7176,7 +7176,7 @@
           <a:p>
             <a:fld id="{AC25941B-3377-41F9-AD8E-DC4A5351060D}" type="datetimeFigureOut">
               <a:rPr lang="zh-TW" altLang="en-US" smtClean="0"/>
-              <a:t>2020/6/26</a:t>
+              <a:t>2020/6/28</a:t>
             </a:fld>
             <a:endParaRPr lang="zh-TW" altLang="en-US"/>
           </a:p>
@@ -7317,7 +7317,7 @@
           <a:p>
             <a:fld id="{AC25941B-3377-41F9-AD8E-DC4A5351060D}" type="datetimeFigureOut">
               <a:rPr lang="zh-TW" altLang="en-US" smtClean="0"/>
-              <a:t>2020/6/26</a:t>
+              <a:t>2020/6/28</a:t>
             </a:fld>
             <a:endParaRPr lang="zh-TW" altLang="en-US"/>
           </a:p>
@@ -7430,7 +7430,7 @@
           <a:p>
             <a:fld id="{AC25941B-3377-41F9-AD8E-DC4A5351060D}" type="datetimeFigureOut">
               <a:rPr lang="zh-TW" altLang="en-US" smtClean="0"/>
-              <a:t>2020/6/26</a:t>
+              <a:t>2020/6/28</a:t>
             </a:fld>
             <a:endParaRPr lang="zh-TW" altLang="en-US"/>
           </a:p>
@@ -7741,7 +7741,7 @@
           <a:p>
             <a:fld id="{AC25941B-3377-41F9-AD8E-DC4A5351060D}" type="datetimeFigureOut">
               <a:rPr lang="zh-TW" altLang="en-US" smtClean="0"/>
-              <a:t>2020/6/26</a:t>
+              <a:t>2020/6/28</a:t>
             </a:fld>
             <a:endParaRPr lang="zh-TW" altLang="en-US"/>
           </a:p>
@@ -8029,7 +8029,7 @@
           <a:p>
             <a:fld id="{AC25941B-3377-41F9-AD8E-DC4A5351060D}" type="datetimeFigureOut">
               <a:rPr lang="zh-TW" altLang="en-US" smtClean="0"/>
-              <a:t>2020/6/26</a:t>
+              <a:t>2020/6/28</a:t>
             </a:fld>
             <a:endParaRPr lang="zh-TW" altLang="en-US"/>
           </a:p>
@@ -8270,7 +8270,7 @@
           <a:p>
             <a:fld id="{AC25941B-3377-41F9-AD8E-DC4A5351060D}" type="datetimeFigureOut">
               <a:rPr lang="zh-TW" altLang="en-US" smtClean="0"/>
-              <a:t>2020/6/26</a:t>
+              <a:t>2020/6/28</a:t>
             </a:fld>
             <a:endParaRPr lang="zh-TW" altLang="en-US"/>
           </a:p>
@@ -8820,7 +8820,7 @@
           <a:p>
             <a:fld id="{8AF6F278-ABF0-48CA-ADF0-1D43CCA8A181}" type="datetimeFigureOut">
               <a:rPr lang="zh-CN" altLang="en-US" smtClean="0"/>
-              <a:t>2020/6/26</a:t>
+              <a:t>2020/6/28</a:t>
             </a:fld>
             <a:endParaRPr lang="zh-CN" altLang="en-US"/>
           </a:p>
@@ -9951,7 +9951,7 @@
           <p:nvPr/>
         </p:nvPicPr>
         <p:blipFill rotWithShape="1">
-          <a:blip r:embed="rId5">
+          <a:blip r:embed="rId5" cstate="hqprint">
             <a:extLst>
               <a:ext uri="{BEBA8EAE-BF5A-486C-A8C5-ECC9F3942E4B}">
                 <a14:imgProps xmlns:a14="http://schemas.microsoft.com/office/drawing/2010/main">
@@ -10109,7 +10109,7 @@
               <a:t>進來後這裡使用了</a:t>
             </a:r>
             <a:r>
-              <a:rPr lang="en-US" altLang="zh-TW" dirty="0" err="1">
+              <a:rPr lang="en-US" altLang="zh-TW" dirty="0" err="1" smtClean="0">
                 <a:latin typeface="微軟正黑體" panose="020B0604030504040204" pitchFamily="34" charset="-120"/>
                 <a:ea typeface="微軟正黑體" panose="020B0604030504040204" pitchFamily="34" charset="-120"/>
               </a:rPr>
@@ -10572,6 +10572,82 @@
           </a:p>
         </p:txBody>
       </p:sp>
+      <p:sp>
+        <p:nvSpPr>
+          <p:cNvPr id="21" name="文本框 197">
+            <a:extLst>
+              <a:ext uri="{FF2B5EF4-FFF2-40B4-BE49-F238E27FC236}">
+                <a16:creationId xmlns:a16="http://schemas.microsoft.com/office/drawing/2014/main" id="{D9399FE6-E660-490C-835F-AEE45E7EEAD4}"/>
+              </a:ext>
+            </a:extLst>
+          </p:cNvPr>
+          <p:cNvSpPr txBox="1"/>
+          <p:nvPr/>
+        </p:nvSpPr>
+        <p:spPr>
+          <a:xfrm>
+            <a:off x="8223256" y="5782860"/>
+            <a:ext cx="2832671" cy="461665"/>
+          </a:xfrm>
+          <a:prstGeom prst="rect">
+            <a:avLst/>
+          </a:prstGeom>
+          <a:noFill/>
+        </p:spPr>
+        <p:txBody>
+          <a:bodyPr wrap="square" rtlCol="0">
+            <a:spAutoFit/>
+          </a:bodyPr>
+          <a:lstStyle/>
+          <a:p>
+            <a:r>
+              <a:rPr lang="en-US" altLang="zh-TW" sz="2400" dirty="0" smtClean="0">
+                <a:solidFill>
+                  <a:schemeClr val="accent1">
+                    <a:lumMod val="50000"/>
+                  </a:schemeClr>
+                </a:solidFill>
+                <a:latin typeface="微軟正黑體" panose="020B0604030504040204" pitchFamily="34" charset="-120"/>
+                <a:ea typeface="微軟正黑體" panose="020B0604030504040204" pitchFamily="34" charset="-120"/>
+              </a:rPr>
+              <a:t>#</a:t>
+            </a:r>
+            <a:r>
+              <a:rPr lang="zh-TW" altLang="en-US" sz="2400" dirty="0" smtClean="0">
+                <a:solidFill>
+                  <a:schemeClr val="accent1">
+                    <a:lumMod val="50000"/>
+                  </a:schemeClr>
+                </a:solidFill>
+                <a:latin typeface="微軟正黑體" panose="020B0604030504040204" pitchFamily="34" charset="-120"/>
+                <a:ea typeface="微軟正黑體" panose="020B0604030504040204" pitchFamily="34" charset="-120"/>
+              </a:rPr>
+              <a:t>此功能為自己</a:t>
+            </a:r>
+            <a:r>
+              <a:rPr lang="zh-TW" altLang="en-US" sz="2400" dirty="0">
+                <a:solidFill>
+                  <a:schemeClr val="accent1">
+                    <a:lumMod val="50000"/>
+                  </a:schemeClr>
+                </a:solidFill>
+                <a:latin typeface="微軟正黑體" panose="020B0604030504040204" pitchFamily="34" charset="-120"/>
+                <a:ea typeface="微軟正黑體" panose="020B0604030504040204" pitchFamily="34" charset="-120"/>
+              </a:rPr>
+              <a:t>實作</a:t>
+            </a:r>
+            <a:endParaRPr lang="zh-CN" altLang="en-US" sz="2400" dirty="0">
+              <a:solidFill>
+                <a:schemeClr val="accent1">
+                  <a:lumMod val="50000"/>
+                </a:schemeClr>
+              </a:solidFill>
+              <a:latin typeface="微軟正黑體" panose="020B0604030504040204" pitchFamily="34" charset="-120"/>
+              <a:ea typeface="微軟正黑體" panose="020B0604030504040204" pitchFamily="34" charset="-120"/>
+            </a:endParaRPr>
+          </a:p>
+        </p:txBody>
+      </p:sp>
     </p:spTree>
     <p:extLst>
       <p:ext uri="{BB962C8B-B14F-4D97-AF65-F5344CB8AC3E}">
@@ -10869,7 +10945,7 @@
           <p:nvPr/>
         </p:nvPicPr>
         <p:blipFill rotWithShape="1">
-          <a:blip r:embed="rId6">
+          <a:blip r:embed="rId6" cstate="hqprint">
             <a:extLst>
               <a:ext uri="{BEBA8EAE-BF5A-486C-A8C5-ECC9F3942E4B}">
                 <a14:imgProps xmlns:a14="http://schemas.microsoft.com/office/drawing/2010/main">
@@ -11400,6 +11476,82 @@
           </a:p>
         </p:txBody>
       </p:sp>
+      <p:sp>
+        <p:nvSpPr>
+          <p:cNvPr id="20" name="文本框 197">
+            <a:extLst>
+              <a:ext uri="{FF2B5EF4-FFF2-40B4-BE49-F238E27FC236}">
+                <a16:creationId xmlns:a16="http://schemas.microsoft.com/office/drawing/2014/main" id="{D9399FE6-E660-490C-835F-AEE45E7EEAD4}"/>
+              </a:ext>
+            </a:extLst>
+          </p:cNvPr>
+          <p:cNvSpPr txBox="1"/>
+          <p:nvPr/>
+        </p:nvSpPr>
+        <p:spPr>
+          <a:xfrm>
+            <a:off x="8223256" y="5782860"/>
+            <a:ext cx="2832671" cy="461665"/>
+          </a:xfrm>
+          <a:prstGeom prst="rect">
+            <a:avLst/>
+          </a:prstGeom>
+          <a:noFill/>
+        </p:spPr>
+        <p:txBody>
+          <a:bodyPr wrap="square" rtlCol="0">
+            <a:spAutoFit/>
+          </a:bodyPr>
+          <a:lstStyle/>
+          <a:p>
+            <a:r>
+              <a:rPr lang="en-US" altLang="zh-TW" sz="2400" dirty="0" smtClean="0">
+                <a:solidFill>
+                  <a:schemeClr val="accent1">
+                    <a:lumMod val="50000"/>
+                  </a:schemeClr>
+                </a:solidFill>
+                <a:latin typeface="微軟正黑體" panose="020B0604030504040204" pitchFamily="34" charset="-120"/>
+                <a:ea typeface="微軟正黑體" panose="020B0604030504040204" pitchFamily="34" charset="-120"/>
+              </a:rPr>
+              <a:t>#</a:t>
+            </a:r>
+            <a:r>
+              <a:rPr lang="zh-TW" altLang="en-US" sz="2400" dirty="0" smtClean="0">
+                <a:solidFill>
+                  <a:schemeClr val="accent1">
+                    <a:lumMod val="50000"/>
+                  </a:schemeClr>
+                </a:solidFill>
+                <a:latin typeface="微軟正黑體" panose="020B0604030504040204" pitchFamily="34" charset="-120"/>
+                <a:ea typeface="微軟正黑體" panose="020B0604030504040204" pitchFamily="34" charset="-120"/>
+              </a:rPr>
+              <a:t>此功能為自己</a:t>
+            </a:r>
+            <a:r>
+              <a:rPr lang="zh-TW" altLang="en-US" sz="2400" dirty="0">
+                <a:solidFill>
+                  <a:schemeClr val="accent1">
+                    <a:lumMod val="50000"/>
+                  </a:schemeClr>
+                </a:solidFill>
+                <a:latin typeface="微軟正黑體" panose="020B0604030504040204" pitchFamily="34" charset="-120"/>
+                <a:ea typeface="微軟正黑體" panose="020B0604030504040204" pitchFamily="34" charset="-120"/>
+              </a:rPr>
+              <a:t>實作</a:t>
+            </a:r>
+            <a:endParaRPr lang="zh-CN" altLang="en-US" sz="2400" dirty="0">
+              <a:solidFill>
+                <a:schemeClr val="accent1">
+                  <a:lumMod val="50000"/>
+                </a:schemeClr>
+              </a:solidFill>
+              <a:latin typeface="微軟正黑體" panose="020B0604030504040204" pitchFamily="34" charset="-120"/>
+              <a:ea typeface="微軟正黑體" panose="020B0604030504040204" pitchFamily="34" charset="-120"/>
+            </a:endParaRPr>
+          </a:p>
+        </p:txBody>
+      </p:sp>
     </p:spTree>
     <p:extLst>
       <p:ext uri="{BB962C8B-B14F-4D97-AF65-F5344CB8AC3E}">
@@ -11627,7 +11779,7 @@
           <p:nvPr/>
         </p:nvPicPr>
         <p:blipFill rotWithShape="1">
-          <a:blip r:embed="rId4">
+          <a:blip r:embed="rId4" cstate="hqprint">
             <a:extLst>
               <a:ext uri="{BEBA8EAE-BF5A-486C-A8C5-ECC9F3942E4B}">
                 <a14:imgProps xmlns:a14="http://schemas.microsoft.com/office/drawing/2010/main">
@@ -12186,6 +12338,82 @@
           </a:fontRef>
         </p:style>
       </p:cxnSp>
+      <p:sp>
+        <p:nvSpPr>
+          <p:cNvPr id="19" name="文本框 197">
+            <a:extLst>
+              <a:ext uri="{FF2B5EF4-FFF2-40B4-BE49-F238E27FC236}">
+                <a16:creationId xmlns:a16="http://schemas.microsoft.com/office/drawing/2014/main" id="{D9399FE6-E660-490C-835F-AEE45E7EEAD4}"/>
+              </a:ext>
+            </a:extLst>
+          </p:cNvPr>
+          <p:cNvSpPr txBox="1"/>
+          <p:nvPr/>
+        </p:nvSpPr>
+        <p:spPr>
+          <a:xfrm>
+            <a:off x="8223256" y="5782860"/>
+            <a:ext cx="2832671" cy="461665"/>
+          </a:xfrm>
+          <a:prstGeom prst="rect">
+            <a:avLst/>
+          </a:prstGeom>
+          <a:noFill/>
+        </p:spPr>
+        <p:txBody>
+          <a:bodyPr wrap="square" rtlCol="0">
+            <a:spAutoFit/>
+          </a:bodyPr>
+          <a:lstStyle/>
+          <a:p>
+            <a:r>
+              <a:rPr lang="en-US" altLang="zh-TW" sz="2400" dirty="0" smtClean="0">
+                <a:solidFill>
+                  <a:schemeClr val="accent1">
+                    <a:lumMod val="50000"/>
+                  </a:schemeClr>
+                </a:solidFill>
+                <a:latin typeface="微軟正黑體" panose="020B0604030504040204" pitchFamily="34" charset="-120"/>
+                <a:ea typeface="微軟正黑體" panose="020B0604030504040204" pitchFamily="34" charset="-120"/>
+              </a:rPr>
+              <a:t>#</a:t>
+            </a:r>
+            <a:r>
+              <a:rPr lang="zh-TW" altLang="en-US" sz="2400" dirty="0" smtClean="0">
+                <a:solidFill>
+                  <a:schemeClr val="accent1">
+                    <a:lumMod val="50000"/>
+                  </a:schemeClr>
+                </a:solidFill>
+                <a:latin typeface="微軟正黑體" panose="020B0604030504040204" pitchFamily="34" charset="-120"/>
+                <a:ea typeface="微軟正黑體" panose="020B0604030504040204" pitchFamily="34" charset="-120"/>
+              </a:rPr>
+              <a:t>此功能為自己</a:t>
+            </a:r>
+            <a:r>
+              <a:rPr lang="zh-TW" altLang="en-US" sz="2400" dirty="0">
+                <a:solidFill>
+                  <a:schemeClr val="accent1">
+                    <a:lumMod val="50000"/>
+                  </a:schemeClr>
+                </a:solidFill>
+                <a:latin typeface="微軟正黑體" panose="020B0604030504040204" pitchFamily="34" charset="-120"/>
+                <a:ea typeface="微軟正黑體" panose="020B0604030504040204" pitchFamily="34" charset="-120"/>
+              </a:rPr>
+              <a:t>實作</a:t>
+            </a:r>
+            <a:endParaRPr lang="zh-CN" altLang="en-US" sz="2400" dirty="0">
+              <a:solidFill>
+                <a:schemeClr val="accent1">
+                  <a:lumMod val="50000"/>
+                </a:schemeClr>
+              </a:solidFill>
+              <a:latin typeface="微軟正黑體" panose="020B0604030504040204" pitchFamily="34" charset="-120"/>
+              <a:ea typeface="微軟正黑體" panose="020B0604030504040204" pitchFamily="34" charset="-120"/>
+            </a:endParaRPr>
+          </a:p>
+        </p:txBody>
+      </p:sp>
     </p:spTree>
     <p:extLst>
       <p:ext uri="{BB962C8B-B14F-4D97-AF65-F5344CB8AC3E}">
@@ -12556,7 +12784,7 @@
           <p:nvPr/>
         </p:nvPicPr>
         <p:blipFill rotWithShape="1">
-          <a:blip r:embed="rId4">
+          <a:blip r:embed="rId4" cstate="hqprint">
             <a:extLst>
               <a:ext uri="{BEBA8EAE-BF5A-486C-A8C5-ECC9F3942E4B}">
                 <a14:imgProps xmlns:a14="http://schemas.microsoft.com/office/drawing/2010/main">
@@ -12771,7 +12999,7 @@
           <p:nvPr/>
         </p:nvPicPr>
         <p:blipFill rotWithShape="1">
-          <a:blip r:embed="rId4">
+          <a:blip r:embed="rId4" cstate="hqprint">
             <a:extLst>
               <a:ext uri="{BEBA8EAE-BF5A-486C-A8C5-ECC9F3942E4B}">
                 <a14:imgProps xmlns:a14="http://schemas.microsoft.com/office/drawing/2010/main">
@@ -13951,7 +14179,7 @@
           <p:nvPr/>
         </p:nvPicPr>
         <p:blipFill rotWithShape="1">
-          <a:blip r:embed="rId4">
+          <a:blip r:embed="rId4" cstate="hqprint">
             <a:extLst>
               <a:ext uri="{BEBA8EAE-BF5A-486C-A8C5-ECC9F3942E4B}">
                 <a14:imgProps xmlns:a14="http://schemas.microsoft.com/office/drawing/2010/main">
@@ -14798,7 +15026,7 @@
           <p:nvPr/>
         </p:nvPicPr>
         <p:blipFill rotWithShape="1">
-          <a:blip r:embed="rId5">
+          <a:blip r:embed="rId5" cstate="hqprint">
             <a:extLst>
               <a:ext uri="{BEBA8EAE-BF5A-486C-A8C5-ECC9F3942E4B}">
                 <a14:imgProps xmlns:a14="http://schemas.microsoft.com/office/drawing/2010/main">
@@ -15584,7 +15812,7 @@
           <p:nvPr/>
         </p:nvPicPr>
         <p:blipFill rotWithShape="1">
-          <a:blip r:embed="rId4">
+          <a:blip r:embed="rId4" cstate="hqprint">
             <a:extLst>
               <a:ext uri="{BEBA8EAE-BF5A-486C-A8C5-ECC9F3942E4B}">
                 <a14:imgProps xmlns:a14="http://schemas.microsoft.com/office/drawing/2010/main">
@@ -16341,7 +16569,7 @@
           <p:nvPr/>
         </p:nvPicPr>
         <p:blipFill rotWithShape="1">
-          <a:blip r:embed="rId4">
+          <a:blip r:embed="rId4" cstate="hqprint">
             <a:extLst>
               <a:ext uri="{BEBA8EAE-BF5A-486C-A8C5-ECC9F3942E4B}">
                 <a14:imgProps xmlns:a14="http://schemas.microsoft.com/office/drawing/2010/main">
@@ -17334,7 +17562,7 @@
           <p:nvPr/>
         </p:nvPicPr>
         <p:blipFill rotWithShape="1">
-          <a:blip r:embed="rId4">
+          <a:blip r:embed="rId4" cstate="hqprint">
             <a:extLst>
               <a:ext uri="{BEBA8EAE-BF5A-486C-A8C5-ECC9F3942E4B}">
                 <a14:imgProps xmlns:a14="http://schemas.microsoft.com/office/drawing/2010/main">
@@ -17961,7 +18189,7 @@
     </p:spTree>
     <p:extLst>
       <p:ext uri="{BB962C8B-B14F-4D97-AF65-F5344CB8AC3E}">
-        <p14:creationId xmlns:p14="http://schemas.microsoft.com/office/powerpoint/2010/main" val="1901894389"/>
+        <p14:creationId xmlns:p14="http://schemas.microsoft.com/office/powerpoint/2010/main" val="1526769492"/>
       </p:ext>
     </p:extLst>
   </p:cSld>
@@ -18661,7 +18889,7 @@
           <p:nvPr/>
         </p:nvPicPr>
         <p:blipFill rotWithShape="1">
-          <a:blip r:embed="rId3">
+          <a:blip r:embed="rId3" cstate="hqprint">
             <a:extLst>
               <a:ext uri="{BEBA8EAE-BF5A-486C-A8C5-ECC9F3942E4B}">
                 <a14:imgProps xmlns:a14="http://schemas.microsoft.com/office/drawing/2010/main">
@@ -18980,7 +19208,7 @@
           <p:nvPr/>
         </p:nvPicPr>
         <p:blipFill rotWithShape="1">
-          <a:blip r:embed="rId4">
+          <a:blip r:embed="rId4" cstate="hqprint">
             <a:extLst>
               <a:ext uri="{BEBA8EAE-BF5A-486C-A8C5-ECC9F3942E4B}">
                 <a14:imgProps xmlns:a14="http://schemas.microsoft.com/office/drawing/2010/main">
@@ -19697,7 +19925,7 @@
           <p:nvPr/>
         </p:nvPicPr>
         <p:blipFill rotWithShape="1">
-          <a:blip r:embed="rId4">
+          <a:blip r:embed="rId4" cstate="hqprint">
             <a:extLst>
               <a:ext uri="{BEBA8EAE-BF5A-486C-A8C5-ECC9F3942E4B}">
                 <a14:imgProps xmlns:a14="http://schemas.microsoft.com/office/drawing/2010/main">
@@ -20686,7 +20914,7 @@
           <p:nvPr/>
         </p:nvPicPr>
         <p:blipFill rotWithShape="1">
-          <a:blip r:embed="rId4">
+          <a:blip r:embed="rId4" cstate="hqprint">
             <a:extLst>
               <a:ext uri="{BEBA8EAE-BF5A-486C-A8C5-ECC9F3942E4B}">
                 <a14:imgProps xmlns:a14="http://schemas.microsoft.com/office/drawing/2010/main">
@@ -22020,7 +22248,7 @@
           <p:nvPr/>
         </p:nvPicPr>
         <p:blipFill rotWithShape="1">
-          <a:blip r:embed="rId4">
+          <a:blip r:embed="rId4" cstate="hqprint">
             <a:extLst>
               <a:ext uri="{BEBA8EAE-BF5A-486C-A8C5-ECC9F3942E4B}">
                 <a14:imgProps xmlns:a14="http://schemas.microsoft.com/office/drawing/2010/main">
@@ -23701,7 +23929,7 @@
           <p:nvPr/>
         </p:nvPicPr>
         <p:blipFill rotWithShape="1">
-          <a:blip r:embed="rId4">
+          <a:blip r:embed="rId4" cstate="hqprint">
             <a:extLst>
               <a:ext uri="{BEBA8EAE-BF5A-486C-A8C5-ECC9F3942E4B}">
                 <a14:imgProps xmlns:a14="http://schemas.microsoft.com/office/drawing/2010/main">
@@ -24148,7 +24376,7 @@
           <p:nvPr/>
         </p:nvPicPr>
         <p:blipFill rotWithShape="1">
-          <a:blip r:embed="rId4">
+          <a:blip r:embed="rId4" cstate="hqprint">
             <a:extLst>
               <a:ext uri="{BEBA8EAE-BF5A-486C-A8C5-ECC9F3942E4B}">
                 <a14:imgProps xmlns:a14="http://schemas.microsoft.com/office/drawing/2010/main">
@@ -25480,7 +25708,7 @@
           <p:nvPr/>
         </p:nvPicPr>
         <p:blipFill rotWithShape="1">
-          <a:blip r:embed="rId6">
+          <a:blip r:embed="rId6" cstate="hqprint">
             <a:extLst>
               <a:ext uri="{BEBA8EAE-BF5A-486C-A8C5-ECC9F3942E4B}">
                 <a14:imgProps xmlns:a14="http://schemas.microsoft.com/office/drawing/2010/main">
@@ -25962,7 +26190,7 @@
           <p:nvPr/>
         </p:nvPicPr>
         <p:blipFill rotWithShape="1">
-          <a:blip r:embed="rId4">
+          <a:blip r:embed="rId4" cstate="hqprint">
             <a:extLst>
               <a:ext uri="{BEBA8EAE-BF5A-486C-A8C5-ECC9F3942E4B}">
                 <a14:imgProps xmlns:a14="http://schemas.microsoft.com/office/drawing/2010/main">
@@ -26586,7 +26814,7 @@
           <p:nvPr/>
         </p:nvPicPr>
         <p:blipFill rotWithShape="1">
-          <a:blip r:embed="rId4">
+          <a:blip r:embed="rId4" cstate="hqprint">
             <a:extLst>
               <a:ext uri="{BEBA8EAE-BF5A-486C-A8C5-ECC9F3942E4B}">
                 <a14:imgProps xmlns:a14="http://schemas.microsoft.com/office/drawing/2010/main">
@@ -27086,6 +27314,82 @@
           </a:prstGeom>
         </p:spPr>
       </p:pic>
+      <p:sp>
+        <p:nvSpPr>
+          <p:cNvPr id="26" name="文本框 197">
+            <a:extLst>
+              <a:ext uri="{FF2B5EF4-FFF2-40B4-BE49-F238E27FC236}">
+                <a16:creationId xmlns:a16="http://schemas.microsoft.com/office/drawing/2014/main" id="{D9399FE6-E660-490C-835F-AEE45E7EEAD4}"/>
+              </a:ext>
+            </a:extLst>
+          </p:cNvPr>
+          <p:cNvSpPr txBox="1"/>
+          <p:nvPr/>
+        </p:nvSpPr>
+        <p:spPr>
+          <a:xfrm>
+            <a:off x="8223256" y="5782860"/>
+            <a:ext cx="2832671" cy="461665"/>
+          </a:xfrm>
+          <a:prstGeom prst="rect">
+            <a:avLst/>
+          </a:prstGeom>
+          <a:noFill/>
+        </p:spPr>
+        <p:txBody>
+          <a:bodyPr wrap="square" rtlCol="0">
+            <a:spAutoFit/>
+          </a:bodyPr>
+          <a:lstStyle/>
+          <a:p>
+            <a:r>
+              <a:rPr lang="en-US" altLang="zh-TW" sz="2400" dirty="0" smtClean="0">
+                <a:solidFill>
+                  <a:schemeClr val="accent1">
+                    <a:lumMod val="50000"/>
+                  </a:schemeClr>
+                </a:solidFill>
+                <a:latin typeface="微軟正黑體" panose="020B0604030504040204" pitchFamily="34" charset="-120"/>
+                <a:ea typeface="微軟正黑體" panose="020B0604030504040204" pitchFamily="34" charset="-120"/>
+              </a:rPr>
+              <a:t>#</a:t>
+            </a:r>
+            <a:r>
+              <a:rPr lang="zh-TW" altLang="en-US" sz="2400" dirty="0" smtClean="0">
+                <a:solidFill>
+                  <a:schemeClr val="accent1">
+                    <a:lumMod val="50000"/>
+                  </a:schemeClr>
+                </a:solidFill>
+                <a:latin typeface="微軟正黑體" panose="020B0604030504040204" pitchFamily="34" charset="-120"/>
+                <a:ea typeface="微軟正黑體" panose="020B0604030504040204" pitchFamily="34" charset="-120"/>
+              </a:rPr>
+              <a:t>此功能為自己</a:t>
+            </a:r>
+            <a:r>
+              <a:rPr lang="zh-TW" altLang="en-US" sz="2400" dirty="0">
+                <a:solidFill>
+                  <a:schemeClr val="accent1">
+                    <a:lumMod val="50000"/>
+                  </a:schemeClr>
+                </a:solidFill>
+                <a:latin typeface="微軟正黑體" panose="020B0604030504040204" pitchFamily="34" charset="-120"/>
+                <a:ea typeface="微軟正黑體" panose="020B0604030504040204" pitchFamily="34" charset="-120"/>
+              </a:rPr>
+              <a:t>實作</a:t>
+            </a:r>
+            <a:endParaRPr lang="zh-CN" altLang="en-US" sz="2400" dirty="0">
+              <a:solidFill>
+                <a:schemeClr val="accent1">
+                  <a:lumMod val="50000"/>
+                </a:schemeClr>
+              </a:solidFill>
+              <a:latin typeface="微軟正黑體" panose="020B0604030504040204" pitchFamily="34" charset="-120"/>
+              <a:ea typeface="微軟正黑體" panose="020B0604030504040204" pitchFamily="34" charset="-120"/>
+            </a:endParaRPr>
+          </a:p>
+        </p:txBody>
+      </p:sp>
     </p:spTree>
     <p:extLst>
       <p:ext uri="{BB962C8B-B14F-4D97-AF65-F5344CB8AC3E}">
@@ -27599,7 +27903,7 @@
           <p:nvPr/>
         </p:nvPicPr>
         <p:blipFill rotWithShape="1">
-          <a:blip r:embed="rId4">
+          <a:blip r:embed="rId4" cstate="hqprint">
             <a:extLst>
               <a:ext uri="{BEBA8EAE-BF5A-486C-A8C5-ECC9F3942E4B}">
                 <a14:imgProps xmlns:a14="http://schemas.microsoft.com/office/drawing/2010/main">
@@ -27950,6 +28254,82 @@
               <a:t>顯示所屬的星座圖片與名稱</a:t>
             </a:r>
             <a:endParaRPr lang="zh-CN" altLang="en-US" dirty="0">
+              <a:latin typeface="微軟正黑體" panose="020B0604030504040204" pitchFamily="34" charset="-120"/>
+              <a:ea typeface="微軟正黑體" panose="020B0604030504040204" pitchFamily="34" charset="-120"/>
+            </a:endParaRPr>
+          </a:p>
+        </p:txBody>
+      </p:sp>
+      <p:sp>
+        <p:nvSpPr>
+          <p:cNvPr id="21" name="文本框 197">
+            <a:extLst>
+              <a:ext uri="{FF2B5EF4-FFF2-40B4-BE49-F238E27FC236}">
+                <a16:creationId xmlns:a16="http://schemas.microsoft.com/office/drawing/2014/main" id="{D9399FE6-E660-490C-835F-AEE45E7EEAD4}"/>
+              </a:ext>
+            </a:extLst>
+          </p:cNvPr>
+          <p:cNvSpPr txBox="1"/>
+          <p:nvPr/>
+        </p:nvSpPr>
+        <p:spPr>
+          <a:xfrm>
+            <a:off x="8361355" y="5841529"/>
+            <a:ext cx="2832671" cy="461665"/>
+          </a:xfrm>
+          <a:prstGeom prst="rect">
+            <a:avLst/>
+          </a:prstGeom>
+          <a:noFill/>
+        </p:spPr>
+        <p:txBody>
+          <a:bodyPr wrap="square" rtlCol="0">
+            <a:spAutoFit/>
+          </a:bodyPr>
+          <a:lstStyle/>
+          <a:p>
+            <a:r>
+              <a:rPr lang="en-US" altLang="zh-TW" sz="2400" dirty="0" smtClean="0">
+                <a:solidFill>
+                  <a:schemeClr val="accent1">
+                    <a:lumMod val="50000"/>
+                  </a:schemeClr>
+                </a:solidFill>
+                <a:latin typeface="微軟正黑體" panose="020B0604030504040204" pitchFamily="34" charset="-120"/>
+                <a:ea typeface="微軟正黑體" panose="020B0604030504040204" pitchFamily="34" charset="-120"/>
+              </a:rPr>
+              <a:t>#</a:t>
+            </a:r>
+            <a:r>
+              <a:rPr lang="zh-TW" altLang="en-US" sz="2400" dirty="0" smtClean="0">
+                <a:solidFill>
+                  <a:schemeClr val="accent1">
+                    <a:lumMod val="50000"/>
+                  </a:schemeClr>
+                </a:solidFill>
+                <a:latin typeface="微軟正黑體" panose="020B0604030504040204" pitchFamily="34" charset="-120"/>
+                <a:ea typeface="微軟正黑體" panose="020B0604030504040204" pitchFamily="34" charset="-120"/>
+              </a:rPr>
+              <a:t>此功能為自己</a:t>
+            </a:r>
+            <a:r>
+              <a:rPr lang="zh-TW" altLang="en-US" sz="2400" dirty="0">
+                <a:solidFill>
+                  <a:schemeClr val="accent1">
+                    <a:lumMod val="50000"/>
+                  </a:schemeClr>
+                </a:solidFill>
+                <a:latin typeface="微軟正黑體" panose="020B0604030504040204" pitchFamily="34" charset="-120"/>
+                <a:ea typeface="微軟正黑體" panose="020B0604030504040204" pitchFamily="34" charset="-120"/>
+              </a:rPr>
+              <a:t>實作</a:t>
+            </a:r>
+            <a:endParaRPr lang="zh-CN" altLang="en-US" sz="2400" dirty="0">
+              <a:solidFill>
+                <a:schemeClr val="accent1">
+                  <a:lumMod val="50000"/>
+                </a:schemeClr>
+              </a:solidFill>
               <a:latin typeface="微軟正黑體" panose="020B0604030504040204" pitchFamily="34" charset="-120"/>
               <a:ea typeface="微軟正黑體" panose="020B0604030504040204" pitchFamily="34" charset="-120"/>
             </a:endParaRPr>
@@ -28219,7 +28599,7 @@
           <p:nvPr/>
         </p:nvPicPr>
         <p:blipFill rotWithShape="1">
-          <a:blip r:embed="rId5">
+          <a:blip r:embed="rId5" cstate="hqprint">
             <a:extLst>
               <a:ext uri="{BEBA8EAE-BF5A-486C-A8C5-ECC9F3942E4B}">
                 <a14:imgProps xmlns:a14="http://schemas.microsoft.com/office/drawing/2010/main">
@@ -28848,6 +29228,82 @@
           </a:prstGeom>
         </p:spPr>
       </p:pic>
+      <p:sp>
+        <p:nvSpPr>
+          <p:cNvPr id="21" name="文本框 197">
+            <a:extLst>
+              <a:ext uri="{FF2B5EF4-FFF2-40B4-BE49-F238E27FC236}">
+                <a16:creationId xmlns:a16="http://schemas.microsoft.com/office/drawing/2014/main" id="{D9399FE6-E660-490C-835F-AEE45E7EEAD4}"/>
+              </a:ext>
+            </a:extLst>
+          </p:cNvPr>
+          <p:cNvSpPr txBox="1"/>
+          <p:nvPr/>
+        </p:nvSpPr>
+        <p:spPr>
+          <a:xfrm>
+            <a:off x="9034049" y="5511311"/>
+            <a:ext cx="2832671" cy="461665"/>
+          </a:xfrm>
+          <a:prstGeom prst="rect">
+            <a:avLst/>
+          </a:prstGeom>
+          <a:noFill/>
+        </p:spPr>
+        <p:txBody>
+          <a:bodyPr wrap="square" rtlCol="0">
+            <a:spAutoFit/>
+          </a:bodyPr>
+          <a:lstStyle/>
+          <a:p>
+            <a:r>
+              <a:rPr lang="en-US" altLang="zh-TW" sz="2400" dirty="0" smtClean="0">
+                <a:solidFill>
+                  <a:schemeClr val="accent1">
+                    <a:lumMod val="50000"/>
+                  </a:schemeClr>
+                </a:solidFill>
+                <a:latin typeface="微軟正黑體" panose="020B0604030504040204" pitchFamily="34" charset="-120"/>
+                <a:ea typeface="微軟正黑體" panose="020B0604030504040204" pitchFamily="34" charset="-120"/>
+              </a:rPr>
+              <a:t>#</a:t>
+            </a:r>
+            <a:r>
+              <a:rPr lang="zh-TW" altLang="en-US" sz="2400" dirty="0" smtClean="0">
+                <a:solidFill>
+                  <a:schemeClr val="accent1">
+                    <a:lumMod val="50000"/>
+                  </a:schemeClr>
+                </a:solidFill>
+                <a:latin typeface="微軟正黑體" panose="020B0604030504040204" pitchFamily="34" charset="-120"/>
+                <a:ea typeface="微軟正黑體" panose="020B0604030504040204" pitchFamily="34" charset="-120"/>
+              </a:rPr>
+              <a:t>此功能為自己</a:t>
+            </a:r>
+            <a:r>
+              <a:rPr lang="zh-TW" altLang="en-US" sz="2400" dirty="0">
+                <a:solidFill>
+                  <a:schemeClr val="accent1">
+                    <a:lumMod val="50000"/>
+                  </a:schemeClr>
+                </a:solidFill>
+                <a:latin typeface="微軟正黑體" panose="020B0604030504040204" pitchFamily="34" charset="-120"/>
+                <a:ea typeface="微軟正黑體" panose="020B0604030504040204" pitchFamily="34" charset="-120"/>
+              </a:rPr>
+              <a:t>實作</a:t>
+            </a:r>
+            <a:endParaRPr lang="zh-CN" altLang="en-US" sz="2400" dirty="0">
+              <a:solidFill>
+                <a:schemeClr val="accent1">
+                  <a:lumMod val="50000"/>
+                </a:schemeClr>
+              </a:solidFill>
+              <a:latin typeface="微軟正黑體" panose="020B0604030504040204" pitchFamily="34" charset="-120"/>
+              <a:ea typeface="微軟正黑體" panose="020B0604030504040204" pitchFamily="34" charset="-120"/>
+            </a:endParaRPr>
+          </a:p>
+        </p:txBody>
+      </p:sp>
     </p:spTree>
     <p:extLst>
       <p:ext uri="{BB962C8B-B14F-4D97-AF65-F5344CB8AC3E}">
@@ -29110,7 +29566,7 @@
           <p:nvPr/>
         </p:nvPicPr>
         <p:blipFill rotWithShape="1">
-          <a:blip r:embed="rId5">
+          <a:blip r:embed="rId5" cstate="hqprint">
             <a:extLst>
               <a:ext uri="{BEBA8EAE-BF5A-486C-A8C5-ECC9F3942E4B}">
                 <a14:imgProps xmlns:a14="http://schemas.microsoft.com/office/drawing/2010/main">
@@ -29581,6 +30037,82 @@
           </p:txBody>
         </p:sp>
       </p:grpSp>
+      <p:sp>
+        <p:nvSpPr>
+          <p:cNvPr id="18" name="文本框 197">
+            <a:extLst>
+              <a:ext uri="{FF2B5EF4-FFF2-40B4-BE49-F238E27FC236}">
+                <a16:creationId xmlns:a16="http://schemas.microsoft.com/office/drawing/2014/main" id="{D9399FE6-E660-490C-835F-AEE45E7EEAD4}"/>
+              </a:ext>
+            </a:extLst>
+          </p:cNvPr>
+          <p:cNvSpPr txBox="1"/>
+          <p:nvPr/>
+        </p:nvSpPr>
+        <p:spPr>
+          <a:xfrm>
+            <a:off x="8849388" y="5680797"/>
+            <a:ext cx="2832671" cy="461665"/>
+          </a:xfrm>
+          <a:prstGeom prst="rect">
+            <a:avLst/>
+          </a:prstGeom>
+          <a:noFill/>
+        </p:spPr>
+        <p:txBody>
+          <a:bodyPr wrap="square" rtlCol="0">
+            <a:spAutoFit/>
+          </a:bodyPr>
+          <a:lstStyle/>
+          <a:p>
+            <a:r>
+              <a:rPr lang="en-US" altLang="zh-TW" sz="2400" dirty="0" smtClean="0">
+                <a:solidFill>
+                  <a:schemeClr val="accent1">
+                    <a:lumMod val="50000"/>
+                  </a:schemeClr>
+                </a:solidFill>
+                <a:latin typeface="微軟正黑體" panose="020B0604030504040204" pitchFamily="34" charset="-120"/>
+                <a:ea typeface="微軟正黑體" panose="020B0604030504040204" pitchFamily="34" charset="-120"/>
+              </a:rPr>
+              <a:t>#</a:t>
+            </a:r>
+            <a:r>
+              <a:rPr lang="zh-TW" altLang="en-US" sz="2400" dirty="0" smtClean="0">
+                <a:solidFill>
+                  <a:schemeClr val="accent1">
+                    <a:lumMod val="50000"/>
+                  </a:schemeClr>
+                </a:solidFill>
+                <a:latin typeface="微軟正黑體" panose="020B0604030504040204" pitchFamily="34" charset="-120"/>
+                <a:ea typeface="微軟正黑體" panose="020B0604030504040204" pitchFamily="34" charset="-120"/>
+              </a:rPr>
+              <a:t>此功能為自己</a:t>
+            </a:r>
+            <a:r>
+              <a:rPr lang="zh-TW" altLang="en-US" sz="2400" dirty="0">
+                <a:solidFill>
+                  <a:schemeClr val="accent1">
+                    <a:lumMod val="50000"/>
+                  </a:schemeClr>
+                </a:solidFill>
+                <a:latin typeface="微軟正黑體" panose="020B0604030504040204" pitchFamily="34" charset="-120"/>
+                <a:ea typeface="微軟正黑體" panose="020B0604030504040204" pitchFamily="34" charset="-120"/>
+              </a:rPr>
+              <a:t>實作</a:t>
+            </a:r>
+            <a:endParaRPr lang="zh-CN" altLang="en-US" sz="2400" dirty="0">
+              <a:solidFill>
+                <a:schemeClr val="accent1">
+                  <a:lumMod val="50000"/>
+                </a:schemeClr>
+              </a:solidFill>
+              <a:latin typeface="微軟正黑體" panose="020B0604030504040204" pitchFamily="34" charset="-120"/>
+              <a:ea typeface="微軟正黑體" panose="020B0604030504040204" pitchFamily="34" charset="-120"/>
+            </a:endParaRPr>
+          </a:p>
+        </p:txBody>
+      </p:sp>
     </p:spTree>
     <p:extLst>
       <p:ext uri="{BB962C8B-B14F-4D97-AF65-F5344CB8AC3E}">

--- a/Android_Project.pptx
+++ b/Android_Project.pptx
@@ -9525,7 +9525,7 @@
         </p:nvCxnSpPr>
         <p:spPr>
           <a:xfrm>
-            <a:off x="4777273" y="3738717"/>
+            <a:off x="4777273" y="3436876"/>
             <a:ext cx="2715209" cy="0"/>
           </a:xfrm>
           <a:prstGeom prst="line">
@@ -9681,7 +9681,7 @@
         </p:blipFill>
         <p:spPr>
           <a:xfrm>
-            <a:off x="5204031" y="4001713"/>
+            <a:off x="5204031" y="3460170"/>
             <a:ext cx="1783936" cy="1792979"/>
           </a:xfrm>
           <a:prstGeom prst="rect">
@@ -9689,6 +9689,94 @@
           </a:prstGeom>
         </p:spPr>
       </p:pic>
+      <p:sp>
+        <p:nvSpPr>
+          <p:cNvPr id="2" name="文字方塊 1">
+            <a:extLst>
+              <a:ext uri="{FF2B5EF4-FFF2-40B4-BE49-F238E27FC236}">
+                <a16:creationId xmlns:a16="http://schemas.microsoft.com/office/drawing/2014/main" id="{81E39DFA-DBE0-45EE-B1EF-75E773F05DF1}"/>
+              </a:ext>
+            </a:extLst>
+          </p:cNvPr>
+          <p:cNvSpPr txBox="1"/>
+          <p:nvPr/>
+        </p:nvSpPr>
+        <p:spPr>
+          <a:xfrm>
+            <a:off x="3000652" y="5282220"/>
+            <a:ext cx="6472421" cy="369268"/>
+          </a:xfrm>
+          <a:prstGeom prst="rect">
+            <a:avLst/>
+          </a:prstGeom>
+          <a:noFill/>
+        </p:spPr>
+        <p:txBody>
+          <a:bodyPr wrap="square" rtlCol="0">
+            <a:spAutoFit/>
+          </a:bodyPr>
+          <a:lstStyle/>
+          <a:p>
+            <a:pPr algn="dist"/>
+            <a:r>
+              <a:rPr lang="zh-TW" altLang="en-US" dirty="0"/>
+              <a:t>資工二 </a:t>
+            </a:r>
+            <a:r>
+              <a:rPr lang="en-US" altLang="zh-TW" dirty="0"/>
+              <a:t>107590019</a:t>
+            </a:r>
+            <a:r>
+              <a:rPr lang="zh-TW" altLang="en-US" dirty="0"/>
+              <a:t> 夏念愷</a:t>
+            </a:r>
+          </a:p>
+        </p:txBody>
+      </p:sp>
+      <p:sp>
+        <p:nvSpPr>
+          <p:cNvPr id="12" name="文字方塊 11">
+            <a:extLst>
+              <a:ext uri="{FF2B5EF4-FFF2-40B4-BE49-F238E27FC236}">
+                <a16:creationId xmlns:a16="http://schemas.microsoft.com/office/drawing/2014/main" id="{FB0AF9E1-FC46-49C3-AF50-5218813AC744}"/>
+              </a:ext>
+            </a:extLst>
+          </p:cNvPr>
+          <p:cNvSpPr txBox="1"/>
+          <p:nvPr/>
+        </p:nvSpPr>
+        <p:spPr>
+          <a:xfrm>
+            <a:off x="3002132" y="5709832"/>
+            <a:ext cx="6472421" cy="369268"/>
+          </a:xfrm>
+          <a:prstGeom prst="rect">
+            <a:avLst/>
+          </a:prstGeom>
+          <a:noFill/>
+        </p:spPr>
+        <p:txBody>
+          <a:bodyPr wrap="square" rtlCol="0">
+            <a:spAutoFit/>
+          </a:bodyPr>
+          <a:lstStyle/>
+          <a:p>
+            <a:pPr algn="dist"/>
+            <a:r>
+              <a:rPr lang="zh-TW" altLang="en-US" dirty="0"/>
+              <a:t>資工二 </a:t>
+            </a:r>
+            <a:r>
+              <a:rPr lang="en-US" altLang="zh-TW" dirty="0"/>
+              <a:t>107590021</a:t>
+            </a:r>
+            <a:r>
+              <a:rPr lang="zh-TW" altLang="en-US" dirty="0"/>
+              <a:t> 蔡育綸</a:t>
+            </a:r>
+          </a:p>
+        </p:txBody>
+      </p:sp>
     </p:spTree>
     <p:extLst>
       <p:ext uri="{BB962C8B-B14F-4D97-AF65-F5344CB8AC3E}">
@@ -9754,8 +9842,8 @@
         </p:blipFill>
         <p:spPr>
           <a:xfrm>
-            <a:off x="2846346" y="3365238"/>
-            <a:ext cx="2137369" cy="3361541"/>
+            <a:off x="1543402" y="3576826"/>
+            <a:ext cx="1981137" cy="3115827"/>
           </a:xfrm>
           <a:prstGeom prst="rect">
             <a:avLst/>
@@ -10044,8 +10132,8 @@
         </p:nvCxnSpPr>
         <p:spPr>
           <a:xfrm flipH="1" flipV="1">
-            <a:off x="1944419" y="3660745"/>
-            <a:ext cx="1137270" cy="714786"/>
+            <a:off x="914074" y="3576826"/>
+            <a:ext cx="964694" cy="884322"/>
           </a:xfrm>
           <a:prstGeom prst="line">
             <a:avLst/>
@@ -10109,7 +10197,7 @@
               <a:t>進來後這裡使用了</a:t>
             </a:r>
             <a:r>
-              <a:rPr lang="en-US" altLang="zh-TW" dirty="0" err="1" smtClean="0">
+              <a:rPr lang="en-US" altLang="zh-TW" dirty="0" err="1">
                 <a:latin typeface="微軟正黑體" panose="020B0604030504040204" pitchFamily="34" charset="-120"/>
                 <a:ea typeface="微軟正黑體" panose="020B0604030504040204" pitchFamily="34" charset="-120"/>
               </a:rPr>
@@ -10477,8 +10565,8 @@
         </p:blipFill>
         <p:spPr>
           <a:xfrm>
-            <a:off x="6135003" y="1150995"/>
-            <a:ext cx="2137369" cy="3380012"/>
+            <a:off x="6095999" y="1063537"/>
+            <a:ext cx="1878994" cy="2971421"/>
           </a:xfrm>
           <a:prstGeom prst="rect">
             <a:avLst/>
@@ -10501,8 +10589,8 @@
         </p:nvCxnSpPr>
         <p:spPr>
           <a:xfrm flipV="1">
-            <a:off x="7862105" y="3032200"/>
-            <a:ext cx="967976" cy="396800"/>
+            <a:off x="7703162" y="2685145"/>
+            <a:ext cx="1146226" cy="153140"/>
           </a:xfrm>
           <a:prstGeom prst="line">
             <a:avLst/>
@@ -10544,7 +10632,7 @@
         </p:nvSpPr>
         <p:spPr>
           <a:xfrm>
-            <a:off x="9008331" y="2549248"/>
+            <a:off x="8849388" y="2364582"/>
             <a:ext cx="2673728" cy="646331"/>
           </a:xfrm>
           <a:prstGeom prst="rect">
@@ -10586,7 +10674,7 @@
         </p:nvSpPr>
         <p:spPr>
           <a:xfrm>
-            <a:off x="8223256" y="5782860"/>
+            <a:off x="8849388" y="6121793"/>
             <a:ext cx="2832671" cy="461665"/>
           </a:xfrm>
           <a:prstGeom prst="rect">
@@ -10601,7 +10689,7 @@
           <a:lstStyle/>
           <a:p>
             <a:r>
-              <a:rPr lang="en-US" altLang="zh-TW" sz="2400" dirty="0" smtClean="0">
+              <a:rPr lang="en-US" altLang="zh-TW" sz="2400" dirty="0">
                 <a:solidFill>
                   <a:schemeClr val="accent1">
                     <a:lumMod val="50000"/>
@@ -10613,18 +10701,6 @@
               <a:t>#</a:t>
             </a:r>
             <a:r>
-              <a:rPr lang="zh-TW" altLang="en-US" sz="2400" dirty="0" smtClean="0">
-                <a:solidFill>
-                  <a:schemeClr val="accent1">
-                    <a:lumMod val="50000"/>
-                  </a:schemeClr>
-                </a:solidFill>
-                <a:latin typeface="微軟正黑體" panose="020B0604030504040204" pitchFamily="34" charset="-120"/>
-                <a:ea typeface="微軟正黑體" panose="020B0604030504040204" pitchFamily="34" charset="-120"/>
-              </a:rPr>
-              <a:t>此功能為自己</a:t>
-            </a:r>
-            <a:r>
               <a:rPr lang="zh-TW" altLang="en-US" sz="2400" dirty="0">
                 <a:solidFill>
                   <a:schemeClr val="accent1">
@@ -10634,7 +10710,7 @@
                 <a:latin typeface="微軟正黑體" panose="020B0604030504040204" pitchFamily="34" charset="-120"/>
                 <a:ea typeface="微軟正黑體" panose="020B0604030504040204" pitchFamily="34" charset="-120"/>
               </a:rPr>
-              <a:t>實作</a:t>
+              <a:t>此功能為自己實作</a:t>
             </a:r>
             <a:endParaRPr lang="zh-CN" altLang="en-US" sz="2400" dirty="0">
               <a:solidFill>
@@ -10642,6 +10718,143 @@
                   <a:lumMod val="50000"/>
                 </a:schemeClr>
               </a:solidFill>
+              <a:latin typeface="微軟正黑體" panose="020B0604030504040204" pitchFamily="34" charset="-120"/>
+              <a:ea typeface="微軟正黑體" panose="020B0604030504040204" pitchFamily="34" charset="-120"/>
+            </a:endParaRPr>
+          </a:p>
+        </p:txBody>
+      </p:sp>
+      <p:pic>
+        <p:nvPicPr>
+          <p:cNvPr id="10" name="圖片 9">
+            <a:extLst>
+              <a:ext uri="{FF2B5EF4-FFF2-40B4-BE49-F238E27FC236}">
+                <a16:creationId xmlns:a16="http://schemas.microsoft.com/office/drawing/2014/main" id="{7057D551-3F84-43C1-9715-3D8E1251E29E}"/>
+              </a:ext>
+            </a:extLst>
+          </p:cNvPr>
+          <p:cNvPicPr>
+            <a:picLocks noChangeAspect="1"/>
+          </p:cNvPicPr>
+          <p:nvPr/>
+        </p:nvPicPr>
+        <p:blipFill>
+          <a:blip r:embed="rId8">
+            <a:extLst>
+              <a:ext uri="{28A0092B-C50C-407E-A947-70E740481C1C}">
+                <a14:useLocalDpi xmlns:a14="http://schemas.microsoft.com/office/drawing/2010/main" val="0"/>
+              </a:ext>
+            </a:extLst>
+          </a:blip>
+          <a:stretch>
+            <a:fillRect/>
+          </a:stretch>
+        </p:blipFill>
+        <p:spPr>
+          <a:xfrm>
+            <a:off x="4238115" y="4459893"/>
+            <a:ext cx="3715767" cy="1934235"/>
+          </a:xfrm>
+          <a:prstGeom prst="rect">
+            <a:avLst/>
+          </a:prstGeom>
+        </p:spPr>
+      </p:pic>
+      <p:cxnSp>
+        <p:nvCxnSpPr>
+          <p:cNvPr id="27" name="直線接點 26">
+            <a:extLst>
+              <a:ext uri="{FF2B5EF4-FFF2-40B4-BE49-F238E27FC236}">
+                <a16:creationId xmlns:a16="http://schemas.microsoft.com/office/drawing/2014/main" id="{22D4B588-6184-4D11-8D4F-97A30E6B337D}"/>
+              </a:ext>
+            </a:extLst>
+          </p:cNvPr>
+          <p:cNvCxnSpPr>
+            <a:cxnSpLocks/>
+          </p:cNvCxnSpPr>
+          <p:nvPr/>
+        </p:nvCxnSpPr>
+        <p:spPr>
+          <a:xfrm flipV="1">
+            <a:off x="7521232" y="5530222"/>
+            <a:ext cx="1146226" cy="153140"/>
+          </a:xfrm>
+          <a:prstGeom prst="line">
+            <a:avLst/>
+          </a:prstGeom>
+          <a:ln w="38100">
+            <a:solidFill>
+              <a:srgbClr val="7030A0"/>
+            </a:solidFill>
+            <a:miter lim="800000"/>
+            <a:headEnd type="oval"/>
+          </a:ln>
+        </p:spPr>
+        <p:style>
+          <a:lnRef idx="1">
+            <a:schemeClr val="accent1"/>
+          </a:lnRef>
+          <a:fillRef idx="0">
+            <a:schemeClr val="accent1"/>
+          </a:fillRef>
+          <a:effectRef idx="0">
+            <a:schemeClr val="accent1"/>
+          </a:effectRef>
+          <a:fontRef idx="minor">
+            <a:schemeClr val="tx1"/>
+          </a:fontRef>
+        </p:style>
+      </p:cxnSp>
+      <p:sp>
+        <p:nvSpPr>
+          <p:cNvPr id="29" name="文本框 197">
+            <a:extLst>
+              <a:ext uri="{FF2B5EF4-FFF2-40B4-BE49-F238E27FC236}">
+                <a16:creationId xmlns:a16="http://schemas.microsoft.com/office/drawing/2014/main" id="{83FCE501-BE08-42E4-88C9-8AEA075DBF67}"/>
+              </a:ext>
+            </a:extLst>
+          </p:cNvPr>
+          <p:cNvSpPr txBox="1"/>
+          <p:nvPr/>
+        </p:nvSpPr>
+        <p:spPr>
+          <a:xfrm>
+            <a:off x="8751734" y="5345556"/>
+            <a:ext cx="2673728" cy="369332"/>
+          </a:xfrm>
+          <a:prstGeom prst="rect">
+            <a:avLst/>
+          </a:prstGeom>
+          <a:noFill/>
+        </p:spPr>
+        <p:txBody>
+          <a:bodyPr wrap="square" rtlCol="0">
+            <a:spAutoFit/>
+          </a:bodyPr>
+          <a:lstStyle/>
+          <a:p>
+            <a:r>
+              <a:rPr lang="zh-TW" altLang="en-US" dirty="0">
+                <a:latin typeface="微軟正黑體" panose="020B0604030504040204" pitchFamily="34" charset="-120"/>
+                <a:ea typeface="微軟正黑體" panose="020B0604030504040204" pitchFamily="34" charset="-120"/>
+              </a:rPr>
+              <a:t>手機橫向會改為</a:t>
+            </a:r>
+            <a:r>
+              <a:rPr lang="en-US" altLang="zh-TW" dirty="0">
+                <a:latin typeface="微軟正黑體" panose="020B0604030504040204" pitchFamily="34" charset="-120"/>
+                <a:ea typeface="微軟正黑體" panose="020B0604030504040204" pitchFamily="34" charset="-120"/>
+              </a:rPr>
+              <a:t>2</a:t>
+            </a:r>
+            <a:r>
+              <a:rPr lang="zh-TW" altLang="en-US" dirty="0">
+                <a:latin typeface="微軟正黑體" panose="020B0604030504040204" pitchFamily="34" charset="-120"/>
+                <a:ea typeface="微軟正黑體" panose="020B0604030504040204" pitchFamily="34" charset="-120"/>
+              </a:rPr>
+              <a:t>欄排版</a:t>
+            </a:r>
+            <a:endParaRPr lang="zh-CN" altLang="en-US" dirty="0">
               <a:latin typeface="微軟正黑體" panose="020B0604030504040204" pitchFamily="34" charset="-120"/>
               <a:ea typeface="微軟正黑體" panose="020B0604030504040204" pitchFamily="34" charset="-120"/>
             </a:endParaRPr>
@@ -11505,7 +11718,7 @@
           <a:lstStyle/>
           <a:p>
             <a:r>
-              <a:rPr lang="en-US" altLang="zh-TW" sz="2400" dirty="0" smtClean="0">
+              <a:rPr lang="en-US" altLang="zh-TW" sz="2400" dirty="0">
                 <a:solidFill>
                   <a:schemeClr val="accent1">
                     <a:lumMod val="50000"/>
@@ -11517,18 +11730,6 @@
               <a:t>#</a:t>
             </a:r>
             <a:r>
-              <a:rPr lang="zh-TW" altLang="en-US" sz="2400" dirty="0" smtClean="0">
-                <a:solidFill>
-                  <a:schemeClr val="accent1">
-                    <a:lumMod val="50000"/>
-                  </a:schemeClr>
-                </a:solidFill>
-                <a:latin typeface="微軟正黑體" panose="020B0604030504040204" pitchFamily="34" charset="-120"/>
-                <a:ea typeface="微軟正黑體" panose="020B0604030504040204" pitchFamily="34" charset="-120"/>
-              </a:rPr>
-              <a:t>此功能為自己</a:t>
-            </a:r>
-            <a:r>
               <a:rPr lang="zh-TW" altLang="en-US" sz="2400" dirty="0">
                 <a:solidFill>
                   <a:schemeClr val="accent1">
@@ -11538,7 +11739,7 @@
                 <a:latin typeface="微軟正黑體" panose="020B0604030504040204" pitchFamily="34" charset="-120"/>
                 <a:ea typeface="微軟正黑體" panose="020B0604030504040204" pitchFamily="34" charset="-120"/>
               </a:rPr>
-              <a:t>實作</a:t>
+              <a:t>此功能為自己實作</a:t>
             </a:r>
             <a:endParaRPr lang="zh-CN" altLang="en-US" sz="2400" dirty="0">
               <a:solidFill>
@@ -12367,7 +12568,7 @@
           <a:lstStyle/>
           <a:p>
             <a:r>
-              <a:rPr lang="en-US" altLang="zh-TW" sz="2400" dirty="0" smtClean="0">
+              <a:rPr lang="en-US" altLang="zh-TW" sz="2400" dirty="0">
                 <a:solidFill>
                   <a:schemeClr val="accent1">
                     <a:lumMod val="50000"/>
@@ -12379,18 +12580,6 @@
               <a:t>#</a:t>
             </a:r>
             <a:r>
-              <a:rPr lang="zh-TW" altLang="en-US" sz="2400" dirty="0" smtClean="0">
-                <a:solidFill>
-                  <a:schemeClr val="accent1">
-                    <a:lumMod val="50000"/>
-                  </a:schemeClr>
-                </a:solidFill>
-                <a:latin typeface="微軟正黑體" panose="020B0604030504040204" pitchFamily="34" charset="-120"/>
-                <a:ea typeface="微軟正黑體" panose="020B0604030504040204" pitchFamily="34" charset="-120"/>
-              </a:rPr>
-              <a:t>此功能為自己</a:t>
-            </a:r>
-            <a:r>
               <a:rPr lang="zh-TW" altLang="en-US" sz="2400" dirty="0">
                 <a:solidFill>
                   <a:schemeClr val="accent1">
@@ -12400,7 +12589,7 @@
                 <a:latin typeface="微軟正黑體" panose="020B0604030504040204" pitchFamily="34" charset="-120"/>
                 <a:ea typeface="微軟正黑體" panose="020B0604030504040204" pitchFamily="34" charset="-120"/>
               </a:rPr>
-              <a:t>實作</a:t>
+              <a:t>此功能為自己實作</a:t>
             </a:r>
             <a:endParaRPr lang="zh-CN" altLang="en-US" sz="2400" dirty="0">
               <a:solidFill>
@@ -18866,7 +19055,7 @@
               <a:rPr lang="en-US" altLang="zh-TW" sz="1400" dirty="0">
                 <a:latin typeface="FuturaBookC" pitchFamily="2" charset="-52"/>
               </a:rPr>
-              <a:t>Framework</a:t>
+              <a:t>Programing</a:t>
             </a:r>
             <a:endParaRPr lang="zh-CN" altLang="en-US" sz="1400" dirty="0">
               <a:latin typeface="FuturaBookC" pitchFamily="2" charset="-52"/>
@@ -19099,7 +19288,7 @@
         <p:spPr>
           <a:xfrm>
             <a:off x="7179779" y="4847945"/>
-            <a:ext cx="1695155" cy="307777"/>
+            <a:ext cx="1695155" cy="523220"/>
           </a:xfrm>
           <a:prstGeom prst="rect">
             <a:avLst/>
@@ -19117,8 +19306,14 @@
               <a:rPr lang="en-US" altLang="zh-TW" sz="1400" dirty="0">
                 <a:latin typeface="FuturaBookC" pitchFamily="2" charset="-52"/>
               </a:rPr>
-              <a:t>Programing</a:t>
+              <a:t>Framework</a:t>
             </a:r>
+            <a:endParaRPr lang="zh-CN" altLang="en-US" sz="1400" dirty="0">
+              <a:latin typeface="FuturaBookC" pitchFamily="2" charset="-52"/>
+            </a:endParaRPr>
+          </a:p>
+          <a:p>
+            <a:pPr algn="dist"/>
             <a:endParaRPr lang="zh-CN" altLang="en-US" sz="1400" dirty="0">
               <a:latin typeface="FuturaBookC" pitchFamily="2" charset="-52"/>
             </a:endParaRPr>
@@ -19461,10 +19656,10 @@
         </p:nvGrpSpPr>
         <p:grpSpPr>
           <a:xfrm>
-            <a:off x="796410" y="1363882"/>
-            <a:ext cx="3966778" cy="962258"/>
+            <a:off x="796411" y="1363882"/>
+            <a:ext cx="5639899" cy="962258"/>
             <a:chOff x="6177683" y="1666134"/>
-            <a:chExt cx="2917214" cy="1254047"/>
+            <a:chExt cx="4572359" cy="1254047"/>
           </a:xfrm>
         </p:grpSpPr>
         <p:grpSp>
@@ -19606,7 +19801,7 @@
           <p:spPr>
             <a:xfrm>
               <a:off x="6297560" y="1769806"/>
-              <a:ext cx="2797337" cy="1150375"/>
+              <a:ext cx="4452482" cy="1150375"/>
             </a:xfrm>
             <a:prstGeom prst="rect">
               <a:avLst/>
@@ -19725,7 +19920,7 @@
           <p:spPr>
             <a:xfrm>
               <a:off x="7141549" y="2114160"/>
-              <a:ext cx="1909763" cy="601657"/>
+              <a:ext cx="3536521" cy="601657"/>
             </a:xfrm>
             <a:prstGeom prst="rect">
               <a:avLst/>
@@ -19744,7 +19939,7 @@
                   <a:latin typeface="FZZhengHeiS-DB-GB" panose="02000000000000000000" pitchFamily="2" charset="0"/>
                   <a:ea typeface="FZZhengHeiS-DB-GB" panose="02000000000000000000" pitchFamily="2" charset="0"/>
                 </a:rPr>
-                <a:t>URI</a:t>
+                <a:t>(option menu)URI</a:t>
               </a:r>
               <a:r>
                 <a:rPr lang="zh-TW" altLang="en-US" sz="2400" dirty="0">
@@ -22340,14 +22535,14 @@
           <p:nvPr>
             <p:extLst>
               <p:ext uri="{D42A27DB-BD31-4B8C-83A1-F6EECF244321}">
-                <p14:modId xmlns:p14="http://schemas.microsoft.com/office/powerpoint/2010/main" val="2084952553"/>
+                <p14:modId xmlns:p14="http://schemas.microsoft.com/office/powerpoint/2010/main" val="3123279246"/>
               </p:ext>
             </p:extLst>
           </p:nvPr>
         </p:nvGraphicFramePr>
         <p:xfrm>
           <a:off x="383004" y="1254516"/>
-          <a:ext cx="4823455" cy="5399000"/>
+          <a:ext cx="4823455" cy="4937760"/>
         </p:xfrm>
         <a:graphic>
           <a:graphicData uri="http://schemas.openxmlformats.org/drawingml/2006/table">
@@ -22371,7 +22566,7 @@
                   </a:extLst>
                 </a:gridCol>
               </a:tblGrid>
-              <a:tr h="389138">
+              <a:tr h="139050">
                 <a:tc>
                   <a:txBody>
                     <a:bodyPr/>
@@ -22408,7 +22603,7 @@
                   </a:ext>
                 </a:extLst>
               </a:tr>
-              <a:tr h="412409">
+              <a:tr h="0">
                 <a:tc>
                   <a:txBody>
                     <a:bodyPr/>
@@ -22466,7 +22661,7 @@
                   </a:ext>
                 </a:extLst>
               </a:tr>
-              <a:tr h="778277">
+              <a:tr h="194669">
                 <a:tc>
                   <a:txBody>
                     <a:bodyPr/>
@@ -22474,8 +22669,8 @@
                     <a:p>
                       <a:pPr algn="ctr"/>
                       <a:r>
-                        <a:rPr lang="en-US" altLang="zh-TW" dirty="0"/>
-                        <a:t>Constellation1</a:t>
+                        <a:rPr lang="en-US" altLang="zh-TW" dirty="0" err="1"/>
+                        <a:t>SearchConstellation</a:t>
                       </a:r>
                       <a:endParaRPr lang="zh-TW" altLang="en-US" dirty="0"/>
                     </a:p>
@@ -22528,7 +22723,7 @@
                   </a:ext>
                 </a:extLst>
               </a:tr>
-              <a:tr h="778277">
+              <a:tr h="194669">
                 <a:tc>
                   <a:txBody>
                     <a:bodyPr/>
@@ -22590,7 +22785,7 @@
                   </a:ext>
                 </a:extLst>
               </a:tr>
-              <a:tr h="544794">
+              <a:tr h="194669">
                 <a:tc>
                   <a:txBody>
                     <a:bodyPr/>
@@ -22652,7 +22847,7 @@
                   </a:ext>
                 </a:extLst>
               </a:tr>
-              <a:tr h="778277">
+              <a:tr h="278099">
                 <a:tc>
                   <a:txBody>
                     <a:bodyPr/>
@@ -22734,7 +22929,7 @@
                   </a:ext>
                 </a:extLst>
               </a:tr>
-              <a:tr h="544794">
+              <a:tr h="194669">
                 <a:tc>
                   <a:txBody>
                     <a:bodyPr/>
@@ -22796,7 +22991,7 @@
                   </a:ext>
                 </a:extLst>
               </a:tr>
-              <a:tr h="778277">
+              <a:tr h="194669">
                 <a:tc>
                   <a:txBody>
                     <a:bodyPr/>
@@ -27343,7 +27538,7 @@
           <a:lstStyle/>
           <a:p>
             <a:r>
-              <a:rPr lang="en-US" altLang="zh-TW" sz="2400" dirty="0" smtClean="0">
+              <a:rPr lang="en-US" altLang="zh-TW" sz="2400" dirty="0">
                 <a:solidFill>
                   <a:schemeClr val="accent1">
                     <a:lumMod val="50000"/>
@@ -27355,18 +27550,6 @@
               <a:t>#</a:t>
             </a:r>
             <a:r>
-              <a:rPr lang="zh-TW" altLang="en-US" sz="2400" dirty="0" smtClean="0">
-                <a:solidFill>
-                  <a:schemeClr val="accent1">
-                    <a:lumMod val="50000"/>
-                  </a:schemeClr>
-                </a:solidFill>
-                <a:latin typeface="微軟正黑體" panose="020B0604030504040204" pitchFamily="34" charset="-120"/>
-                <a:ea typeface="微軟正黑體" panose="020B0604030504040204" pitchFamily="34" charset="-120"/>
-              </a:rPr>
-              <a:t>此功能為自己</a:t>
-            </a:r>
-            <a:r>
               <a:rPr lang="zh-TW" altLang="en-US" sz="2400" dirty="0">
                 <a:solidFill>
                   <a:schemeClr val="accent1">
@@ -27376,7 +27559,7 @@
                 <a:latin typeface="微軟正黑體" panose="020B0604030504040204" pitchFamily="34" charset="-120"/>
                 <a:ea typeface="微軟正黑體" panose="020B0604030504040204" pitchFamily="34" charset="-120"/>
               </a:rPr>
-              <a:t>實作</a:t>
+              <a:t>此功能為自己實作</a:t>
             </a:r>
             <a:endParaRPr lang="zh-CN" altLang="en-US" sz="2400" dirty="0">
               <a:solidFill>
@@ -28289,7 +28472,7 @@
           <a:lstStyle/>
           <a:p>
             <a:r>
-              <a:rPr lang="en-US" altLang="zh-TW" sz="2400" dirty="0" smtClean="0">
+              <a:rPr lang="en-US" altLang="zh-TW" sz="2400" dirty="0">
                 <a:solidFill>
                   <a:schemeClr val="accent1">
                     <a:lumMod val="50000"/>
@@ -28301,18 +28484,6 @@
               <a:t>#</a:t>
             </a:r>
             <a:r>
-              <a:rPr lang="zh-TW" altLang="en-US" sz="2400" dirty="0" smtClean="0">
-                <a:solidFill>
-                  <a:schemeClr val="accent1">
-                    <a:lumMod val="50000"/>
-                  </a:schemeClr>
-                </a:solidFill>
-                <a:latin typeface="微軟正黑體" panose="020B0604030504040204" pitchFamily="34" charset="-120"/>
-                <a:ea typeface="微軟正黑體" panose="020B0604030504040204" pitchFamily="34" charset="-120"/>
-              </a:rPr>
-              <a:t>此功能為自己</a:t>
-            </a:r>
-            <a:r>
               <a:rPr lang="zh-TW" altLang="en-US" sz="2400" dirty="0">
                 <a:solidFill>
                   <a:schemeClr val="accent1">
@@ -28322,7 +28493,7 @@
                 <a:latin typeface="微軟正黑體" panose="020B0604030504040204" pitchFamily="34" charset="-120"/>
                 <a:ea typeface="微軟正黑體" panose="020B0604030504040204" pitchFamily="34" charset="-120"/>
               </a:rPr>
-              <a:t>實作</a:t>
+              <a:t>此功能為自己實作</a:t>
             </a:r>
             <a:endParaRPr lang="zh-CN" altLang="en-US" sz="2400" dirty="0">
               <a:solidFill>
@@ -29257,7 +29428,7 @@
           <a:lstStyle/>
           <a:p>
             <a:r>
-              <a:rPr lang="en-US" altLang="zh-TW" sz="2400" dirty="0" smtClean="0">
+              <a:rPr lang="en-US" altLang="zh-TW" sz="2400" dirty="0">
                 <a:solidFill>
                   <a:schemeClr val="accent1">
                     <a:lumMod val="50000"/>
@@ -29269,18 +29440,6 @@
               <a:t>#</a:t>
             </a:r>
             <a:r>
-              <a:rPr lang="zh-TW" altLang="en-US" sz="2400" dirty="0" smtClean="0">
-                <a:solidFill>
-                  <a:schemeClr val="accent1">
-                    <a:lumMod val="50000"/>
-                  </a:schemeClr>
-                </a:solidFill>
-                <a:latin typeface="微軟正黑體" panose="020B0604030504040204" pitchFamily="34" charset="-120"/>
-                <a:ea typeface="微軟正黑體" panose="020B0604030504040204" pitchFamily="34" charset="-120"/>
-              </a:rPr>
-              <a:t>此功能為自己</a:t>
-            </a:r>
-            <a:r>
               <a:rPr lang="zh-TW" altLang="en-US" sz="2400" dirty="0">
                 <a:solidFill>
                   <a:schemeClr val="accent1">
@@ -29290,7 +29449,7 @@
                 <a:latin typeface="微軟正黑體" panose="020B0604030504040204" pitchFamily="34" charset="-120"/>
                 <a:ea typeface="微軟正黑體" panose="020B0604030504040204" pitchFamily="34" charset="-120"/>
               </a:rPr>
-              <a:t>實作</a:t>
+              <a:t>此功能為自己實作</a:t>
             </a:r>
             <a:endParaRPr lang="zh-CN" altLang="en-US" sz="2400" dirty="0">
               <a:solidFill>
@@ -30066,7 +30225,7 @@
           <a:lstStyle/>
           <a:p>
             <a:r>
-              <a:rPr lang="en-US" altLang="zh-TW" sz="2400" dirty="0" smtClean="0">
+              <a:rPr lang="en-US" altLang="zh-TW" sz="2400" dirty="0">
                 <a:solidFill>
                   <a:schemeClr val="accent1">
                     <a:lumMod val="50000"/>
@@ -30078,18 +30237,6 @@
               <a:t>#</a:t>
             </a:r>
             <a:r>
-              <a:rPr lang="zh-TW" altLang="en-US" sz="2400" dirty="0" smtClean="0">
-                <a:solidFill>
-                  <a:schemeClr val="accent1">
-                    <a:lumMod val="50000"/>
-                  </a:schemeClr>
-                </a:solidFill>
-                <a:latin typeface="微軟正黑體" panose="020B0604030504040204" pitchFamily="34" charset="-120"/>
-                <a:ea typeface="微軟正黑體" panose="020B0604030504040204" pitchFamily="34" charset="-120"/>
-              </a:rPr>
-              <a:t>此功能為自己</a:t>
-            </a:r>
-            <a:r>
               <a:rPr lang="zh-TW" altLang="en-US" sz="2400" dirty="0">
                 <a:solidFill>
                   <a:schemeClr val="accent1">
@@ -30099,7 +30246,7 @@
                 <a:latin typeface="微軟正黑體" panose="020B0604030504040204" pitchFamily="34" charset="-120"/>
                 <a:ea typeface="微軟正黑體" panose="020B0604030504040204" pitchFamily="34" charset="-120"/>
               </a:rPr>
-              <a:t>實作</a:t>
+              <a:t>此功能為自己實作</a:t>
             </a:r>
             <a:endParaRPr lang="zh-CN" altLang="en-US" sz="2400" dirty="0">
               <a:solidFill>
